--- a/export/Mantel Test/Wet Season Mantel Test.pptx
+++ b/export/Mantel Test/Wet Season Mantel Test.pptx
@@ -262,7 +262,7 @@
           <a:p>
             <a:fld id="{1D8BD707-D9CF-40AE-B4C6-C98DA3205C09}" type="datetimeFigureOut">
               <a:rPr lang="en-US"/>
-              <a:t>1/21/2023</a:t>
+              <a:t>1/24/2023</a:t>
             </a:fld>
             <a:endParaRPr lang="en-US"/>
           </a:p>
@@ -427,7 +427,7 @@
           <a:p>
             <a:fld id="{1D8BD707-D9CF-40AE-B4C6-C98DA3205C09}" type="datetimeFigureOut">
               <a:rPr lang="en-US"/>
-              <a:t>1/21/2023</a:t>
+              <a:t>1/24/2023</a:t>
             </a:fld>
             <a:endParaRPr lang="en-US"/>
           </a:p>
@@ -635,7 +635,7 @@
           <a:p>
             <a:fld id="{1D8BD707-D9CF-40AE-B4C6-C98DA3205C09}" type="datetimeFigureOut">
               <a:rPr lang="en-US"/>
-              <a:t>1/21/2023</a:t>
+              <a:t>1/24/2023</a:t>
             </a:fld>
             <a:endParaRPr lang="en-US"/>
           </a:p>
@@ -777,7 +777,7 @@
           <a:p>
             <a:fld id="{1D8BD707-D9CF-40AE-B4C6-C98DA3205C09}" type="datetimeFigureOut">
               <a:rPr lang="en-US"/>
-              <a:t>1/21/2023</a:t>
+              <a:t>1/24/2023</a:t>
             </a:fld>
             <a:endParaRPr lang="en-US"/>
           </a:p>
@@ -896,7 +896,7 @@
           <a:p>
             <a:fld id="{1D8BD707-D9CF-40AE-B4C6-C98DA3205C09}" type="datetimeFigureOut">
               <a:rPr lang="en-US"/>
-              <a:t>1/21/2023</a:t>
+              <a:t>1/24/2023</a:t>
             </a:fld>
             <a:endParaRPr lang="en-US"/>
           </a:p>
@@ -35419,7 +35419,7 @@
               </a:path>
             </a:pathLst>
           </a:custGeom>
-          <a:ln w="27051">
+          <a:ln w="13589">
             <a:solidFill>
               <a:srgbClr val="D95F02"/>
             </a:solidFill>
@@ -35728,7 +35728,7 @@
               </a:path>
             </a:pathLst>
           </a:custGeom>
-          <a:ln w="27051">
+          <a:ln w="13589">
             <a:solidFill>
               <a:srgbClr val="1B9E77"/>
             </a:solidFill>
@@ -53884,7 +53884,7 @@
           <a:p>
             <a:fld id="{1D8BD707-D9CF-40AE-B4C6-C98DA3205C09}" type="datetimeFigureOut">
               <a:rPr lang="en-US"/>
-              <a:t>1/21/2023</a:t>
+              <a:t>1/24/2023</a:t>
             </a:fld>
             <a:endParaRPr lang="en-US"/>
           </a:p>
@@ -54105,10 +54105,10 @@
       </p:grpSpPr>
       <p:sp>
         <p:nvSpPr>
-          <p:cNvPr id="120" name="object 2">
+          <p:cNvPr id="32" name="object 2">
             <a:extLst>
               <a:ext uri="{FF2B5EF4-FFF2-40B4-BE49-F238E27FC236}">
-                <a16:creationId xmlns:a16="http://schemas.microsoft.com/office/drawing/2014/main" id="{4B42B68E-62E9-BBA6-7AED-7855E36640EF}"/>
+                <a16:creationId xmlns:a16="http://schemas.microsoft.com/office/drawing/2014/main" id="{4CA86251-F4BC-91C0-412A-FFC82C700FEC}"/>
               </a:ext>
             </a:extLst>
           </p:cNvPr>
@@ -54184,10 +54184,10 @@
       </p:sp>
       <p:sp>
         <p:nvSpPr>
-          <p:cNvPr id="121" name="object 3">
+          <p:cNvPr id="33" name="object 3">
             <a:extLst>
               <a:ext uri="{FF2B5EF4-FFF2-40B4-BE49-F238E27FC236}">
-                <a16:creationId xmlns:a16="http://schemas.microsoft.com/office/drawing/2014/main" id="{202958B2-D733-7D43-175E-CB5A34D9C6B5}"/>
+                <a16:creationId xmlns:a16="http://schemas.microsoft.com/office/drawing/2014/main" id="{758FD2A3-9DEE-1F4C-1738-09F3DC398034}"/>
               </a:ext>
             </a:extLst>
           </p:cNvPr>
@@ -54312,10 +54312,10 @@
       </p:sp>
       <p:sp>
         <p:nvSpPr>
-          <p:cNvPr id="122" name="object 4">
+          <p:cNvPr id="34" name="object 4">
             <a:extLst>
               <a:ext uri="{FF2B5EF4-FFF2-40B4-BE49-F238E27FC236}">
-                <a16:creationId xmlns:a16="http://schemas.microsoft.com/office/drawing/2014/main" id="{84C9E6A4-BEC4-E490-C9DD-2ECA61B68A43}"/>
+                <a16:creationId xmlns:a16="http://schemas.microsoft.com/office/drawing/2014/main" id="{5FE6A0B7-EC49-0A24-BAF1-5A8547A1CE04}"/>
               </a:ext>
             </a:extLst>
           </p:cNvPr>
@@ -54392,10 +54392,10 @@
       </p:sp>
       <p:sp>
         <p:nvSpPr>
-          <p:cNvPr id="123" name="object 5">
+          <p:cNvPr id="35" name="object 5">
             <a:extLst>
               <a:ext uri="{FF2B5EF4-FFF2-40B4-BE49-F238E27FC236}">
-                <a16:creationId xmlns:a16="http://schemas.microsoft.com/office/drawing/2014/main" id="{1B2DACAB-053C-21EA-FB5B-F80F98003AAD}"/>
+                <a16:creationId xmlns:a16="http://schemas.microsoft.com/office/drawing/2014/main" id="{4039900B-2183-7C49-FCD6-BE830FBD4055}"/>
               </a:ext>
             </a:extLst>
           </p:cNvPr>
@@ -54442,10 +54442,10 @@
         <mc:Choice xmlns:a14="http://schemas.microsoft.com/office/drawing/2010/main" Requires="a14">
           <p:sp>
             <p:nvSpPr>
-              <p:cNvPr id="124" name="文本框 123">
+              <p:cNvPr id="36" name="文本框 35">
                 <a:extLst>
                   <a:ext uri="{FF2B5EF4-FFF2-40B4-BE49-F238E27FC236}">
-                    <a16:creationId xmlns:a16="http://schemas.microsoft.com/office/drawing/2014/main" id="{4267B999-55F1-E3AD-78DD-62A5E5FA0299}"/>
+                    <a16:creationId xmlns:a16="http://schemas.microsoft.com/office/drawing/2014/main" id="{B8F9C8E0-2178-63EE-C10B-E27A58680400}"/>
                   </a:ext>
                 </a:extLst>
               </p:cNvPr>
@@ -54507,10 +54507,10 @@
         <mc:Fallback>
           <p:sp>
             <p:nvSpPr>
-              <p:cNvPr id="124" name="文本框 123">
+              <p:cNvPr id="36" name="文本框 35">
                 <a:extLst>
                   <a:ext uri="{FF2B5EF4-FFF2-40B4-BE49-F238E27FC236}">
-                    <a16:creationId xmlns:a16="http://schemas.microsoft.com/office/drawing/2014/main" id="{4267B999-55F1-E3AD-78DD-62A5E5FA0299}"/>
+                    <a16:creationId xmlns:a16="http://schemas.microsoft.com/office/drawing/2014/main" id="{B8F9C8E0-2178-63EE-C10B-E27A58680400}"/>
                   </a:ext>
                 </a:extLst>
               </p:cNvPr>
@@ -54553,10 +54553,10 @@
         <mc:Choice xmlns:a14="http://schemas.microsoft.com/office/drawing/2010/main" Requires="a14">
           <p:sp>
             <p:nvSpPr>
-              <p:cNvPr id="125" name="文本框 124">
+              <p:cNvPr id="37" name="文本框 36">
                 <a:extLst>
                   <a:ext uri="{FF2B5EF4-FFF2-40B4-BE49-F238E27FC236}">
-                    <a16:creationId xmlns:a16="http://schemas.microsoft.com/office/drawing/2014/main" id="{35A85BBB-1745-9B3C-A553-2EE2C4C0B804}"/>
+                    <a16:creationId xmlns:a16="http://schemas.microsoft.com/office/drawing/2014/main" id="{5236F034-5437-6016-BF13-966ADEC05A1B}"/>
                   </a:ext>
                 </a:extLst>
               </p:cNvPr>
@@ -54619,10 +54619,10 @@
         <mc:Fallback>
           <p:sp>
             <p:nvSpPr>
-              <p:cNvPr id="125" name="文本框 124">
+              <p:cNvPr id="37" name="文本框 36">
                 <a:extLst>
                   <a:ext uri="{FF2B5EF4-FFF2-40B4-BE49-F238E27FC236}">
-                    <a16:creationId xmlns:a16="http://schemas.microsoft.com/office/drawing/2014/main" id="{35A85BBB-1745-9B3C-A553-2EE2C4C0B804}"/>
+                    <a16:creationId xmlns:a16="http://schemas.microsoft.com/office/drawing/2014/main" id="{5236F034-5437-6016-BF13-966ADEC05A1B}"/>
                   </a:ext>
                 </a:extLst>
               </p:cNvPr>
@@ -54663,10 +54663,10 @@
       </mc:AlternateContent>
       <p:sp>
         <p:nvSpPr>
-          <p:cNvPr id="126" name="文本框 125">
+          <p:cNvPr id="38" name="文本框 37">
             <a:extLst>
               <a:ext uri="{FF2B5EF4-FFF2-40B4-BE49-F238E27FC236}">
-                <a16:creationId xmlns:a16="http://schemas.microsoft.com/office/drawing/2014/main" id="{2582FE6C-A739-7884-FABA-A0EAC4661D2F}"/>
+                <a16:creationId xmlns:a16="http://schemas.microsoft.com/office/drawing/2014/main" id="{9BF201CB-25D7-4593-B874-54EAAA845358}"/>
               </a:ext>
             </a:extLst>
           </p:cNvPr>
@@ -54714,10 +54714,10 @@
       </p:sp>
       <p:cxnSp>
         <p:nvCxnSpPr>
-          <p:cNvPr id="127" name="直接连接符 126">
+          <p:cNvPr id="39" name="直接连接符 38">
             <a:extLst>
               <a:ext uri="{FF2B5EF4-FFF2-40B4-BE49-F238E27FC236}">
-                <a16:creationId xmlns:a16="http://schemas.microsoft.com/office/drawing/2014/main" id="{7909B658-0C98-1FE8-23E5-8BB1CA1DADC2}"/>
+                <a16:creationId xmlns:a16="http://schemas.microsoft.com/office/drawing/2014/main" id="{37A2334A-7CA9-BED2-C6C4-2B38F98B0873}"/>
               </a:ext>
             </a:extLst>
           </p:cNvPr>
@@ -54752,10 +54752,10 @@
       </p:cxnSp>
       <p:sp>
         <p:nvSpPr>
-          <p:cNvPr id="128" name="文本框 127">
+          <p:cNvPr id="40" name="文本框 39">
             <a:extLst>
               <a:ext uri="{FF2B5EF4-FFF2-40B4-BE49-F238E27FC236}">
-                <a16:creationId xmlns:a16="http://schemas.microsoft.com/office/drawing/2014/main" id="{88BD5FF5-41D2-9495-B857-FB5627A0524C}"/>
+                <a16:creationId xmlns:a16="http://schemas.microsoft.com/office/drawing/2014/main" id="{9645B561-A403-BFBA-8FDA-97A3B7BF2071}"/>
               </a:ext>
             </a:extLst>
           </p:cNvPr>
@@ -54803,10 +54803,10 @@
       </p:sp>
       <p:sp>
         <p:nvSpPr>
-          <p:cNvPr id="129" name="文本框 128">
+          <p:cNvPr id="41" name="文本框 40">
             <a:extLst>
               <a:ext uri="{FF2B5EF4-FFF2-40B4-BE49-F238E27FC236}">
-                <a16:creationId xmlns:a16="http://schemas.microsoft.com/office/drawing/2014/main" id="{AF073DC0-AE29-5813-D568-45192D861F4E}"/>
+                <a16:creationId xmlns:a16="http://schemas.microsoft.com/office/drawing/2014/main" id="{4D3CCD02-5A8B-E9EF-5D8E-28F5344C1730}"/>
               </a:ext>
             </a:extLst>
           </p:cNvPr>
@@ -54854,10 +54854,10 @@
       </p:sp>
       <p:sp>
         <p:nvSpPr>
-          <p:cNvPr id="130" name="文本框 129">
+          <p:cNvPr id="42" name="文本框 41">
             <a:extLst>
               <a:ext uri="{FF2B5EF4-FFF2-40B4-BE49-F238E27FC236}">
-                <a16:creationId xmlns:a16="http://schemas.microsoft.com/office/drawing/2014/main" id="{5B21A4DE-2F0B-0754-97B1-7874CC863AA4}"/>
+                <a16:creationId xmlns:a16="http://schemas.microsoft.com/office/drawing/2014/main" id="{885E8728-AF34-E2B8-4BF0-F85506B23140}"/>
               </a:ext>
             </a:extLst>
           </p:cNvPr>
@@ -54905,10 +54905,10 @@
       </p:sp>
       <p:sp>
         <p:nvSpPr>
-          <p:cNvPr id="131" name="文本框 130">
+          <p:cNvPr id="43" name="文本框 42">
             <a:extLst>
               <a:ext uri="{FF2B5EF4-FFF2-40B4-BE49-F238E27FC236}">
-                <a16:creationId xmlns:a16="http://schemas.microsoft.com/office/drawing/2014/main" id="{BFFFFB56-CAB6-1D60-55D9-CF45902D933D}"/>
+                <a16:creationId xmlns:a16="http://schemas.microsoft.com/office/drawing/2014/main" id="{8A14E44A-4EDD-1A4E-F5CC-B24BF699D914}"/>
               </a:ext>
             </a:extLst>
           </p:cNvPr>
@@ -54956,10 +54956,10 @@
       </p:sp>
       <p:sp>
         <p:nvSpPr>
-          <p:cNvPr id="132" name="文本框 131">
+          <p:cNvPr id="44" name="文本框 43">
             <a:extLst>
               <a:ext uri="{FF2B5EF4-FFF2-40B4-BE49-F238E27FC236}">
-                <a16:creationId xmlns:a16="http://schemas.microsoft.com/office/drawing/2014/main" id="{7DD5D2B0-5C35-EA6E-C614-D40368E033EA}"/>
+                <a16:creationId xmlns:a16="http://schemas.microsoft.com/office/drawing/2014/main" id="{82778FC3-F6A1-A3AE-D43E-5EACC49371B7}"/>
               </a:ext>
             </a:extLst>
           </p:cNvPr>
@@ -55007,10 +55007,10 @@
       </p:sp>
       <p:sp>
         <p:nvSpPr>
-          <p:cNvPr id="133" name="文本框 132">
+          <p:cNvPr id="45" name="文本框 44">
             <a:extLst>
               <a:ext uri="{FF2B5EF4-FFF2-40B4-BE49-F238E27FC236}">
-                <a16:creationId xmlns:a16="http://schemas.microsoft.com/office/drawing/2014/main" id="{4DE2A853-92E7-78CF-5646-8C7C40B7EC04}"/>
+                <a16:creationId xmlns:a16="http://schemas.microsoft.com/office/drawing/2014/main" id="{0BB7B216-7F08-2FD0-5872-36D9C240D954}"/>
               </a:ext>
             </a:extLst>
           </p:cNvPr>
@@ -55058,10 +55058,10 @@
       </p:sp>
       <p:sp>
         <p:nvSpPr>
-          <p:cNvPr id="134" name="文本框 133">
+          <p:cNvPr id="46" name="文本框 45">
             <a:extLst>
               <a:ext uri="{FF2B5EF4-FFF2-40B4-BE49-F238E27FC236}">
-                <a16:creationId xmlns:a16="http://schemas.microsoft.com/office/drawing/2014/main" id="{DE68FA79-812B-3FB7-14DF-8D1BDF92D059}"/>
+                <a16:creationId xmlns:a16="http://schemas.microsoft.com/office/drawing/2014/main" id="{FFAB5225-C2F7-76A7-D8CC-ACD0D8A1BCAD}"/>
               </a:ext>
             </a:extLst>
           </p:cNvPr>
@@ -55109,10 +55109,10 @@
       </p:sp>
       <p:sp>
         <p:nvSpPr>
-          <p:cNvPr id="135" name="文本框 134">
+          <p:cNvPr id="47" name="文本框 46">
             <a:extLst>
               <a:ext uri="{FF2B5EF4-FFF2-40B4-BE49-F238E27FC236}">
-                <a16:creationId xmlns:a16="http://schemas.microsoft.com/office/drawing/2014/main" id="{BB10950D-2F6C-1375-109E-0300F3492152}"/>
+                <a16:creationId xmlns:a16="http://schemas.microsoft.com/office/drawing/2014/main" id="{EF1D8CA8-7DDB-534F-EA72-A19F8182725F}"/>
               </a:ext>
             </a:extLst>
           </p:cNvPr>
@@ -55160,10 +55160,10 @@
       </p:sp>
       <p:sp>
         <p:nvSpPr>
-          <p:cNvPr id="136" name="文本框 135">
+          <p:cNvPr id="48" name="文本框 47">
             <a:extLst>
               <a:ext uri="{FF2B5EF4-FFF2-40B4-BE49-F238E27FC236}">
-                <a16:creationId xmlns:a16="http://schemas.microsoft.com/office/drawing/2014/main" id="{901525F5-F935-647A-3AF7-BB8E82F429C2}"/>
+                <a16:creationId xmlns:a16="http://schemas.microsoft.com/office/drawing/2014/main" id="{71B52AD0-185E-F073-C899-79CF16326F25}"/>
               </a:ext>
             </a:extLst>
           </p:cNvPr>
@@ -55211,10 +55211,10 @@
       </p:sp>
       <p:sp>
         <p:nvSpPr>
-          <p:cNvPr id="137" name="文本框 136">
+          <p:cNvPr id="49" name="文本框 48">
             <a:extLst>
               <a:ext uri="{FF2B5EF4-FFF2-40B4-BE49-F238E27FC236}">
-                <a16:creationId xmlns:a16="http://schemas.microsoft.com/office/drawing/2014/main" id="{6B906D91-0693-FD09-2FD2-2B1159BB3943}"/>
+                <a16:creationId xmlns:a16="http://schemas.microsoft.com/office/drawing/2014/main" id="{ED75D655-97AE-C2E9-8FC6-8A20C9E1136D}"/>
               </a:ext>
             </a:extLst>
           </p:cNvPr>
@@ -55262,10 +55262,10 @@
       </p:sp>
       <p:sp>
         <p:nvSpPr>
-          <p:cNvPr id="138" name="文本框 137">
+          <p:cNvPr id="50" name="文本框 49">
             <a:extLst>
               <a:ext uri="{FF2B5EF4-FFF2-40B4-BE49-F238E27FC236}">
-                <a16:creationId xmlns:a16="http://schemas.microsoft.com/office/drawing/2014/main" id="{79942B00-7D27-9A4B-6A70-0E6F857821D4}"/>
+                <a16:creationId xmlns:a16="http://schemas.microsoft.com/office/drawing/2014/main" id="{F3276714-940C-368A-9E7A-EB3942B078CE}"/>
               </a:ext>
             </a:extLst>
           </p:cNvPr>
@@ -55313,10 +55313,10 @@
       </p:sp>
       <p:sp>
         <p:nvSpPr>
-          <p:cNvPr id="139" name="文本框 138">
+          <p:cNvPr id="51" name="文本框 50">
             <a:extLst>
               <a:ext uri="{FF2B5EF4-FFF2-40B4-BE49-F238E27FC236}">
-                <a16:creationId xmlns:a16="http://schemas.microsoft.com/office/drawing/2014/main" id="{1F9A2940-D945-400A-677E-28727AB0E14B}"/>
+                <a16:creationId xmlns:a16="http://schemas.microsoft.com/office/drawing/2014/main" id="{57624E5B-0194-F516-D760-675EB70DC198}"/>
               </a:ext>
             </a:extLst>
           </p:cNvPr>
@@ -55364,10 +55364,10 @@
       </p:sp>
       <p:sp>
         <p:nvSpPr>
-          <p:cNvPr id="140" name="文本框 139">
+          <p:cNvPr id="52" name="文本框 51">
             <a:extLst>
               <a:ext uri="{FF2B5EF4-FFF2-40B4-BE49-F238E27FC236}">
-                <a16:creationId xmlns:a16="http://schemas.microsoft.com/office/drawing/2014/main" id="{91DFD979-06C4-7CA9-9EF9-27B278FC8E33}"/>
+                <a16:creationId xmlns:a16="http://schemas.microsoft.com/office/drawing/2014/main" id="{4B9A3001-31B7-0E3D-7D06-F75B7B7A2D50}"/>
               </a:ext>
             </a:extLst>
           </p:cNvPr>
@@ -55415,10 +55415,10 @@
       </p:sp>
       <p:sp>
         <p:nvSpPr>
-          <p:cNvPr id="141" name="文本框 140">
+          <p:cNvPr id="53" name="文本框 52">
             <a:extLst>
               <a:ext uri="{FF2B5EF4-FFF2-40B4-BE49-F238E27FC236}">
-                <a16:creationId xmlns:a16="http://schemas.microsoft.com/office/drawing/2014/main" id="{8EA25E5A-620B-DD76-FFE5-E0627813E7EE}"/>
+                <a16:creationId xmlns:a16="http://schemas.microsoft.com/office/drawing/2014/main" id="{3912F9F1-3DCE-88A0-28A1-D342A2C587C4}"/>
               </a:ext>
             </a:extLst>
           </p:cNvPr>
@@ -55466,10 +55466,10 @@
       </p:sp>
       <p:sp>
         <p:nvSpPr>
-          <p:cNvPr id="142" name="文本框 141">
+          <p:cNvPr id="54" name="文本框 53">
             <a:extLst>
               <a:ext uri="{FF2B5EF4-FFF2-40B4-BE49-F238E27FC236}">
-                <a16:creationId xmlns:a16="http://schemas.microsoft.com/office/drawing/2014/main" id="{F48FC4D5-0DC9-5F3A-F773-A2F582EDC528}"/>
+                <a16:creationId xmlns:a16="http://schemas.microsoft.com/office/drawing/2014/main" id="{517FBE24-5677-F0D9-531A-EF847E305D7B}"/>
               </a:ext>
             </a:extLst>
           </p:cNvPr>
@@ -55517,10 +55517,10 @@
       </p:sp>
       <p:sp>
         <p:nvSpPr>
-          <p:cNvPr id="143" name="文本框 142">
+          <p:cNvPr id="55" name="文本框 54">
             <a:extLst>
               <a:ext uri="{FF2B5EF4-FFF2-40B4-BE49-F238E27FC236}">
-                <a16:creationId xmlns:a16="http://schemas.microsoft.com/office/drawing/2014/main" id="{DB18428C-A1E8-3353-6517-573A99FFB688}"/>
+                <a16:creationId xmlns:a16="http://schemas.microsoft.com/office/drawing/2014/main" id="{30D925E4-6322-93F7-B1D5-9918B3166DC1}"/>
               </a:ext>
             </a:extLst>
           </p:cNvPr>
@@ -55570,10 +55570,10 @@
         <mc:Choice xmlns:a14="http://schemas.microsoft.com/office/drawing/2010/main" Requires="a14">
           <p:sp>
             <p:nvSpPr>
-              <p:cNvPr id="144" name="文本框 143">
+              <p:cNvPr id="56" name="文本框 55">
                 <a:extLst>
                   <a:ext uri="{FF2B5EF4-FFF2-40B4-BE49-F238E27FC236}">
-                    <a16:creationId xmlns:a16="http://schemas.microsoft.com/office/drawing/2014/main" id="{61451798-B766-DB1E-85FA-5F69B178DD1A}"/>
+                    <a16:creationId xmlns:a16="http://schemas.microsoft.com/office/drawing/2014/main" id="{E87250E7-C7DC-75BF-62BB-ED3137637D3B}"/>
                   </a:ext>
                 </a:extLst>
               </p:cNvPr>
@@ -55662,10 +55662,10 @@
         <mc:Fallback>
           <p:sp>
             <p:nvSpPr>
-              <p:cNvPr id="144" name="文本框 143">
+              <p:cNvPr id="56" name="文本框 55">
                 <a:extLst>
                   <a:ext uri="{FF2B5EF4-FFF2-40B4-BE49-F238E27FC236}">
-                    <a16:creationId xmlns:a16="http://schemas.microsoft.com/office/drawing/2014/main" id="{61451798-B766-DB1E-85FA-5F69B178DD1A}"/>
+                    <a16:creationId xmlns:a16="http://schemas.microsoft.com/office/drawing/2014/main" id="{E87250E7-C7DC-75BF-62BB-ED3137637D3B}"/>
                   </a:ext>
                 </a:extLst>
               </p:cNvPr>
@@ -55708,10 +55708,10 @@
         <mc:Choice xmlns:a14="http://schemas.microsoft.com/office/drawing/2010/main" Requires="a14">
           <p:sp>
             <p:nvSpPr>
-              <p:cNvPr id="145" name="文本框 144">
+              <p:cNvPr id="57" name="文本框 56">
                 <a:extLst>
                   <a:ext uri="{FF2B5EF4-FFF2-40B4-BE49-F238E27FC236}">
-                    <a16:creationId xmlns:a16="http://schemas.microsoft.com/office/drawing/2014/main" id="{DD02CCF3-DC88-6E92-604C-6904586B01CC}"/>
+                    <a16:creationId xmlns:a16="http://schemas.microsoft.com/office/drawing/2014/main" id="{626E0346-47AB-1827-D0EB-30FDE761D31C}"/>
                   </a:ext>
                 </a:extLst>
               </p:cNvPr>
@@ -55800,10 +55800,10 @@
         <mc:Fallback>
           <p:sp>
             <p:nvSpPr>
-              <p:cNvPr id="145" name="文本框 144">
+              <p:cNvPr id="57" name="文本框 56">
                 <a:extLst>
                   <a:ext uri="{FF2B5EF4-FFF2-40B4-BE49-F238E27FC236}">
-                    <a16:creationId xmlns:a16="http://schemas.microsoft.com/office/drawing/2014/main" id="{DD02CCF3-DC88-6E92-604C-6904586B01CC}"/>
+                    <a16:creationId xmlns:a16="http://schemas.microsoft.com/office/drawing/2014/main" id="{626E0346-47AB-1827-D0EB-30FDE761D31C}"/>
                   </a:ext>
                 </a:extLst>
               </p:cNvPr>
@@ -55846,10 +55846,10 @@
         <mc:Choice xmlns:a14="http://schemas.microsoft.com/office/drawing/2010/main" Requires="a14">
           <p:sp>
             <p:nvSpPr>
-              <p:cNvPr id="146" name="文本框 145">
+              <p:cNvPr id="58" name="文本框 57">
                 <a:extLst>
                   <a:ext uri="{FF2B5EF4-FFF2-40B4-BE49-F238E27FC236}">
-                    <a16:creationId xmlns:a16="http://schemas.microsoft.com/office/drawing/2014/main" id="{7BB8FE42-7E6E-DC65-6EFD-3D611457199F}"/>
+                    <a16:creationId xmlns:a16="http://schemas.microsoft.com/office/drawing/2014/main" id="{EB3E657D-9107-474E-2342-30761C36A61A}"/>
                   </a:ext>
                 </a:extLst>
               </p:cNvPr>
@@ -55938,10 +55938,10 @@
         <mc:Fallback>
           <p:sp>
             <p:nvSpPr>
-              <p:cNvPr id="146" name="文本框 145">
+              <p:cNvPr id="58" name="文本框 57">
                 <a:extLst>
                   <a:ext uri="{FF2B5EF4-FFF2-40B4-BE49-F238E27FC236}">
-                    <a16:creationId xmlns:a16="http://schemas.microsoft.com/office/drawing/2014/main" id="{7BB8FE42-7E6E-DC65-6EFD-3D611457199F}"/>
+                    <a16:creationId xmlns:a16="http://schemas.microsoft.com/office/drawing/2014/main" id="{EB3E657D-9107-474E-2342-30761C36A61A}"/>
                   </a:ext>
                 </a:extLst>
               </p:cNvPr>
@@ -55982,10 +55982,10 @@
       </mc:AlternateContent>
       <p:sp>
         <p:nvSpPr>
-          <p:cNvPr id="147" name="文本框 146">
+          <p:cNvPr id="59" name="文本框 58">
             <a:extLst>
               <a:ext uri="{FF2B5EF4-FFF2-40B4-BE49-F238E27FC236}">
-                <a16:creationId xmlns:a16="http://schemas.microsoft.com/office/drawing/2014/main" id="{E70E1296-04F0-12E1-19DC-4E6BF370979A}"/>
+                <a16:creationId xmlns:a16="http://schemas.microsoft.com/office/drawing/2014/main" id="{DE20DADC-36B2-D870-A6FD-4FEF610B2B87}"/>
               </a:ext>
             </a:extLst>
           </p:cNvPr>
@@ -56033,10 +56033,10 @@
       </p:sp>
       <p:cxnSp>
         <p:nvCxnSpPr>
-          <p:cNvPr id="150" name="直接连接符 149">
+          <p:cNvPr id="60" name="直接连接符 59">
             <a:extLst>
               <a:ext uri="{FF2B5EF4-FFF2-40B4-BE49-F238E27FC236}">
-                <a16:creationId xmlns:a16="http://schemas.microsoft.com/office/drawing/2014/main" id="{99A5E00A-CAD5-CC44-F4BB-0397B59E1041}"/>
+                <a16:creationId xmlns:a16="http://schemas.microsoft.com/office/drawing/2014/main" id="{68488902-FD1B-193D-8A9F-265BF470AE7F}"/>
               </a:ext>
             </a:extLst>
           </p:cNvPr>
@@ -56071,10 +56071,10 @@
       </p:cxnSp>
       <p:sp>
         <p:nvSpPr>
-          <p:cNvPr id="151" name="文本框 150">
+          <p:cNvPr id="61" name="文本框 60">
             <a:extLst>
               <a:ext uri="{FF2B5EF4-FFF2-40B4-BE49-F238E27FC236}">
-                <a16:creationId xmlns:a16="http://schemas.microsoft.com/office/drawing/2014/main" id="{50DFFF99-E2E3-76E4-6CFD-93A275F39BA5}"/>
+                <a16:creationId xmlns:a16="http://schemas.microsoft.com/office/drawing/2014/main" id="{6214B4B3-76FF-8365-73D2-7BE4D8EBBD67}"/>
               </a:ext>
             </a:extLst>
           </p:cNvPr>
@@ -56130,10 +56130,10 @@
       </p:sp>
       <p:sp>
         <p:nvSpPr>
-          <p:cNvPr id="152" name="文本框 151">
+          <p:cNvPr id="62" name="文本框 61">
             <a:extLst>
               <a:ext uri="{FF2B5EF4-FFF2-40B4-BE49-F238E27FC236}">
-                <a16:creationId xmlns:a16="http://schemas.microsoft.com/office/drawing/2014/main" id="{CE75EF6A-0915-C097-4D42-BF0DAC613D9B}"/>
+                <a16:creationId xmlns:a16="http://schemas.microsoft.com/office/drawing/2014/main" id="{08C96F29-8E97-37A9-ECEC-96D9354612FC}"/>
               </a:ext>
             </a:extLst>
           </p:cNvPr>
@@ -56183,10 +56183,10 @@
         <mc:Choice xmlns:a14="http://schemas.microsoft.com/office/drawing/2010/main" Requires="a14">
           <p:sp>
             <p:nvSpPr>
-              <p:cNvPr id="155" name="文本框 154">
+              <p:cNvPr id="63" name="文本框 62">
                 <a:extLst>
                   <a:ext uri="{FF2B5EF4-FFF2-40B4-BE49-F238E27FC236}">
-                    <a16:creationId xmlns:a16="http://schemas.microsoft.com/office/drawing/2014/main" id="{DCBCF7A8-CAAB-FEDA-4B09-D5A178364B50}"/>
+                    <a16:creationId xmlns:a16="http://schemas.microsoft.com/office/drawing/2014/main" id="{C53F2F50-A451-1AD5-F2EA-A4C3441CA548}"/>
                   </a:ext>
                 </a:extLst>
               </p:cNvPr>
@@ -56251,10 +56251,10 @@
         <mc:Fallback>
           <p:sp>
             <p:nvSpPr>
-              <p:cNvPr id="155" name="文本框 154">
+              <p:cNvPr id="63" name="文本框 62">
                 <a:extLst>
                   <a:ext uri="{FF2B5EF4-FFF2-40B4-BE49-F238E27FC236}">
-                    <a16:creationId xmlns:a16="http://schemas.microsoft.com/office/drawing/2014/main" id="{DCBCF7A8-CAAB-FEDA-4B09-D5A178364B50}"/>
+                    <a16:creationId xmlns:a16="http://schemas.microsoft.com/office/drawing/2014/main" id="{C53F2F50-A451-1AD5-F2EA-A4C3441CA548}"/>
                   </a:ext>
                 </a:extLst>
               </p:cNvPr>
@@ -56297,10 +56297,10 @@
         <mc:Choice xmlns:a14="http://schemas.microsoft.com/office/drawing/2010/main" Requires="a14">
           <p:sp>
             <p:nvSpPr>
-              <p:cNvPr id="156" name="文本框 155">
+              <p:cNvPr id="64" name="文本框 63">
                 <a:extLst>
                   <a:ext uri="{FF2B5EF4-FFF2-40B4-BE49-F238E27FC236}">
-                    <a16:creationId xmlns:a16="http://schemas.microsoft.com/office/drawing/2014/main" id="{98BF6604-2D75-B410-17FD-93F1A47D4C9E}"/>
+                    <a16:creationId xmlns:a16="http://schemas.microsoft.com/office/drawing/2014/main" id="{19216C7F-552F-B555-176E-1208657153CA}"/>
                   </a:ext>
                 </a:extLst>
               </p:cNvPr>
@@ -56363,10 +56363,10 @@
         <mc:Fallback>
           <p:sp>
             <p:nvSpPr>
-              <p:cNvPr id="156" name="文本框 155">
+              <p:cNvPr id="64" name="文本框 63">
                 <a:extLst>
                   <a:ext uri="{FF2B5EF4-FFF2-40B4-BE49-F238E27FC236}">
-                    <a16:creationId xmlns:a16="http://schemas.microsoft.com/office/drawing/2014/main" id="{98BF6604-2D75-B410-17FD-93F1A47D4C9E}"/>
+                    <a16:creationId xmlns:a16="http://schemas.microsoft.com/office/drawing/2014/main" id="{19216C7F-552F-B555-176E-1208657153CA}"/>
                   </a:ext>
                 </a:extLst>
               </p:cNvPr>
@@ -56407,10 +56407,10 @@
       </mc:AlternateContent>
       <p:sp>
         <p:nvSpPr>
-          <p:cNvPr id="157" name="文本框 156">
+          <p:cNvPr id="65" name="文本框 64">
             <a:extLst>
               <a:ext uri="{FF2B5EF4-FFF2-40B4-BE49-F238E27FC236}">
-                <a16:creationId xmlns:a16="http://schemas.microsoft.com/office/drawing/2014/main" id="{21E7A016-A7E7-BA1B-1C47-B9CCBCED80E9}"/>
+                <a16:creationId xmlns:a16="http://schemas.microsoft.com/office/drawing/2014/main" id="{71838B64-3F5B-DBC2-CB7F-CE7474AD8954}"/>
               </a:ext>
             </a:extLst>
           </p:cNvPr>
@@ -56458,10 +56458,10 @@
       </p:sp>
       <p:sp>
         <p:nvSpPr>
-          <p:cNvPr id="158" name="文本框 157">
+          <p:cNvPr id="66" name="文本框 65">
             <a:extLst>
               <a:ext uri="{FF2B5EF4-FFF2-40B4-BE49-F238E27FC236}">
-                <a16:creationId xmlns:a16="http://schemas.microsoft.com/office/drawing/2014/main" id="{9578BF92-924C-2C0C-96D4-292F2CDB3796}"/>
+                <a16:creationId xmlns:a16="http://schemas.microsoft.com/office/drawing/2014/main" id="{BBC57CE6-10C8-9866-1B5E-D63F15189DDC}"/>
               </a:ext>
             </a:extLst>
           </p:cNvPr>
@@ -56509,10 +56509,10 @@
       </p:sp>
       <p:sp>
         <p:nvSpPr>
-          <p:cNvPr id="159" name="文本框 158">
+          <p:cNvPr id="67" name="文本框 66">
             <a:extLst>
               <a:ext uri="{FF2B5EF4-FFF2-40B4-BE49-F238E27FC236}">
-                <a16:creationId xmlns:a16="http://schemas.microsoft.com/office/drawing/2014/main" id="{60BA890A-0AF2-02D5-3D63-ECE6B8FB4049}"/>
+                <a16:creationId xmlns:a16="http://schemas.microsoft.com/office/drawing/2014/main" id="{DB17CA52-5318-079D-29CE-34A07D28A232}"/>
               </a:ext>
             </a:extLst>
           </p:cNvPr>
@@ -56560,10 +56560,10 @@
       </p:sp>
       <p:sp>
         <p:nvSpPr>
-          <p:cNvPr id="160" name="文本框 159">
+          <p:cNvPr id="68" name="文本框 67">
             <a:extLst>
               <a:ext uri="{FF2B5EF4-FFF2-40B4-BE49-F238E27FC236}">
-                <a16:creationId xmlns:a16="http://schemas.microsoft.com/office/drawing/2014/main" id="{C17261C9-79AF-03EA-D689-20D8423CAA4B}"/>
+                <a16:creationId xmlns:a16="http://schemas.microsoft.com/office/drawing/2014/main" id="{48F5EE25-2B73-8C4C-8EC1-E65E8F729E04}"/>
               </a:ext>
             </a:extLst>
           </p:cNvPr>
@@ -56611,10 +56611,10 @@
       </p:sp>
       <p:sp>
         <p:nvSpPr>
-          <p:cNvPr id="161" name="文本框 160">
+          <p:cNvPr id="69" name="文本框 68">
             <a:extLst>
               <a:ext uri="{FF2B5EF4-FFF2-40B4-BE49-F238E27FC236}">
-                <a16:creationId xmlns:a16="http://schemas.microsoft.com/office/drawing/2014/main" id="{4ACFB699-CF5C-8F2C-E063-BDC8846E2FB1}"/>
+                <a16:creationId xmlns:a16="http://schemas.microsoft.com/office/drawing/2014/main" id="{CECE7E67-0F38-4556-EC1F-295C05CDE9EB}"/>
               </a:ext>
             </a:extLst>
           </p:cNvPr>
@@ -56662,10 +56662,10 @@
       </p:sp>
       <p:sp>
         <p:nvSpPr>
-          <p:cNvPr id="162" name="文本框 161">
+          <p:cNvPr id="70" name="文本框 69">
             <a:extLst>
               <a:ext uri="{FF2B5EF4-FFF2-40B4-BE49-F238E27FC236}">
-                <a16:creationId xmlns:a16="http://schemas.microsoft.com/office/drawing/2014/main" id="{1401037F-CF2C-CDC7-19C9-8977D10BEDF8}"/>
+                <a16:creationId xmlns:a16="http://schemas.microsoft.com/office/drawing/2014/main" id="{6D641411-2DDD-11EC-1A1C-69292A43B88D}"/>
               </a:ext>
             </a:extLst>
           </p:cNvPr>
@@ -56713,10 +56713,10 @@
       </p:sp>
       <p:sp>
         <p:nvSpPr>
-          <p:cNvPr id="163" name="文本框 162">
+          <p:cNvPr id="71" name="文本框 70">
             <a:extLst>
               <a:ext uri="{FF2B5EF4-FFF2-40B4-BE49-F238E27FC236}">
-                <a16:creationId xmlns:a16="http://schemas.microsoft.com/office/drawing/2014/main" id="{9D54785E-794C-B27A-8804-92B3E904BE6F}"/>
+                <a16:creationId xmlns:a16="http://schemas.microsoft.com/office/drawing/2014/main" id="{5C74D6E4-415A-158F-89F6-B6600E4E84FD}"/>
               </a:ext>
             </a:extLst>
           </p:cNvPr>
@@ -56764,10 +56764,10 @@
       </p:sp>
       <p:sp>
         <p:nvSpPr>
-          <p:cNvPr id="164" name="文本框 163">
+          <p:cNvPr id="72" name="文本框 71">
             <a:extLst>
               <a:ext uri="{FF2B5EF4-FFF2-40B4-BE49-F238E27FC236}">
-                <a16:creationId xmlns:a16="http://schemas.microsoft.com/office/drawing/2014/main" id="{824E3108-431A-8F6A-5B30-2BBA05FAD390}"/>
+                <a16:creationId xmlns:a16="http://schemas.microsoft.com/office/drawing/2014/main" id="{32D5DCF4-2610-E6B3-E409-4A9B56904E61}"/>
               </a:ext>
             </a:extLst>
           </p:cNvPr>
@@ -56815,10 +56815,10 @@
       </p:sp>
       <p:sp>
         <p:nvSpPr>
-          <p:cNvPr id="165" name="文本框 164">
+          <p:cNvPr id="73" name="文本框 72">
             <a:extLst>
               <a:ext uri="{FF2B5EF4-FFF2-40B4-BE49-F238E27FC236}">
-                <a16:creationId xmlns:a16="http://schemas.microsoft.com/office/drawing/2014/main" id="{249FAD12-7439-2A53-A420-8B58FAB95579}"/>
+                <a16:creationId xmlns:a16="http://schemas.microsoft.com/office/drawing/2014/main" id="{668A5979-83EE-C75A-40BB-A9FB40F29D74}"/>
               </a:ext>
             </a:extLst>
           </p:cNvPr>
@@ -56866,10 +56866,10 @@
       </p:sp>
       <p:sp>
         <p:nvSpPr>
-          <p:cNvPr id="166" name="文本框 165">
+          <p:cNvPr id="74" name="文本框 73">
             <a:extLst>
               <a:ext uri="{FF2B5EF4-FFF2-40B4-BE49-F238E27FC236}">
-                <a16:creationId xmlns:a16="http://schemas.microsoft.com/office/drawing/2014/main" id="{751E2B1E-20C7-691E-2F44-CC2AB6FBFD42}"/>
+                <a16:creationId xmlns:a16="http://schemas.microsoft.com/office/drawing/2014/main" id="{89B76156-DB8D-C700-AE6D-3337E11A17A2}"/>
               </a:ext>
             </a:extLst>
           </p:cNvPr>
@@ -56917,10 +56917,10 @@
       </p:sp>
       <p:sp>
         <p:nvSpPr>
-          <p:cNvPr id="167" name="文本框 166">
+          <p:cNvPr id="75" name="文本框 74">
             <a:extLst>
               <a:ext uri="{FF2B5EF4-FFF2-40B4-BE49-F238E27FC236}">
-                <a16:creationId xmlns:a16="http://schemas.microsoft.com/office/drawing/2014/main" id="{DC14121E-48E4-2F7C-72AB-4267E14F183B}"/>
+                <a16:creationId xmlns:a16="http://schemas.microsoft.com/office/drawing/2014/main" id="{447D7E61-B84F-5D36-34D5-DEB7E19DC46E}"/>
               </a:ext>
             </a:extLst>
           </p:cNvPr>
@@ -56968,10 +56968,10 @@
       </p:sp>
       <p:sp>
         <p:nvSpPr>
-          <p:cNvPr id="168" name="文本框 167">
+          <p:cNvPr id="76" name="文本框 75">
             <a:extLst>
               <a:ext uri="{FF2B5EF4-FFF2-40B4-BE49-F238E27FC236}">
-                <a16:creationId xmlns:a16="http://schemas.microsoft.com/office/drawing/2014/main" id="{66F16856-4A06-611B-5F47-3997D3715110}"/>
+                <a16:creationId xmlns:a16="http://schemas.microsoft.com/office/drawing/2014/main" id="{37393AF9-8986-AD49-BF1C-184881F3541D}"/>
               </a:ext>
             </a:extLst>
           </p:cNvPr>
@@ -57019,10 +57019,10 @@
       </p:sp>
       <p:sp>
         <p:nvSpPr>
-          <p:cNvPr id="169" name="文本框 168">
+          <p:cNvPr id="77" name="文本框 76">
             <a:extLst>
               <a:ext uri="{FF2B5EF4-FFF2-40B4-BE49-F238E27FC236}">
-                <a16:creationId xmlns:a16="http://schemas.microsoft.com/office/drawing/2014/main" id="{FAB39499-1C36-D258-17CF-DCF636D5EEDD}"/>
+                <a16:creationId xmlns:a16="http://schemas.microsoft.com/office/drawing/2014/main" id="{E3DCEC02-6F19-94AF-ED80-9B37303BE438}"/>
               </a:ext>
             </a:extLst>
           </p:cNvPr>
@@ -57070,10 +57070,10 @@
       </p:sp>
       <p:sp>
         <p:nvSpPr>
-          <p:cNvPr id="170" name="文本框 169">
+          <p:cNvPr id="78" name="文本框 77">
             <a:extLst>
               <a:ext uri="{FF2B5EF4-FFF2-40B4-BE49-F238E27FC236}">
-                <a16:creationId xmlns:a16="http://schemas.microsoft.com/office/drawing/2014/main" id="{921E8BD6-F069-7F2D-78CF-B7F4D1177579}"/>
+                <a16:creationId xmlns:a16="http://schemas.microsoft.com/office/drawing/2014/main" id="{B22A14B8-1AC6-5285-7170-92E470CEAB43}"/>
               </a:ext>
             </a:extLst>
           </p:cNvPr>
@@ -57121,10 +57121,10 @@
       </p:sp>
       <p:sp>
         <p:nvSpPr>
-          <p:cNvPr id="171" name="文本框 170">
+          <p:cNvPr id="79" name="文本框 78">
             <a:extLst>
               <a:ext uri="{FF2B5EF4-FFF2-40B4-BE49-F238E27FC236}">
-                <a16:creationId xmlns:a16="http://schemas.microsoft.com/office/drawing/2014/main" id="{87FC62BD-00E5-AD09-9D2C-F86C73A79941}"/>
+                <a16:creationId xmlns:a16="http://schemas.microsoft.com/office/drawing/2014/main" id="{435E3BDD-CB24-EBB9-ADD4-9335B2011AF5}"/>
               </a:ext>
             </a:extLst>
           </p:cNvPr>
@@ -57172,10 +57172,10 @@
       </p:sp>
       <p:sp>
         <p:nvSpPr>
-          <p:cNvPr id="172" name="文本框 171">
+          <p:cNvPr id="80" name="文本框 79">
             <a:extLst>
               <a:ext uri="{FF2B5EF4-FFF2-40B4-BE49-F238E27FC236}">
-                <a16:creationId xmlns:a16="http://schemas.microsoft.com/office/drawing/2014/main" id="{AB60BB10-FC86-63C3-5C6E-920629A913F7}"/>
+                <a16:creationId xmlns:a16="http://schemas.microsoft.com/office/drawing/2014/main" id="{A1638FDF-5F72-AC6E-073C-817E931830ED}"/>
               </a:ext>
             </a:extLst>
           </p:cNvPr>
@@ -57225,10 +57225,10 @@
         <mc:Choice xmlns:a14="http://schemas.microsoft.com/office/drawing/2010/main" Requires="a14">
           <p:sp>
             <p:nvSpPr>
-              <p:cNvPr id="173" name="文本框 172">
+              <p:cNvPr id="81" name="文本框 80">
                 <a:extLst>
                   <a:ext uri="{FF2B5EF4-FFF2-40B4-BE49-F238E27FC236}">
-                    <a16:creationId xmlns:a16="http://schemas.microsoft.com/office/drawing/2014/main" id="{9F65FF80-A1D8-6D6B-0451-00983898AAC9}"/>
+                    <a16:creationId xmlns:a16="http://schemas.microsoft.com/office/drawing/2014/main" id="{C9640DE9-F1EF-18D7-D38F-019BA03F96B0}"/>
                   </a:ext>
                 </a:extLst>
               </p:cNvPr>
@@ -57317,10 +57317,10 @@
         <mc:Fallback>
           <p:sp>
             <p:nvSpPr>
-              <p:cNvPr id="173" name="文本框 172">
+              <p:cNvPr id="81" name="文本框 80">
                 <a:extLst>
                   <a:ext uri="{FF2B5EF4-FFF2-40B4-BE49-F238E27FC236}">
-                    <a16:creationId xmlns:a16="http://schemas.microsoft.com/office/drawing/2014/main" id="{9F65FF80-A1D8-6D6B-0451-00983898AAC9}"/>
+                    <a16:creationId xmlns:a16="http://schemas.microsoft.com/office/drawing/2014/main" id="{C9640DE9-F1EF-18D7-D38F-019BA03F96B0}"/>
                   </a:ext>
                 </a:extLst>
               </p:cNvPr>
@@ -57363,10 +57363,10 @@
         <mc:Choice xmlns:a14="http://schemas.microsoft.com/office/drawing/2010/main" Requires="a14">
           <p:sp>
             <p:nvSpPr>
-              <p:cNvPr id="174" name="文本框 173">
+              <p:cNvPr id="82" name="文本框 81">
                 <a:extLst>
                   <a:ext uri="{FF2B5EF4-FFF2-40B4-BE49-F238E27FC236}">
-                    <a16:creationId xmlns:a16="http://schemas.microsoft.com/office/drawing/2014/main" id="{2C30AC6E-299D-BBDA-28B8-1E8695ADC090}"/>
+                    <a16:creationId xmlns:a16="http://schemas.microsoft.com/office/drawing/2014/main" id="{4971FA9F-61E6-4D41-AE3A-E032FDB4809F}"/>
                   </a:ext>
                 </a:extLst>
               </p:cNvPr>
@@ -57455,10 +57455,10 @@
         <mc:Fallback>
           <p:sp>
             <p:nvSpPr>
-              <p:cNvPr id="174" name="文本框 173">
+              <p:cNvPr id="82" name="文本框 81">
                 <a:extLst>
                   <a:ext uri="{FF2B5EF4-FFF2-40B4-BE49-F238E27FC236}">
-                    <a16:creationId xmlns:a16="http://schemas.microsoft.com/office/drawing/2014/main" id="{2C30AC6E-299D-BBDA-28B8-1E8695ADC090}"/>
+                    <a16:creationId xmlns:a16="http://schemas.microsoft.com/office/drawing/2014/main" id="{4971FA9F-61E6-4D41-AE3A-E032FDB4809F}"/>
                   </a:ext>
                 </a:extLst>
               </p:cNvPr>
@@ -57501,10 +57501,10 @@
         <mc:Choice xmlns:a14="http://schemas.microsoft.com/office/drawing/2010/main" Requires="a14">
           <p:sp>
             <p:nvSpPr>
-              <p:cNvPr id="175" name="文本框 174">
+              <p:cNvPr id="83" name="文本框 82">
                 <a:extLst>
                   <a:ext uri="{FF2B5EF4-FFF2-40B4-BE49-F238E27FC236}">
-                    <a16:creationId xmlns:a16="http://schemas.microsoft.com/office/drawing/2014/main" id="{54CB2D39-6B6B-C97C-A72E-DFD825042E82}"/>
+                    <a16:creationId xmlns:a16="http://schemas.microsoft.com/office/drawing/2014/main" id="{EBC6F047-F725-83ED-A619-74AAB3450E70}"/>
                   </a:ext>
                 </a:extLst>
               </p:cNvPr>
@@ -57593,10 +57593,10 @@
         <mc:Fallback>
           <p:sp>
             <p:nvSpPr>
-              <p:cNvPr id="175" name="文本框 174">
+              <p:cNvPr id="83" name="文本框 82">
                 <a:extLst>
                   <a:ext uri="{FF2B5EF4-FFF2-40B4-BE49-F238E27FC236}">
-                    <a16:creationId xmlns:a16="http://schemas.microsoft.com/office/drawing/2014/main" id="{54CB2D39-6B6B-C97C-A72E-DFD825042E82}"/>
+                    <a16:creationId xmlns:a16="http://schemas.microsoft.com/office/drawing/2014/main" id="{EBC6F047-F725-83ED-A619-74AAB3450E70}"/>
                   </a:ext>
                 </a:extLst>
               </p:cNvPr>
@@ -57637,10 +57637,10 @@
       </mc:AlternateContent>
       <p:sp>
         <p:nvSpPr>
-          <p:cNvPr id="176" name="文本框 175">
+          <p:cNvPr id="84" name="文本框 83">
             <a:extLst>
               <a:ext uri="{FF2B5EF4-FFF2-40B4-BE49-F238E27FC236}">
-                <a16:creationId xmlns:a16="http://schemas.microsoft.com/office/drawing/2014/main" id="{4B5FE60E-0309-6645-95A0-97398053CEE0}"/>
+                <a16:creationId xmlns:a16="http://schemas.microsoft.com/office/drawing/2014/main" id="{5B0D2CA3-05EC-B8D2-F279-DA07D5D0DCE6}"/>
               </a:ext>
             </a:extLst>
           </p:cNvPr>
@@ -57688,10 +57688,10 @@
       </p:sp>
       <p:sp>
         <p:nvSpPr>
-          <p:cNvPr id="179" name="文本框 178">
+          <p:cNvPr id="85" name="文本框 84">
             <a:extLst>
               <a:ext uri="{FF2B5EF4-FFF2-40B4-BE49-F238E27FC236}">
-                <a16:creationId xmlns:a16="http://schemas.microsoft.com/office/drawing/2014/main" id="{549DA75A-5E85-E725-1A89-21FC0107A44D}"/>
+                <a16:creationId xmlns:a16="http://schemas.microsoft.com/office/drawing/2014/main" id="{D325C7FA-975A-866C-9E4B-18C16964732C}"/>
               </a:ext>
             </a:extLst>
           </p:cNvPr>
@@ -57739,10 +57739,10 @@
       </p:sp>
       <p:cxnSp>
         <p:nvCxnSpPr>
-          <p:cNvPr id="181" name="直接连接符 180">
+          <p:cNvPr id="86" name="直接连接符 85">
             <a:extLst>
               <a:ext uri="{FF2B5EF4-FFF2-40B4-BE49-F238E27FC236}">
-                <a16:creationId xmlns:a16="http://schemas.microsoft.com/office/drawing/2014/main" id="{73A9E7A5-DDD1-4304-DD42-3AC2375799DC}"/>
+                <a16:creationId xmlns:a16="http://schemas.microsoft.com/office/drawing/2014/main" id="{B94CC118-C6CE-1855-3B7B-93246ECAA8FC}"/>
               </a:ext>
             </a:extLst>
           </p:cNvPr>
@@ -57777,10 +57777,10 @@
       </p:cxnSp>
       <p:sp>
         <p:nvSpPr>
-          <p:cNvPr id="182" name="文本框 181">
+          <p:cNvPr id="87" name="文本框 86">
             <a:extLst>
               <a:ext uri="{FF2B5EF4-FFF2-40B4-BE49-F238E27FC236}">
-                <a16:creationId xmlns:a16="http://schemas.microsoft.com/office/drawing/2014/main" id="{DF9277E7-9E26-AC3A-C23E-7BDE8C71B53D}"/>
+                <a16:creationId xmlns:a16="http://schemas.microsoft.com/office/drawing/2014/main" id="{2062467C-B385-CD65-779B-A90A93963BD8}"/>
               </a:ext>
             </a:extLst>
           </p:cNvPr>
@@ -57828,10 +57828,10 @@
       </p:sp>
       <p:cxnSp>
         <p:nvCxnSpPr>
-          <p:cNvPr id="183" name="直接连接符 182">
+          <p:cNvPr id="88" name="直接连接符 87">
             <a:extLst>
               <a:ext uri="{FF2B5EF4-FFF2-40B4-BE49-F238E27FC236}">
-                <a16:creationId xmlns:a16="http://schemas.microsoft.com/office/drawing/2014/main" id="{F17F4720-DCD9-AD01-D5EB-4031894EE6D2}"/>
+                <a16:creationId xmlns:a16="http://schemas.microsoft.com/office/drawing/2014/main" id="{5069675C-FBD4-A871-AC12-EAA2D59C2563}"/>
               </a:ext>
             </a:extLst>
           </p:cNvPr>
@@ -57866,10 +57866,10 @@
       </p:cxnSp>
       <p:sp>
         <p:nvSpPr>
-          <p:cNvPr id="184" name="文本框 183">
+          <p:cNvPr id="89" name="文本框 88">
             <a:extLst>
               <a:ext uri="{FF2B5EF4-FFF2-40B4-BE49-F238E27FC236}">
-                <a16:creationId xmlns:a16="http://schemas.microsoft.com/office/drawing/2014/main" id="{1350E2D2-1894-D683-5612-F213F330F79A}"/>
+                <a16:creationId xmlns:a16="http://schemas.microsoft.com/office/drawing/2014/main" id="{8AE626B4-65AC-933A-2CDF-AD44949AB621}"/>
               </a:ext>
             </a:extLst>
           </p:cNvPr>
@@ -57918,10 +57918,10 @@
       </p:sp>
       <p:sp>
         <p:nvSpPr>
-          <p:cNvPr id="186" name="object 10">
+          <p:cNvPr id="90" name="object 10">
             <a:extLst>
               <a:ext uri="{FF2B5EF4-FFF2-40B4-BE49-F238E27FC236}">
-                <a16:creationId xmlns:a16="http://schemas.microsoft.com/office/drawing/2014/main" id="{600BC3E0-9425-404F-B26E-D912BA9BF6AA}"/>
+                <a16:creationId xmlns:a16="http://schemas.microsoft.com/office/drawing/2014/main" id="{507BA165-4BF9-9B9A-1702-408271FBB1E4}"/>
               </a:ext>
             </a:extLst>
           </p:cNvPr>
@@ -57974,10 +57974,10 @@
       </p:sp>
       <p:graphicFrame>
         <p:nvGraphicFramePr>
-          <p:cNvPr id="187" name="object 11">
+          <p:cNvPr id="91" name="object 11">
             <a:extLst>
               <a:ext uri="{FF2B5EF4-FFF2-40B4-BE49-F238E27FC236}">
-                <a16:creationId xmlns:a16="http://schemas.microsoft.com/office/drawing/2014/main" id="{D0F19C10-E4E1-6BD5-3DAB-594C31541159}"/>
+                <a16:creationId xmlns:a16="http://schemas.microsoft.com/office/drawing/2014/main" id="{B6E71D53-B6CC-158F-EE7E-F6D29F4E1A7E}"/>
               </a:ext>
             </a:extLst>
           </p:cNvPr>
@@ -57987,7 +57987,7 @@
           <p:nvPr>
             <p:extLst>
               <p:ext uri="{D42A27DB-BD31-4B8C-83A1-F6EECF244321}">
-                <p14:modId xmlns:p14="http://schemas.microsoft.com/office/powerpoint/2010/main" val="2199092441"/>
+                <p14:modId xmlns:p14="http://schemas.microsoft.com/office/powerpoint/2010/main" val="2274813843"/>
               </p:ext>
             </p:extLst>
           </p:nvPr>
@@ -58169,10 +58169,10 @@
       </p:graphicFrame>
       <p:sp>
         <p:nvSpPr>
-          <p:cNvPr id="188" name="object 12">
+          <p:cNvPr id="92" name="object 12">
             <a:extLst>
               <a:ext uri="{FF2B5EF4-FFF2-40B4-BE49-F238E27FC236}">
-                <a16:creationId xmlns:a16="http://schemas.microsoft.com/office/drawing/2014/main" id="{66EA7983-99C4-786D-83CE-646FAA95CD9B}"/>
+                <a16:creationId xmlns:a16="http://schemas.microsoft.com/office/drawing/2014/main" id="{9658A977-B133-B6BA-4BC2-AED98D230477}"/>
               </a:ext>
             </a:extLst>
           </p:cNvPr>
@@ -58281,10 +58281,10 @@
       </p:sp>
       <p:sp>
         <p:nvSpPr>
-          <p:cNvPr id="189" name="object 13">
+          <p:cNvPr id="93" name="object 13">
             <a:extLst>
               <a:ext uri="{FF2B5EF4-FFF2-40B4-BE49-F238E27FC236}">
-                <a16:creationId xmlns:a16="http://schemas.microsoft.com/office/drawing/2014/main" id="{F152401E-AA95-4EB2-96E0-E95A62DF58A0}"/>
+                <a16:creationId xmlns:a16="http://schemas.microsoft.com/office/drawing/2014/main" id="{9A863CD5-834A-F865-0C51-BFDAB69B9685}"/>
               </a:ext>
             </a:extLst>
           </p:cNvPr>
@@ -58331,10 +58331,10 @@
       </p:sp>
       <p:grpSp>
         <p:nvGrpSpPr>
-          <p:cNvPr id="190" name="组合 189">
+          <p:cNvPr id="94" name="组合 93">
             <a:extLst>
               <a:ext uri="{FF2B5EF4-FFF2-40B4-BE49-F238E27FC236}">
-                <a16:creationId xmlns:a16="http://schemas.microsoft.com/office/drawing/2014/main" id="{3907047A-B8F7-FC1E-2B01-165057D7CDCA}"/>
+                <a16:creationId xmlns:a16="http://schemas.microsoft.com/office/drawing/2014/main" id="{35FF5B89-D1DE-2E2C-62D1-A4711D8DAB25}"/>
               </a:ext>
             </a:extLst>
           </p:cNvPr>
@@ -58351,10 +58351,10 @@
         </p:grpSpPr>
         <p:sp>
           <p:nvSpPr>
-            <p:cNvPr id="191" name="object 14">
+            <p:cNvPr id="95" name="object 14">
               <a:extLst>
                 <a:ext uri="{FF2B5EF4-FFF2-40B4-BE49-F238E27FC236}">
-                  <a16:creationId xmlns:a16="http://schemas.microsoft.com/office/drawing/2014/main" id="{5CA300F5-20AE-E548-183C-F70AA7074639}"/>
+                  <a16:creationId xmlns:a16="http://schemas.microsoft.com/office/drawing/2014/main" id="{B9071F60-9EA8-E64B-3D1C-55C8D1556BC0}"/>
                 </a:ext>
               </a:extLst>
             </p:cNvPr>
@@ -58410,10 +58410,10 @@
         </p:sp>
         <p:sp>
           <p:nvSpPr>
-            <p:cNvPr id="192" name="object 15">
+            <p:cNvPr id="96" name="object 15">
               <a:extLst>
                 <a:ext uri="{FF2B5EF4-FFF2-40B4-BE49-F238E27FC236}">
-                  <a16:creationId xmlns:a16="http://schemas.microsoft.com/office/drawing/2014/main" id="{3BBEAC15-AC34-859D-6267-33C798CFB3A1}"/>
+                  <a16:creationId xmlns:a16="http://schemas.microsoft.com/office/drawing/2014/main" id="{914075D7-92F5-0F5B-7685-8E9E466BEDB5}"/>
                 </a:ext>
               </a:extLst>
             </p:cNvPr>
@@ -58461,10 +58461,10 @@
         </p:sp>
         <p:sp>
           <p:nvSpPr>
-            <p:cNvPr id="193" name="object 16">
+            <p:cNvPr id="97" name="object 16">
               <a:extLst>
                 <a:ext uri="{FF2B5EF4-FFF2-40B4-BE49-F238E27FC236}">
-                  <a16:creationId xmlns:a16="http://schemas.microsoft.com/office/drawing/2014/main" id="{84EF7D21-6B60-FE0B-E72C-066A101A1702}"/>
+                  <a16:creationId xmlns:a16="http://schemas.microsoft.com/office/drawing/2014/main" id="{B4113DFF-0D9C-AE12-618D-FB2DDBFF98D8}"/>
                 </a:ext>
               </a:extLst>
             </p:cNvPr>
@@ -58520,10 +58520,10 @@
         </p:sp>
         <p:sp>
           <p:nvSpPr>
-            <p:cNvPr id="194" name="object 17">
+            <p:cNvPr id="98" name="object 17">
               <a:extLst>
                 <a:ext uri="{FF2B5EF4-FFF2-40B4-BE49-F238E27FC236}">
-                  <a16:creationId xmlns:a16="http://schemas.microsoft.com/office/drawing/2014/main" id="{93A29EC6-BA23-0EAA-D637-1200DEA681CB}"/>
+                  <a16:creationId xmlns:a16="http://schemas.microsoft.com/office/drawing/2014/main" id="{E6C28194-05FF-DE45-924E-2ADAF0A4BC03}"/>
                 </a:ext>
               </a:extLst>
             </p:cNvPr>
@@ -58571,10 +58571,10 @@
         </p:sp>
         <p:sp>
           <p:nvSpPr>
-            <p:cNvPr id="195" name="object 18">
+            <p:cNvPr id="99" name="object 18">
               <a:extLst>
                 <a:ext uri="{FF2B5EF4-FFF2-40B4-BE49-F238E27FC236}">
-                  <a16:creationId xmlns:a16="http://schemas.microsoft.com/office/drawing/2014/main" id="{A32A1D1B-2FE0-68D7-A6DA-AB1D624D499D}"/>
+                  <a16:creationId xmlns:a16="http://schemas.microsoft.com/office/drawing/2014/main" id="{27E36DFA-A719-9725-E425-9C65F3072C3B}"/>
                 </a:ext>
               </a:extLst>
             </p:cNvPr>
@@ -58630,10 +58630,10 @@
         </p:sp>
         <p:sp>
           <p:nvSpPr>
-            <p:cNvPr id="196" name="object 19">
+            <p:cNvPr id="100" name="object 19">
               <a:extLst>
                 <a:ext uri="{FF2B5EF4-FFF2-40B4-BE49-F238E27FC236}">
-                  <a16:creationId xmlns:a16="http://schemas.microsoft.com/office/drawing/2014/main" id="{ED426DD0-BFF2-7D31-C31A-DC034973B1E0}"/>
+                  <a16:creationId xmlns:a16="http://schemas.microsoft.com/office/drawing/2014/main" id="{63D90D8D-FCB8-73D2-5EAE-61328D8EE56F}"/>
                 </a:ext>
               </a:extLst>
             </p:cNvPr>
@@ -58682,10 +58682,10 @@
       </p:grpSp>
       <p:sp>
         <p:nvSpPr>
-          <p:cNvPr id="197" name="object 20">
+          <p:cNvPr id="101" name="object 20">
             <a:extLst>
               <a:ext uri="{FF2B5EF4-FFF2-40B4-BE49-F238E27FC236}">
-                <a16:creationId xmlns:a16="http://schemas.microsoft.com/office/drawing/2014/main" id="{9995E7E3-2212-7BC9-1CC0-F344BB9C1A4B}"/>
+                <a16:creationId xmlns:a16="http://schemas.microsoft.com/office/drawing/2014/main" id="{12686C9B-E4BF-A4E5-5B75-89FCB2B73A2F}"/>
               </a:ext>
             </a:extLst>
           </p:cNvPr>
@@ -58794,10 +58794,10 @@
       </p:sp>
       <p:sp>
         <p:nvSpPr>
-          <p:cNvPr id="198" name="object 22">
+          <p:cNvPr id="102" name="object 22">
             <a:extLst>
               <a:ext uri="{FF2B5EF4-FFF2-40B4-BE49-F238E27FC236}">
-                <a16:creationId xmlns:a16="http://schemas.microsoft.com/office/drawing/2014/main" id="{1DF9E64A-8282-4C12-B4E1-D49F9DF32259}"/>
+                <a16:creationId xmlns:a16="http://schemas.microsoft.com/office/drawing/2014/main" id="{FAB97FD0-C162-DBB6-F206-C9A5E0D9B55F}"/>
               </a:ext>
             </a:extLst>
           </p:cNvPr>
@@ -58836,10 +58836,10 @@
       </p:sp>
       <p:sp>
         <p:nvSpPr>
-          <p:cNvPr id="199" name="object 23">
+          <p:cNvPr id="103" name="object 23">
             <a:extLst>
               <a:ext uri="{FF2B5EF4-FFF2-40B4-BE49-F238E27FC236}">
-                <a16:creationId xmlns:a16="http://schemas.microsoft.com/office/drawing/2014/main" id="{C6C49A14-AA8C-2545-38B7-079052AFA5C3}"/>
+                <a16:creationId xmlns:a16="http://schemas.microsoft.com/office/drawing/2014/main" id="{6120BBBB-CB35-01FE-5D4A-D913804A32C3}"/>
               </a:ext>
             </a:extLst>
           </p:cNvPr>
@@ -58878,10 +58878,10 @@
       </p:sp>
       <p:sp>
         <p:nvSpPr>
-          <p:cNvPr id="200" name="object 24">
+          <p:cNvPr id="104" name="object 24">
             <a:extLst>
               <a:ext uri="{FF2B5EF4-FFF2-40B4-BE49-F238E27FC236}">
-                <a16:creationId xmlns:a16="http://schemas.microsoft.com/office/drawing/2014/main" id="{6B989484-E105-8E90-DDD2-365237FCD3FF}"/>
+                <a16:creationId xmlns:a16="http://schemas.microsoft.com/office/drawing/2014/main" id="{6DC5A00C-EBD6-0989-45B7-FCE41088ABA6}"/>
               </a:ext>
             </a:extLst>
           </p:cNvPr>
@@ -58920,10 +58920,10 @@
       </p:sp>
       <p:sp>
         <p:nvSpPr>
-          <p:cNvPr id="201" name="object 25">
+          <p:cNvPr id="105" name="object 25">
             <a:extLst>
               <a:ext uri="{FF2B5EF4-FFF2-40B4-BE49-F238E27FC236}">
-                <a16:creationId xmlns:a16="http://schemas.microsoft.com/office/drawing/2014/main" id="{2304358C-249E-D5AD-A055-C015DBA85D41}"/>
+                <a16:creationId xmlns:a16="http://schemas.microsoft.com/office/drawing/2014/main" id="{ACBC9AB9-C6D9-68E2-45C6-E41487FE7161}"/>
               </a:ext>
             </a:extLst>
           </p:cNvPr>
@@ -58970,10 +58970,10 @@
       </p:sp>
       <p:grpSp>
         <p:nvGrpSpPr>
-          <p:cNvPr id="202" name="组合 201">
+          <p:cNvPr id="106" name="组合 105">
             <a:extLst>
               <a:ext uri="{FF2B5EF4-FFF2-40B4-BE49-F238E27FC236}">
-                <a16:creationId xmlns:a16="http://schemas.microsoft.com/office/drawing/2014/main" id="{690ED102-CBDC-BFE5-3DDE-40E58329239E}"/>
+                <a16:creationId xmlns:a16="http://schemas.microsoft.com/office/drawing/2014/main" id="{D40695F3-4909-50F7-ED13-7213164B38FC}"/>
               </a:ext>
             </a:extLst>
           </p:cNvPr>
@@ -58990,10 +58990,10 @@
         </p:grpSpPr>
         <p:sp>
           <p:nvSpPr>
-            <p:cNvPr id="204" name="object 26">
+            <p:cNvPr id="107" name="object 26">
               <a:extLst>
                 <a:ext uri="{FF2B5EF4-FFF2-40B4-BE49-F238E27FC236}">
-                  <a16:creationId xmlns:a16="http://schemas.microsoft.com/office/drawing/2014/main" id="{5B3D1B57-D8B4-C814-395A-CEAA7BA07EB0}"/>
+                  <a16:creationId xmlns:a16="http://schemas.microsoft.com/office/drawing/2014/main" id="{A49A192F-A9EB-A4B0-5528-8441C58C5690}"/>
                 </a:ext>
               </a:extLst>
             </p:cNvPr>
@@ -59041,10 +59041,10 @@
         </p:sp>
         <p:sp>
           <p:nvSpPr>
-            <p:cNvPr id="205" name="object 27">
+            <p:cNvPr id="108" name="object 27">
               <a:extLst>
                 <a:ext uri="{FF2B5EF4-FFF2-40B4-BE49-F238E27FC236}">
-                  <a16:creationId xmlns:a16="http://schemas.microsoft.com/office/drawing/2014/main" id="{1211B13D-9718-DA25-2F6A-856470014012}"/>
+                  <a16:creationId xmlns:a16="http://schemas.microsoft.com/office/drawing/2014/main" id="{142CE02C-0567-6BA2-A0A9-83EC8340EEF2}"/>
                 </a:ext>
               </a:extLst>
             </p:cNvPr>
@@ -59092,10 +59092,10 @@
         </p:sp>
         <p:sp>
           <p:nvSpPr>
-            <p:cNvPr id="206" name="object 28">
+            <p:cNvPr id="109" name="object 28">
               <a:extLst>
                 <a:ext uri="{FF2B5EF4-FFF2-40B4-BE49-F238E27FC236}">
-                  <a16:creationId xmlns:a16="http://schemas.microsoft.com/office/drawing/2014/main" id="{795829B4-302A-1C31-1EA7-3C3596CB2896}"/>
+                  <a16:creationId xmlns:a16="http://schemas.microsoft.com/office/drawing/2014/main" id="{F8C6F3EF-0F17-3B58-5157-54AEA819CB5E}"/>
                 </a:ext>
               </a:extLst>
             </p:cNvPr>
@@ -59143,10 +59143,10 @@
         </p:sp>
         <p:sp>
           <p:nvSpPr>
-            <p:cNvPr id="207" name="object 29">
+            <p:cNvPr id="110" name="object 29">
               <a:extLst>
                 <a:ext uri="{FF2B5EF4-FFF2-40B4-BE49-F238E27FC236}">
-                  <a16:creationId xmlns:a16="http://schemas.microsoft.com/office/drawing/2014/main" id="{5587E581-C081-3C25-4BC4-28B27AC8BC74}"/>
+                  <a16:creationId xmlns:a16="http://schemas.microsoft.com/office/drawing/2014/main" id="{4FBCAF40-4A4E-2C6E-A599-30D0B9699BE6}"/>
                 </a:ext>
               </a:extLst>
             </p:cNvPr>
@@ -59194,10 +59194,10 @@
         </p:sp>
         <p:sp>
           <p:nvSpPr>
-            <p:cNvPr id="208" name="object 30">
+            <p:cNvPr id="111" name="object 30">
               <a:extLst>
                 <a:ext uri="{FF2B5EF4-FFF2-40B4-BE49-F238E27FC236}">
-                  <a16:creationId xmlns:a16="http://schemas.microsoft.com/office/drawing/2014/main" id="{6E693CCE-1253-B410-639A-6E79F860A2FA}"/>
+                  <a16:creationId xmlns:a16="http://schemas.microsoft.com/office/drawing/2014/main" id="{39DE6138-C010-D4FD-7CA1-C95EAB917FBF}"/>
                 </a:ext>
               </a:extLst>
             </p:cNvPr>
@@ -59245,10 +59245,10 @@
         </p:sp>
         <p:sp>
           <p:nvSpPr>
-            <p:cNvPr id="209" name="object 31">
+            <p:cNvPr id="112" name="object 31">
               <a:extLst>
                 <a:ext uri="{FF2B5EF4-FFF2-40B4-BE49-F238E27FC236}">
-                  <a16:creationId xmlns:a16="http://schemas.microsoft.com/office/drawing/2014/main" id="{1A9A076F-6941-BAA5-C06D-AD751C9CEB28}"/>
+                  <a16:creationId xmlns:a16="http://schemas.microsoft.com/office/drawing/2014/main" id="{B19FE12A-C124-9D7C-87B9-B6CA5E32705E}"/>
                 </a:ext>
               </a:extLst>
             </p:cNvPr>
@@ -59297,10 +59297,10 @@
       </p:grpSp>
       <p:sp>
         <p:nvSpPr>
-          <p:cNvPr id="226" name="矩形 225">
+          <p:cNvPr id="113" name="矩形 112">
             <a:extLst>
               <a:ext uri="{FF2B5EF4-FFF2-40B4-BE49-F238E27FC236}">
-                <a16:creationId xmlns:a16="http://schemas.microsoft.com/office/drawing/2014/main" id="{5681E805-79D9-A80C-0B31-9F280FE081B7}"/>
+                <a16:creationId xmlns:a16="http://schemas.microsoft.com/office/drawing/2014/main" id="{C6EA5801-6F11-9278-5D3C-2CB8EEF579F3}"/>
               </a:ext>
             </a:extLst>
           </p:cNvPr>

--- a/export/Mantel Test/Wet Season Mantel Test.pptx
+++ b/export/Mantel Test/Wet Season Mantel Test.pptx
@@ -262,7 +262,7 @@
           <a:p>
             <a:fld id="{1D8BD707-D9CF-40AE-B4C6-C98DA3205C09}" type="datetimeFigureOut">
               <a:rPr lang="en-US"/>
-              <a:t>1/24/2023</a:t>
+              <a:t>2/14/2023</a:t>
             </a:fld>
             <a:endParaRPr lang="en-US"/>
           </a:p>
@@ -427,7 +427,7 @@
           <a:p>
             <a:fld id="{1D8BD707-D9CF-40AE-B4C6-C98DA3205C09}" type="datetimeFigureOut">
               <a:rPr lang="en-US"/>
-              <a:t>1/24/2023</a:t>
+              <a:t>2/14/2023</a:t>
             </a:fld>
             <a:endParaRPr lang="en-US"/>
           </a:p>
@@ -635,7 +635,7 @@
           <a:p>
             <a:fld id="{1D8BD707-D9CF-40AE-B4C6-C98DA3205C09}" type="datetimeFigureOut">
               <a:rPr lang="en-US"/>
-              <a:t>1/24/2023</a:t>
+              <a:t>2/14/2023</a:t>
             </a:fld>
             <a:endParaRPr lang="en-US"/>
           </a:p>
@@ -777,7 +777,7 @@
           <a:p>
             <a:fld id="{1D8BD707-D9CF-40AE-B4C6-C98DA3205C09}" type="datetimeFigureOut">
               <a:rPr lang="en-US"/>
-              <a:t>1/24/2023</a:t>
+              <a:t>2/14/2023</a:t>
             </a:fld>
             <a:endParaRPr lang="en-US"/>
           </a:p>
@@ -896,7 +896,7 @@
           <a:p>
             <a:fld id="{1D8BD707-D9CF-40AE-B4C6-C98DA3205C09}" type="datetimeFigureOut">
               <a:rPr lang="en-US"/>
-              <a:t>1/24/2023</a:t>
+              <a:t>2/14/2023</a:t>
             </a:fld>
             <a:endParaRPr lang="en-US"/>
           </a:p>
@@ -53884,7 +53884,7 @@
           <a:p>
             <a:fld id="{1D8BD707-D9CF-40AE-B4C6-C98DA3205C09}" type="datetimeFigureOut">
               <a:rPr lang="en-US"/>
-              <a:t>1/24/2023</a:t>
+              <a:t>2/14/2023</a:t>
             </a:fld>
             <a:endParaRPr lang="en-US"/>
           </a:p>
@@ -54108,7 +54108,7 @@
           <p:cNvPr id="32" name="object 2">
             <a:extLst>
               <a:ext uri="{FF2B5EF4-FFF2-40B4-BE49-F238E27FC236}">
-                <a16:creationId xmlns:a16="http://schemas.microsoft.com/office/drawing/2014/main" id="{4CA86251-F4BC-91C0-412A-FFC82C700FEC}"/>
+                <a16:creationId xmlns:a16="http://schemas.microsoft.com/office/drawing/2014/main" id="{5E9D01F9-4CEB-05D0-7598-A1AAE952E88F}"/>
               </a:ext>
             </a:extLst>
           </p:cNvPr>
@@ -54117,8 +54117,8 @@
         </p:nvSpPr>
         <p:spPr>
           <a:xfrm>
-            <a:off x="6711950" y="805681"/>
-            <a:ext cx="2542921" cy="197490"/>
+            <a:off x="6630783" y="774785"/>
+            <a:ext cx="2542921" cy="259045"/>
           </a:xfrm>
           <a:prstGeom prst="rect">
             <a:avLst/>
@@ -54136,49 +54136,13 @@
               </a:spcBef>
             </a:pPr>
             <a:r>
-              <a:rPr lang="en-US" altLang="zh-CN" sz="1200" i="1" kern="0" dirty="0" err="1">
-                <a:latin typeface="Times New Roman" panose="02020603050405020304" pitchFamily="18" charset="0"/>
-                <a:ea typeface="宋体" panose="02010600030101010101" pitchFamily="2" charset="-122"/>
+              <a:rPr lang="en-US" altLang="zh-CN" sz="1600" kern="0" dirty="0">
+                <a:latin typeface="Cambria Math" panose="02040503050406030204" pitchFamily="18" charset="0"/>
+                <a:ea typeface="Cambria Math" panose="02040503050406030204" pitchFamily="18" charset="0"/>
                 <a:cs typeface="Times New Roman" panose="02020603050405020304" pitchFamily="18" charset="0"/>
               </a:rPr>
-              <a:t>AOA_amoA</a:t>
+              <a:t>Nitrification</a:t>
             </a:r>
-            <a:r>
-              <a:rPr lang="en-US" altLang="zh-CN" sz="1200" i="1" kern="0" dirty="0">
-                <a:latin typeface="Times New Roman" panose="02020603050405020304" pitchFamily="18" charset="0"/>
-                <a:ea typeface="宋体" panose="02010600030101010101" pitchFamily="2" charset="-122"/>
-                <a:cs typeface="Times New Roman" panose="02020603050405020304" pitchFamily="18" charset="0"/>
-              </a:rPr>
-              <a:t>, </a:t>
-            </a:r>
-            <a:r>
-              <a:rPr lang="en-US" altLang="zh-CN" sz="1200" i="1" kern="0" dirty="0" err="1">
-                <a:latin typeface="Times New Roman" panose="02020603050405020304" pitchFamily="18" charset="0"/>
-                <a:ea typeface="宋体" panose="02010600030101010101" pitchFamily="2" charset="-122"/>
-                <a:cs typeface="Times New Roman" panose="02020603050405020304" pitchFamily="18" charset="0"/>
-              </a:rPr>
-              <a:t>AOB_amoA</a:t>
-            </a:r>
-            <a:r>
-              <a:rPr lang="en-US" altLang="zh-CN" sz="1200" i="1" kern="0" dirty="0">
-                <a:latin typeface="Times New Roman" panose="02020603050405020304" pitchFamily="18" charset="0"/>
-                <a:ea typeface="宋体" panose="02010600030101010101" pitchFamily="2" charset="-122"/>
-                <a:cs typeface="Times New Roman" panose="02020603050405020304" pitchFamily="18" charset="0"/>
-              </a:rPr>
-              <a:t> and </a:t>
-            </a:r>
-            <a:r>
-              <a:rPr lang="en-US" altLang="zh-CN" sz="1200" i="1" dirty="0" err="1">
-                <a:latin typeface="Times New Roman" panose="02020603050405020304" pitchFamily="18" charset="0"/>
-                <a:ea typeface="宋体" panose="02010600030101010101" pitchFamily="2" charset="-122"/>
-                <a:cs typeface="Times New Roman" panose="02020603050405020304" pitchFamily="18" charset="0"/>
-              </a:rPr>
-              <a:t>nxrA</a:t>
-            </a:r>
-            <a:endParaRPr lang="zh-CN" altLang="en-US" sz="1200" dirty="0">
-              <a:latin typeface="Times New Roman" panose="02020603050405020304" pitchFamily="18" charset="0"/>
-              <a:cs typeface="Times New Roman" panose="02020603050405020304" pitchFamily="18" charset="0"/>
-            </a:endParaRPr>
           </a:p>
         </p:txBody>
       </p:sp>
@@ -54187,7 +54151,7 @@
           <p:cNvPr id="33" name="object 3">
             <a:extLst>
               <a:ext uri="{FF2B5EF4-FFF2-40B4-BE49-F238E27FC236}">
-                <a16:creationId xmlns:a16="http://schemas.microsoft.com/office/drawing/2014/main" id="{758FD2A3-9DEE-1F4C-1738-09F3DC398034}"/>
+                <a16:creationId xmlns:a16="http://schemas.microsoft.com/office/drawing/2014/main" id="{EFAA6FF7-408A-008F-36CE-1E8B7B42DA72}"/>
               </a:ext>
             </a:extLst>
           </p:cNvPr>
@@ -54196,8 +54160,8 @@
         </p:nvSpPr>
         <p:spPr>
           <a:xfrm>
-            <a:off x="7702550" y="1873250"/>
-            <a:ext cx="2542921" cy="197490"/>
+            <a:off x="7621383" y="1842354"/>
+            <a:ext cx="2542921" cy="259045"/>
           </a:xfrm>
           <a:prstGeom prst="rect">
             <a:avLst/>
@@ -54215,98 +54179,13 @@
               </a:spcBef>
             </a:pPr>
             <a:r>
-              <a:rPr lang="en-US" altLang="zh-CN" sz="1200" i="1" kern="0" dirty="0" err="1">
-                <a:latin typeface="Times New Roman" panose="02020603050405020304" pitchFamily="18" charset="0"/>
-                <a:ea typeface="宋体" panose="02010600030101010101" pitchFamily="2" charset="-122"/>
+              <a:rPr lang="en-US" altLang="zh-CN" sz="1600" kern="0" dirty="0">
+                <a:latin typeface="Cambria Math" panose="02040503050406030204" pitchFamily="18" charset="0"/>
+                <a:ea typeface="Cambria Math" panose="02040503050406030204" pitchFamily="18" charset="0"/>
                 <a:cs typeface="Times New Roman" panose="02020603050405020304" pitchFamily="18" charset="0"/>
               </a:rPr>
-              <a:t>narG</a:t>
+              <a:t>Denitrification</a:t>
             </a:r>
-            <a:r>
-              <a:rPr lang="en-US" altLang="zh-CN" sz="1200" i="1" kern="0" dirty="0">
-                <a:latin typeface="Times New Roman" panose="02020603050405020304" pitchFamily="18" charset="0"/>
-                <a:ea typeface="宋体" panose="02010600030101010101" pitchFamily="2" charset="-122"/>
-                <a:cs typeface="Times New Roman" panose="02020603050405020304" pitchFamily="18" charset="0"/>
-              </a:rPr>
-              <a:t>, </a:t>
-            </a:r>
-            <a:r>
-              <a:rPr lang="en-US" altLang="zh-CN" sz="1200" i="1" kern="0" dirty="0" err="1">
-                <a:latin typeface="Times New Roman" panose="02020603050405020304" pitchFamily="18" charset="0"/>
-                <a:ea typeface="宋体" panose="02010600030101010101" pitchFamily="2" charset="-122"/>
-                <a:cs typeface="Times New Roman" panose="02020603050405020304" pitchFamily="18" charset="0"/>
-              </a:rPr>
-              <a:t>napA</a:t>
-            </a:r>
-            <a:r>
-              <a:rPr lang="en-US" altLang="zh-CN" sz="1200" i="1" kern="0" dirty="0">
-                <a:latin typeface="Times New Roman" panose="02020603050405020304" pitchFamily="18" charset="0"/>
-                <a:ea typeface="宋体" panose="02010600030101010101" pitchFamily="2" charset="-122"/>
-                <a:cs typeface="Times New Roman" panose="02020603050405020304" pitchFamily="18" charset="0"/>
-              </a:rPr>
-              <a:t>, </a:t>
-            </a:r>
-            <a:r>
-              <a:rPr lang="en-US" altLang="zh-CN" sz="1200" i="1" kern="0" dirty="0" err="1">
-                <a:latin typeface="Times New Roman" panose="02020603050405020304" pitchFamily="18" charset="0"/>
-                <a:ea typeface="宋体" panose="02010600030101010101" pitchFamily="2" charset="-122"/>
-                <a:cs typeface="Times New Roman" panose="02020603050405020304" pitchFamily="18" charset="0"/>
-              </a:rPr>
-              <a:t>nirK</a:t>
-            </a:r>
-            <a:r>
-              <a:rPr lang="en-US" altLang="zh-CN" sz="1200" i="1" kern="0" dirty="0">
-                <a:latin typeface="Times New Roman" panose="02020603050405020304" pitchFamily="18" charset="0"/>
-                <a:ea typeface="宋体" panose="02010600030101010101" pitchFamily="2" charset="-122"/>
-                <a:cs typeface="Times New Roman" panose="02020603050405020304" pitchFamily="18" charset="0"/>
-              </a:rPr>
-              <a:t>, </a:t>
-            </a:r>
-            <a:r>
-              <a:rPr lang="en-US" altLang="zh-CN" sz="1200" i="1" kern="0" dirty="0" err="1">
-                <a:latin typeface="Times New Roman" panose="02020603050405020304" pitchFamily="18" charset="0"/>
-                <a:ea typeface="宋体" panose="02010600030101010101" pitchFamily="2" charset="-122"/>
-                <a:cs typeface="Times New Roman" panose="02020603050405020304" pitchFamily="18" charset="0"/>
-              </a:rPr>
-              <a:t>nirS</a:t>
-            </a:r>
-            <a:r>
-              <a:rPr lang="en-US" altLang="zh-CN" sz="1200" i="1" kern="0" dirty="0">
-                <a:latin typeface="Times New Roman" panose="02020603050405020304" pitchFamily="18" charset="0"/>
-                <a:ea typeface="宋体" panose="02010600030101010101" pitchFamily="2" charset="-122"/>
-                <a:cs typeface="Times New Roman" panose="02020603050405020304" pitchFamily="18" charset="0"/>
-              </a:rPr>
-              <a:t>, </a:t>
-            </a:r>
-            <a:r>
-              <a:rPr lang="en-US" altLang="zh-CN" sz="1200" i="1" kern="0" dirty="0" err="1">
-                <a:latin typeface="Times New Roman" panose="02020603050405020304" pitchFamily="18" charset="0"/>
-                <a:ea typeface="宋体" panose="02010600030101010101" pitchFamily="2" charset="-122"/>
-                <a:cs typeface="Times New Roman" panose="02020603050405020304" pitchFamily="18" charset="0"/>
-              </a:rPr>
-              <a:t>nosZ</a:t>
-            </a:r>
-            <a:r>
-              <a:rPr lang="en-US" altLang="zh-CN" sz="1200" i="1" kern="0" dirty="0">
-                <a:latin typeface="Times New Roman" panose="02020603050405020304" pitchFamily="18" charset="0"/>
-                <a:ea typeface="宋体" panose="02010600030101010101" pitchFamily="2" charset="-122"/>
-                <a:cs typeface="Times New Roman" panose="02020603050405020304" pitchFamily="18" charset="0"/>
-              </a:rPr>
-              <a:t> and </a:t>
-            </a:r>
-            <a:r>
-              <a:rPr lang="en-US" altLang="zh-CN" sz="1200" i="1" kern="0" dirty="0" err="1">
-                <a:latin typeface="Times New Roman" panose="02020603050405020304" pitchFamily="18" charset="0"/>
-                <a:ea typeface="宋体" panose="02010600030101010101" pitchFamily="2" charset="-122"/>
-                <a:cs typeface="Times New Roman" panose="02020603050405020304" pitchFamily="18" charset="0"/>
-              </a:rPr>
-              <a:t>norB</a:t>
-            </a:r>
-            <a:endParaRPr lang="zh-CN" altLang="en-US" sz="1200" i="1" kern="0" dirty="0">
-              <a:latin typeface="Times New Roman" panose="02020603050405020304" pitchFamily="18" charset="0"/>
-              <a:ea typeface="宋体" panose="02010600030101010101" pitchFamily="2" charset="-122"/>
-              <a:cs typeface="Times New Roman" panose="02020603050405020304" pitchFamily="18" charset="0"/>
-            </a:endParaRPr>
           </a:p>
         </p:txBody>
       </p:sp>
@@ -54315,7 +54194,7 @@
           <p:cNvPr id="34" name="object 4">
             <a:extLst>
               <a:ext uri="{FF2B5EF4-FFF2-40B4-BE49-F238E27FC236}">
-                <a16:creationId xmlns:a16="http://schemas.microsoft.com/office/drawing/2014/main" id="{5FE6A0B7-EC49-0A24-BAF1-5A8547A1CE04}"/>
+                <a16:creationId xmlns:a16="http://schemas.microsoft.com/office/drawing/2014/main" id="{E7E2DE90-0309-FC2C-B8E8-63F8617CD17A}"/>
               </a:ext>
             </a:extLst>
           </p:cNvPr>
@@ -54324,8 +54203,8 @@
         </p:nvSpPr>
         <p:spPr>
           <a:xfrm>
-            <a:off x="8693150" y="2940819"/>
-            <a:ext cx="2112772" cy="197490"/>
+            <a:off x="8611983" y="2909923"/>
+            <a:ext cx="2112772" cy="259045"/>
           </a:xfrm>
           <a:prstGeom prst="rect">
             <a:avLst/>
@@ -54343,50 +54222,13 @@
               </a:spcBef>
             </a:pPr>
             <a:r>
-              <a:rPr lang="en-US" altLang="zh-CN" sz="1200" i="1" kern="0" dirty="0" err="1">
-                <a:latin typeface="Times New Roman" panose="02020603050405020304" pitchFamily="18" charset="0"/>
-                <a:ea typeface="宋体" panose="02010600030101010101" pitchFamily="2" charset="-122"/>
+              <a:rPr lang="en-US" altLang="zh-CN" sz="1600" kern="0" dirty="0">
+                <a:latin typeface="Cambria Math" panose="02040503050406030204" pitchFamily="18" charset="0"/>
+                <a:ea typeface="Cambria Math" panose="02040503050406030204" pitchFamily="18" charset="0"/>
                 <a:cs typeface="Times New Roman" panose="02020603050405020304" pitchFamily="18" charset="0"/>
               </a:rPr>
-              <a:t>hzsA</a:t>
+              <a:t>ANAMMOX</a:t>
             </a:r>
-            <a:r>
-              <a:rPr lang="en-US" altLang="zh-CN" sz="1200" i="1" kern="0" dirty="0">
-                <a:latin typeface="Times New Roman" panose="02020603050405020304" pitchFamily="18" charset="0"/>
-                <a:ea typeface="宋体" panose="02010600030101010101" pitchFamily="2" charset="-122"/>
-                <a:cs typeface="Times New Roman" panose="02020603050405020304" pitchFamily="18" charset="0"/>
-              </a:rPr>
-              <a:t>, </a:t>
-            </a:r>
-            <a:r>
-              <a:rPr lang="en-US" altLang="zh-CN" sz="1200" i="1" kern="0" dirty="0" err="1">
-                <a:latin typeface="Times New Roman" panose="02020603050405020304" pitchFamily="18" charset="0"/>
-                <a:ea typeface="宋体" panose="02010600030101010101" pitchFamily="2" charset="-122"/>
-                <a:cs typeface="Times New Roman" panose="02020603050405020304" pitchFamily="18" charset="0"/>
-              </a:rPr>
-              <a:t>hzsB</a:t>
-            </a:r>
-            <a:r>
-              <a:rPr lang="en-US" altLang="zh-CN" sz="1200" i="1" kern="0" dirty="0">
-                <a:latin typeface="Times New Roman" panose="02020603050405020304" pitchFamily="18" charset="0"/>
-                <a:ea typeface="宋体" panose="02010600030101010101" pitchFamily="2" charset="-122"/>
-                <a:cs typeface="Times New Roman" panose="02020603050405020304" pitchFamily="18" charset="0"/>
-              </a:rPr>
-              <a:t> and </a:t>
-            </a:r>
-            <a:r>
-              <a:rPr lang="en-US" altLang="zh-CN" sz="1200" i="1" kern="0" dirty="0" err="1">
-                <a:latin typeface="Times New Roman" panose="02020603050405020304" pitchFamily="18" charset="0"/>
-                <a:ea typeface="宋体" panose="02010600030101010101" pitchFamily="2" charset="-122"/>
-                <a:cs typeface="Times New Roman" panose="02020603050405020304" pitchFamily="18" charset="0"/>
-              </a:rPr>
-              <a:t>hzo</a:t>
-            </a:r>
-            <a:endParaRPr lang="zh-CN" altLang="en-US" sz="1200" i="1" kern="0" dirty="0">
-              <a:latin typeface="Times New Roman" panose="02020603050405020304" pitchFamily="18" charset="0"/>
-              <a:ea typeface="宋体" panose="02010600030101010101" pitchFamily="2" charset="-122"/>
-              <a:cs typeface="Times New Roman" panose="02020603050405020304" pitchFamily="18" charset="0"/>
-            </a:endParaRPr>
           </a:p>
         </p:txBody>
       </p:sp>
@@ -54395,7 +54237,7 @@
           <p:cNvPr id="35" name="object 5">
             <a:extLst>
               <a:ext uri="{FF2B5EF4-FFF2-40B4-BE49-F238E27FC236}">
-                <a16:creationId xmlns:a16="http://schemas.microsoft.com/office/drawing/2014/main" id="{4039900B-2183-7C49-FCD6-BE830FBD4055}"/>
+                <a16:creationId xmlns:a16="http://schemas.microsoft.com/office/drawing/2014/main" id="{58DDF656-DAB8-DC43-8C5E-021EE95A045E}"/>
               </a:ext>
             </a:extLst>
           </p:cNvPr>
@@ -54404,8 +54246,8 @@
         </p:nvSpPr>
         <p:spPr>
           <a:xfrm>
-            <a:off x="9683750" y="4003573"/>
-            <a:ext cx="499745" cy="197490"/>
+            <a:off x="9587995" y="3868067"/>
+            <a:ext cx="1005975" cy="505267"/>
           </a:xfrm>
           <a:prstGeom prst="rect">
             <a:avLst/>
@@ -54423,250 +54265,22 @@
               </a:spcBef>
             </a:pPr>
             <a:r>
-              <a:rPr lang="en-US" altLang="zh-CN" sz="1200" i="1" kern="0" dirty="0" err="1">
-                <a:latin typeface="Times New Roman" panose="02020603050405020304" pitchFamily="18" charset="0"/>
-                <a:ea typeface="宋体" panose="02010600030101010101" pitchFamily="2" charset="-122"/>
+              <a:rPr lang="en-US" altLang="zh-CN" sz="1600" kern="0" dirty="0">
+                <a:latin typeface="Cambria Math" panose="02040503050406030204" pitchFamily="18" charset="0"/>
+                <a:ea typeface="Cambria Math" panose="02040503050406030204" pitchFamily="18" charset="0"/>
                 <a:cs typeface="Times New Roman" panose="02020603050405020304" pitchFamily="18" charset="0"/>
               </a:rPr>
-              <a:t>nifH</a:t>
+              <a:t>Nitrogen Fixation</a:t>
             </a:r>
-            <a:endParaRPr sz="1200" i="1" kern="0" dirty="0">
-              <a:latin typeface="Times New Roman" panose="02020603050405020304" pitchFamily="18" charset="0"/>
-              <a:ea typeface="宋体" panose="02010600030101010101" pitchFamily="2" charset="-122"/>
-              <a:cs typeface="Times New Roman" panose="02020603050405020304" pitchFamily="18" charset="0"/>
-            </a:endParaRPr>
-          </a:p>
-        </p:txBody>
-      </p:sp>
-      <mc:AlternateContent xmlns:mc="http://schemas.openxmlformats.org/markup-compatibility/2006">
-        <mc:Choice xmlns:a14="http://schemas.microsoft.com/office/drawing/2010/main" Requires="a14">
-          <p:sp>
-            <p:nvSpPr>
-              <p:cNvPr id="36" name="文本框 35">
-                <a:extLst>
-                  <a:ext uri="{FF2B5EF4-FFF2-40B4-BE49-F238E27FC236}">
-                    <a16:creationId xmlns:a16="http://schemas.microsoft.com/office/drawing/2014/main" id="{B8F9C8E0-2178-63EE-C10B-E27A58680400}"/>
-                  </a:ext>
-                </a:extLst>
-              </p:cNvPr>
-              <p:cNvSpPr txBox="1"/>
-              <p:nvPr/>
-            </p:nvSpPr>
-            <p:spPr>
-              <a:xfrm>
-                <a:off x="2278838" y="438954"/>
-                <a:ext cx="237502" cy="166712"/>
-              </a:xfrm>
-              <a:prstGeom prst="rect">
-                <a:avLst/>
-              </a:prstGeom>
-            </p:spPr>
-            <p:txBody>
-              <a:bodyPr vert="horz" wrap="square" lIns="0" tIns="12700" rIns="0" bIns="0" rtlCol="0">
-                <a:spAutoFit/>
-              </a:bodyPr>
-              <a:lstStyle>
-                <a:defPPr>
-                  <a:defRPr lang="zh-CN"/>
-                </a:defPPr>
-                <a:lvl1pPr marL="12700">
-                  <a:lnSpc>
-                    <a:spcPct val="100000"/>
-                  </a:lnSpc>
-                  <a:spcBef>
-                    <a:spcPts val="100"/>
-                  </a:spcBef>
-                  <a:defRPr sz="1100" i="1">
-                    <a:latin typeface="Times New Roman" panose="02020603050405020304" pitchFamily="18" charset="0"/>
-                    <a:cs typeface="Times New Roman" panose="02020603050405020304" pitchFamily="18" charset="0"/>
-                  </a:defRPr>
-                </a:lvl1pPr>
-              </a:lstStyle>
-              <a:p>
-                <a:pPr/>
-                <a14:m>
-                  <m:oMathPara xmlns:m="http://schemas.openxmlformats.org/officeDocument/2006/math">
-                    <m:oMathParaPr>
-                      <m:jc m:val="centerGroup"/>
-                    </m:oMathParaPr>
-                    <m:oMath xmlns:m="http://schemas.openxmlformats.org/officeDocument/2006/math">
-                      <m:r>
-                        <a:rPr lang="en-US" altLang="zh-CN" sz="1000">
-                          <a:latin typeface="Cambria Math" panose="02040503050406030204" pitchFamily="18" charset="0"/>
-                        </a:rPr>
-                        <m:t>𝑇𝑁</m:t>
-                      </m:r>
-                    </m:oMath>
-                  </m:oMathPara>
-                </a14:m>
-                <a:endParaRPr lang="zh-CN" altLang="en-US" sz="1000" dirty="0"/>
-              </a:p>
-            </p:txBody>
-          </p:sp>
-        </mc:Choice>
-        <mc:Fallback>
-          <p:sp>
-            <p:nvSpPr>
-              <p:cNvPr id="36" name="文本框 35">
-                <a:extLst>
-                  <a:ext uri="{FF2B5EF4-FFF2-40B4-BE49-F238E27FC236}">
-                    <a16:creationId xmlns:a16="http://schemas.microsoft.com/office/drawing/2014/main" id="{B8F9C8E0-2178-63EE-C10B-E27A58680400}"/>
-                  </a:ext>
-                </a:extLst>
-              </p:cNvPr>
-              <p:cNvSpPr txBox="1">
-                <a:spLocks noRot="1" noChangeAspect="1" noMove="1" noResize="1" noEditPoints="1" noAdjustHandles="1" noChangeArrowheads="1" noChangeShapeType="1" noTextEdit="1"/>
-              </p:cNvSpPr>
-              <p:nvPr/>
-            </p:nvSpPr>
-            <p:spPr>
-              <a:xfrm>
-                <a:off x="2278838" y="438954"/>
-                <a:ext cx="237502" cy="166712"/>
-              </a:xfrm>
-              <a:prstGeom prst="rect">
-                <a:avLst/>
-              </a:prstGeom>
-              <a:blipFill>
-                <a:blip r:embed="rId2"/>
-                <a:stretch>
-                  <a:fillRect l="-10256" b="-11111"/>
-                </a:stretch>
-              </a:blipFill>
-            </p:spPr>
-            <p:txBody>
-              <a:bodyPr/>
-              <a:lstStyle/>
-              <a:p>
-                <a:r>
-                  <a:rPr lang="zh-CN" altLang="en-US">
-                    <a:noFill/>
-                  </a:rPr>
-                  <a:t> </a:t>
-                </a:r>
-              </a:p>
-            </p:txBody>
-          </p:sp>
-        </mc:Fallback>
-      </mc:AlternateContent>
-      <mc:AlternateContent xmlns:mc="http://schemas.openxmlformats.org/markup-compatibility/2006">
-        <mc:Choice xmlns:a14="http://schemas.microsoft.com/office/drawing/2010/main" Requires="a14">
-          <p:sp>
-            <p:nvSpPr>
-              <p:cNvPr id="37" name="文本框 36">
-                <a:extLst>
-                  <a:ext uri="{FF2B5EF4-FFF2-40B4-BE49-F238E27FC236}">
-                    <a16:creationId xmlns:a16="http://schemas.microsoft.com/office/drawing/2014/main" id="{5236F034-5437-6016-BF13-966ADEC05A1B}"/>
-                  </a:ext>
-                </a:extLst>
-              </p:cNvPr>
-              <p:cNvSpPr txBox="1"/>
-              <p:nvPr/>
-            </p:nvSpPr>
-            <p:spPr>
-              <a:xfrm>
-                <a:off x="2309110" y="654050"/>
-                <a:ext cx="271894" cy="166712"/>
-              </a:xfrm>
-              <a:prstGeom prst="rect">
-                <a:avLst/>
-              </a:prstGeom>
-            </p:spPr>
-            <p:txBody>
-              <a:bodyPr vert="horz" wrap="square" lIns="0" tIns="12700" rIns="0" bIns="0" rtlCol="0">
-                <a:spAutoFit/>
-              </a:bodyPr>
-              <a:lstStyle>
-                <a:defPPr>
-                  <a:defRPr lang="zh-CN"/>
-                </a:defPPr>
-                <a:lvl1pPr marL="12700">
-                  <a:lnSpc>
-                    <a:spcPct val="100000"/>
-                  </a:lnSpc>
-                  <a:spcBef>
-                    <a:spcPts val="100"/>
-                  </a:spcBef>
-                  <a:defRPr sz="1100" i="1">
-                    <a:latin typeface="Times New Roman" panose="02020603050405020304" pitchFamily="18" charset="0"/>
-                    <a:cs typeface="Times New Roman" panose="02020603050405020304" pitchFamily="18" charset="0"/>
-                  </a:defRPr>
-                </a:lvl1pPr>
-              </a:lstStyle>
-              <a:p>
-                <a14:m>
-                  <m:oMath xmlns:m="http://schemas.openxmlformats.org/officeDocument/2006/math">
-                    <m:r>
-                      <m:rPr>
-                        <m:sty m:val="p"/>
-                      </m:rPr>
-                      <a:rPr lang="en-US" altLang="zh-CN" sz="1000" i="0">
-                        <a:latin typeface="Cambria Math" panose="02040503050406030204" pitchFamily="18" charset="0"/>
-                      </a:rPr>
-                      <m:t>T</m:t>
-                    </m:r>
-                  </m:oMath>
-                </a14:m>
-                <a:r>
-                  <a:rPr lang="en-US" altLang="zh-CN" sz="1000" i="0" dirty="0"/>
-                  <a:t>P</a:t>
-                </a:r>
-                <a:endParaRPr lang="zh-CN" altLang="en-US" sz="1000" i="0" dirty="0"/>
-              </a:p>
-            </p:txBody>
-          </p:sp>
-        </mc:Choice>
-        <mc:Fallback>
-          <p:sp>
-            <p:nvSpPr>
-              <p:cNvPr id="37" name="文本框 36">
-                <a:extLst>
-                  <a:ext uri="{FF2B5EF4-FFF2-40B4-BE49-F238E27FC236}">
-                    <a16:creationId xmlns:a16="http://schemas.microsoft.com/office/drawing/2014/main" id="{5236F034-5437-6016-BF13-966ADEC05A1B}"/>
-                  </a:ext>
-                </a:extLst>
-              </p:cNvPr>
-              <p:cNvSpPr txBox="1">
-                <a:spLocks noRot="1" noChangeAspect="1" noMove="1" noResize="1" noEditPoints="1" noAdjustHandles="1" noChangeArrowheads="1" noChangeShapeType="1" noTextEdit="1"/>
-              </p:cNvSpPr>
-              <p:nvPr/>
-            </p:nvSpPr>
-            <p:spPr>
-              <a:xfrm>
-                <a:off x="2309110" y="654050"/>
-                <a:ext cx="271894" cy="166712"/>
-              </a:xfrm>
-              <a:prstGeom prst="rect">
-                <a:avLst/>
-              </a:prstGeom>
-              <a:blipFill>
-                <a:blip r:embed="rId3"/>
-                <a:stretch>
-                  <a:fillRect l="-13636" t="-14286" b="-42857"/>
-                </a:stretch>
-              </a:blipFill>
-            </p:spPr>
-            <p:txBody>
-              <a:bodyPr/>
-              <a:lstStyle/>
-              <a:p>
-                <a:r>
-                  <a:rPr lang="zh-CN" altLang="en-US">
-                    <a:noFill/>
-                  </a:rPr>
-                  <a:t> </a:t>
-                </a:r>
-              </a:p>
-            </p:txBody>
-          </p:sp>
-        </mc:Fallback>
-      </mc:AlternateContent>
-      <p:sp>
-        <p:nvSpPr>
-          <p:cNvPr id="38" name="文本框 37">
+          </a:p>
+        </p:txBody>
+      </p:sp>
+      <p:sp>
+        <p:nvSpPr>
+          <p:cNvPr id="36" name="文本框 35">
             <a:extLst>
               <a:ext uri="{FF2B5EF4-FFF2-40B4-BE49-F238E27FC236}">
-                <a16:creationId xmlns:a16="http://schemas.microsoft.com/office/drawing/2014/main" id="{9BF201CB-25D7-4593-B874-54EAAA845358}"/>
+                <a16:creationId xmlns:a16="http://schemas.microsoft.com/office/drawing/2014/main" id="{22FA248A-39D7-D589-25EC-FCC8B0777C51}"/>
               </a:ext>
             </a:extLst>
           </p:cNvPr>
@@ -54675,8 +54289,8 @@
         </p:nvSpPr>
         <p:spPr>
           <a:xfrm>
-            <a:off x="1934721" y="882650"/>
-            <a:ext cx="884646" cy="166712"/>
+            <a:off x="2266344" y="416552"/>
+            <a:ext cx="285455" cy="259045"/>
           </a:xfrm>
           <a:prstGeom prst="rect">
             <a:avLst/>
@@ -54704,58 +54318,26 @@
             </a:lvl1pPr>
           </a:lstStyle>
           <a:p>
+            <a:pPr/>
             <a:r>
-              <a:rPr lang="en-US" altLang="zh-CN" sz="1000" i="0" dirty="0"/>
-              <a:t>Size-d(0.1)</a:t>
+              <a:rPr lang="en-US" altLang="zh-CN" sz="1600" i="0" dirty="0">
+                <a:latin typeface="Cambria Math" panose="02040503050406030204" pitchFamily="18" charset="0"/>
+                <a:ea typeface="Cambria Math" panose="02040503050406030204" pitchFamily="18" charset="0"/>
+              </a:rPr>
+              <a:t>TN</a:t>
             </a:r>
-            <a:endParaRPr lang="zh-CN" altLang="en-US" sz="1000" i="0" dirty="0"/>
-          </a:p>
-        </p:txBody>
-      </p:sp>
-      <p:cxnSp>
-        <p:nvCxnSpPr>
-          <p:cNvPr id="39" name="直接连接符 38">
+            <a:endParaRPr lang="zh-CN" altLang="en-US" sz="1600" i="0" dirty="0">
+              <a:latin typeface="Cambria Math" panose="02040503050406030204" pitchFamily="18" charset="0"/>
+            </a:endParaRPr>
+          </a:p>
+        </p:txBody>
+      </p:sp>
+      <p:sp>
+        <p:nvSpPr>
+          <p:cNvPr id="37" name="文本框 36">
             <a:extLst>
               <a:ext uri="{FF2B5EF4-FFF2-40B4-BE49-F238E27FC236}">
-                <a16:creationId xmlns:a16="http://schemas.microsoft.com/office/drawing/2014/main" id="{37A2334A-7CA9-BED2-C6C4-2B38F98B0873}"/>
-              </a:ext>
-            </a:extLst>
-          </p:cNvPr>
-          <p:cNvCxnSpPr>
-            <a:cxnSpLocks/>
-          </p:cNvCxnSpPr>
-          <p:nvPr/>
-        </p:nvCxnSpPr>
-        <p:spPr>
-          <a:xfrm>
-            <a:off x="1361803" y="413180"/>
-            <a:ext cx="0" cy="3351214"/>
-          </a:xfrm>
-          <a:prstGeom prst="line">
-            <a:avLst/>
-          </a:prstGeom>
-        </p:spPr>
-        <p:style>
-          <a:lnRef idx="1">
-            <a:schemeClr val="dk1"/>
-          </a:lnRef>
-          <a:fillRef idx="0">
-            <a:schemeClr val="dk1"/>
-          </a:fillRef>
-          <a:effectRef idx="0">
-            <a:schemeClr val="dk1"/>
-          </a:effectRef>
-          <a:fontRef idx="minor">
-            <a:schemeClr val="tx1"/>
-          </a:fontRef>
-        </p:style>
-      </p:cxnSp>
-      <p:sp>
-        <p:nvSpPr>
-          <p:cNvPr id="40" name="文本框 39">
-            <a:extLst>
-              <a:ext uri="{FF2B5EF4-FFF2-40B4-BE49-F238E27FC236}">
-                <a16:creationId xmlns:a16="http://schemas.microsoft.com/office/drawing/2014/main" id="{9645B561-A403-BFBA-8FDA-97A3B7BF2071}"/>
+                <a16:creationId xmlns:a16="http://schemas.microsoft.com/office/drawing/2014/main" id="{CE07713E-C6E0-DFD1-391F-5BEAC35EFDE9}"/>
               </a:ext>
             </a:extLst>
           </p:cNvPr>
@@ -54764,8 +54346,8 @@
         </p:nvSpPr>
         <p:spPr>
           <a:xfrm>
-            <a:off x="752203" y="2050536"/>
-            <a:ext cx="543751" cy="166712"/>
+            <a:off x="2295549" y="651349"/>
+            <a:ext cx="285455" cy="259045"/>
           </a:xfrm>
           <a:prstGeom prst="rect">
             <a:avLst/>
@@ -54794,19 +54376,24 @@
           </a:lstStyle>
           <a:p>
             <a:r>
-              <a:rPr lang="en-US" altLang="zh-CN" sz="1000" i="0" dirty="0"/>
-              <a:t>Sediment</a:t>
+              <a:rPr lang="en-US" altLang="zh-CN" sz="1600" i="0" dirty="0">
+                <a:latin typeface="Cambria Math" panose="02040503050406030204" pitchFamily="18" charset="0"/>
+                <a:ea typeface="Cambria Math" panose="02040503050406030204" pitchFamily="18" charset="0"/>
+              </a:rPr>
+              <a:t>TP</a:t>
             </a:r>
-            <a:endParaRPr lang="zh-CN" altLang="en-US" sz="1000" i="0" dirty="0"/>
-          </a:p>
-        </p:txBody>
-      </p:sp>
-      <p:sp>
-        <p:nvSpPr>
-          <p:cNvPr id="41" name="文本框 40">
+            <a:endParaRPr lang="zh-CN" altLang="en-US" sz="1600" i="0" dirty="0">
+              <a:latin typeface="Cambria Math" panose="02040503050406030204" pitchFamily="18" charset="0"/>
+            </a:endParaRPr>
+          </a:p>
+        </p:txBody>
+      </p:sp>
+      <p:sp>
+        <p:nvSpPr>
+          <p:cNvPr id="38" name="文本框 37">
             <a:extLst>
               <a:ext uri="{FF2B5EF4-FFF2-40B4-BE49-F238E27FC236}">
-                <a16:creationId xmlns:a16="http://schemas.microsoft.com/office/drawing/2014/main" id="{4D3CCD02-5A8B-E9EF-5D8E-28F5344C1730}"/>
+                <a16:creationId xmlns:a16="http://schemas.microsoft.com/office/drawing/2014/main" id="{57F9AC83-51F4-5263-FF7C-8F75D9887AC3}"/>
               </a:ext>
             </a:extLst>
           </p:cNvPr>
@@ -54815,8 +54402,8 @@
         </p:nvSpPr>
         <p:spPr>
           <a:xfrm>
-            <a:off x="1934721" y="1147584"/>
-            <a:ext cx="884646" cy="166712"/>
+            <a:off x="2252968" y="840393"/>
+            <a:ext cx="302233" cy="259045"/>
           </a:xfrm>
           <a:prstGeom prst="rect">
             <a:avLst/>
@@ -54844,20 +54431,71 @@
             </a:lvl1pPr>
           </a:lstStyle>
           <a:p>
+            <a:pPr algn="r"/>
             <a:r>
-              <a:rPr lang="en-US" altLang="zh-CN" sz="1000" i="0" dirty="0"/>
-              <a:t>Size-d(0.5)</a:t>
+              <a:rPr lang="en-US" altLang="zh-CN" sz="1600" i="0" dirty="0">
+                <a:latin typeface="Cambria Math" panose="02040503050406030204" pitchFamily="18" charset="0"/>
+                <a:ea typeface="Cambria Math" panose="02040503050406030204" pitchFamily="18" charset="0"/>
+              </a:rPr>
+              <a:t>d</a:t>
             </a:r>
-            <a:endParaRPr lang="zh-CN" altLang="en-US" sz="1000" i="0" dirty="0"/>
-          </a:p>
-        </p:txBody>
-      </p:sp>
-      <p:sp>
-        <p:nvSpPr>
-          <p:cNvPr id="42" name="文本框 41">
+            <a:r>
+              <a:rPr lang="en-US" altLang="zh-CN" sz="1600" i="0" baseline="-25000" dirty="0">
+                <a:latin typeface="Cambria Math" panose="02040503050406030204" pitchFamily="18" charset="0"/>
+                <a:ea typeface="Cambria Math" panose="02040503050406030204" pitchFamily="18" charset="0"/>
+              </a:rPr>
+              <a:t>0.1</a:t>
+            </a:r>
+            <a:endParaRPr lang="zh-CN" altLang="en-US" sz="1600" i="0" dirty="0">
+              <a:latin typeface="Cambria Math" panose="02040503050406030204" pitchFamily="18" charset="0"/>
+            </a:endParaRPr>
+          </a:p>
+        </p:txBody>
+      </p:sp>
+      <p:cxnSp>
+        <p:nvCxnSpPr>
+          <p:cNvPr id="39" name="直接连接符 38">
             <a:extLst>
               <a:ext uri="{FF2B5EF4-FFF2-40B4-BE49-F238E27FC236}">
-                <a16:creationId xmlns:a16="http://schemas.microsoft.com/office/drawing/2014/main" id="{885E8728-AF34-E2B8-4BF0-F85506B23140}"/>
+                <a16:creationId xmlns:a16="http://schemas.microsoft.com/office/drawing/2014/main" id="{0F02E629-E72D-52BA-CA8E-3F3FF6EC61AE}"/>
+              </a:ext>
+            </a:extLst>
+          </p:cNvPr>
+          <p:cNvCxnSpPr>
+            <a:cxnSpLocks/>
+          </p:cNvCxnSpPr>
+          <p:nvPr/>
+        </p:nvCxnSpPr>
+        <p:spPr>
+          <a:xfrm>
+            <a:off x="1361803" y="413180"/>
+            <a:ext cx="0" cy="3351214"/>
+          </a:xfrm>
+          <a:prstGeom prst="line">
+            <a:avLst/>
+          </a:prstGeom>
+        </p:spPr>
+        <p:style>
+          <a:lnRef idx="1">
+            <a:schemeClr val="dk1"/>
+          </a:lnRef>
+          <a:fillRef idx="0">
+            <a:schemeClr val="dk1"/>
+          </a:fillRef>
+          <a:effectRef idx="0">
+            <a:schemeClr val="dk1"/>
+          </a:effectRef>
+          <a:fontRef idx="minor">
+            <a:schemeClr val="tx1"/>
+          </a:fontRef>
+        </p:style>
+      </p:cxnSp>
+      <p:sp>
+        <p:nvSpPr>
+          <p:cNvPr id="40" name="文本框 39">
+            <a:extLst>
+              <a:ext uri="{FF2B5EF4-FFF2-40B4-BE49-F238E27FC236}">
+                <a16:creationId xmlns:a16="http://schemas.microsoft.com/office/drawing/2014/main" id="{40795393-62F3-0CFE-DAA2-0040B7CB9791}"/>
               </a:ext>
             </a:extLst>
           </p:cNvPr>
@@ -54866,8 +54504,8 @@
         </p:nvSpPr>
         <p:spPr>
           <a:xfrm>
-            <a:off x="1934721" y="1378563"/>
-            <a:ext cx="884646" cy="166712"/>
+            <a:off x="426580" y="1959265"/>
+            <a:ext cx="865406" cy="259045"/>
           </a:xfrm>
           <a:prstGeom prst="rect">
             <a:avLst/>
@@ -54896,19 +54534,24 @@
           </a:lstStyle>
           <a:p>
             <a:r>
-              <a:rPr lang="en-US" altLang="zh-CN" sz="1000" i="0" dirty="0"/>
-              <a:t>Size-d(0.9)</a:t>
+              <a:rPr lang="en-US" altLang="zh-CN" sz="1600" i="0" dirty="0">
+                <a:latin typeface="Cambria Math" panose="02040503050406030204" pitchFamily="18" charset="0"/>
+                <a:ea typeface="Cambria Math" panose="02040503050406030204" pitchFamily="18" charset="0"/>
+              </a:rPr>
+              <a:t>Sediment</a:t>
             </a:r>
-            <a:endParaRPr lang="zh-CN" altLang="en-US" sz="1000" i="0" dirty="0"/>
-          </a:p>
-        </p:txBody>
-      </p:sp>
-      <p:sp>
-        <p:nvSpPr>
-          <p:cNvPr id="43" name="文本框 42">
+            <a:endParaRPr lang="zh-CN" altLang="en-US" sz="1600" i="0" dirty="0">
+              <a:latin typeface="Cambria Math" panose="02040503050406030204" pitchFamily="18" charset="0"/>
+            </a:endParaRPr>
+          </a:p>
+        </p:txBody>
+      </p:sp>
+      <p:sp>
+        <p:nvSpPr>
+          <p:cNvPr id="41" name="文本框 40">
             <a:extLst>
               <a:ext uri="{FF2B5EF4-FFF2-40B4-BE49-F238E27FC236}">
-                <a16:creationId xmlns:a16="http://schemas.microsoft.com/office/drawing/2014/main" id="{8A14E44A-4EDD-1A4E-F5CC-B24BF699D914}"/>
+                <a16:creationId xmlns:a16="http://schemas.microsoft.com/office/drawing/2014/main" id="{8C29D909-7ECA-1433-56CC-E9DEC4F92F9D}"/>
               </a:ext>
             </a:extLst>
           </p:cNvPr>
@@ -54917,8 +54560,8 @@
         </p:nvSpPr>
         <p:spPr>
           <a:xfrm>
-            <a:off x="1442314" y="1603114"/>
-            <a:ext cx="1050448" cy="166712"/>
+            <a:off x="1660503" y="1067596"/>
+            <a:ext cx="884646" cy="259045"/>
           </a:xfrm>
           <a:prstGeom prst="rect">
             <a:avLst/>
@@ -54946,20 +54589,33 @@
             </a:lvl1pPr>
           </a:lstStyle>
           <a:p>
+            <a:pPr algn="r"/>
             <a:r>
-              <a:rPr lang="en-US" altLang="zh-CN" sz="1000" i="0" dirty="0"/>
-              <a:t>Size-d[(0.9-0.1)/0.5]</a:t>
+              <a:rPr lang="en-US" altLang="zh-CN" sz="1600" i="0" dirty="0">
+                <a:latin typeface="Cambria Math" panose="02040503050406030204" pitchFamily="18" charset="0"/>
+                <a:ea typeface="Cambria Math" panose="02040503050406030204" pitchFamily="18" charset="0"/>
+              </a:rPr>
+              <a:t>d</a:t>
             </a:r>
-            <a:endParaRPr lang="zh-CN" altLang="en-US" sz="1000" i="0" dirty="0"/>
-          </a:p>
-        </p:txBody>
-      </p:sp>
-      <p:sp>
-        <p:nvSpPr>
-          <p:cNvPr id="44" name="文本框 43">
+            <a:r>
+              <a:rPr lang="en-US" altLang="zh-CN" sz="1600" i="0" baseline="-25000" dirty="0">
+                <a:latin typeface="Cambria Math" panose="02040503050406030204" pitchFamily="18" charset="0"/>
+                <a:ea typeface="Cambria Math" panose="02040503050406030204" pitchFamily="18" charset="0"/>
+              </a:rPr>
+              <a:t>0.5</a:t>
+            </a:r>
+            <a:endParaRPr lang="zh-CN" altLang="en-US" sz="1600" i="0" dirty="0">
+              <a:latin typeface="Cambria Math" panose="02040503050406030204" pitchFamily="18" charset="0"/>
+            </a:endParaRPr>
+          </a:p>
+        </p:txBody>
+      </p:sp>
+      <p:sp>
+        <p:nvSpPr>
+          <p:cNvPr id="42" name="文本框 41">
             <a:extLst>
               <a:ext uri="{FF2B5EF4-FFF2-40B4-BE49-F238E27FC236}">
-                <a16:creationId xmlns:a16="http://schemas.microsoft.com/office/drawing/2014/main" id="{82778FC3-F6A1-A3AE-D43E-5EACC49371B7}"/>
+                <a16:creationId xmlns:a16="http://schemas.microsoft.com/office/drawing/2014/main" id="{210B09A2-CA11-9C28-FA05-16B54AB6C814}"/>
               </a:ext>
             </a:extLst>
           </p:cNvPr>
@@ -54968,8 +54624,8 @@
         </p:nvSpPr>
         <p:spPr>
           <a:xfrm>
-            <a:off x="2352404" y="1837466"/>
-            <a:ext cx="178686" cy="166712"/>
+            <a:off x="1657275" y="1304629"/>
+            <a:ext cx="884646" cy="259045"/>
           </a:xfrm>
           <a:prstGeom prst="rect">
             <a:avLst/>
@@ -54997,20 +54653,33 @@
             </a:lvl1pPr>
           </a:lstStyle>
           <a:p>
+            <a:pPr algn="r"/>
             <a:r>
-              <a:rPr lang="en-US" altLang="zh-CN" sz="1000" i="0" dirty="0"/>
-              <a:t>FI</a:t>
+              <a:rPr lang="en-US" altLang="zh-CN" sz="1600" i="0" dirty="0">
+                <a:latin typeface="Cambria Math" panose="02040503050406030204" pitchFamily="18" charset="0"/>
+                <a:ea typeface="Cambria Math" panose="02040503050406030204" pitchFamily="18" charset="0"/>
+              </a:rPr>
+              <a:t>d</a:t>
             </a:r>
-            <a:endParaRPr lang="zh-CN" altLang="en-US" sz="1000" i="0" dirty="0"/>
-          </a:p>
-        </p:txBody>
-      </p:sp>
-      <p:sp>
-        <p:nvSpPr>
-          <p:cNvPr id="45" name="文本框 44">
+            <a:r>
+              <a:rPr lang="en-US" altLang="zh-CN" sz="1600" i="0" baseline="-25000" dirty="0">
+                <a:latin typeface="Cambria Math" panose="02040503050406030204" pitchFamily="18" charset="0"/>
+                <a:ea typeface="Cambria Math" panose="02040503050406030204" pitchFamily="18" charset="0"/>
+              </a:rPr>
+              <a:t>0.9</a:t>
+            </a:r>
+            <a:endParaRPr lang="zh-CN" altLang="en-US" sz="1600" i="0" dirty="0">
+              <a:latin typeface="Cambria Math" panose="02040503050406030204" pitchFamily="18" charset="0"/>
+            </a:endParaRPr>
+          </a:p>
+        </p:txBody>
+      </p:sp>
+      <p:sp>
+        <p:nvSpPr>
+          <p:cNvPr id="43" name="文本框 42">
             <a:extLst>
               <a:ext uri="{FF2B5EF4-FFF2-40B4-BE49-F238E27FC236}">
-                <a16:creationId xmlns:a16="http://schemas.microsoft.com/office/drawing/2014/main" id="{0BB7B216-7F08-2FD0-5872-36D9C240D954}"/>
+                <a16:creationId xmlns:a16="http://schemas.microsoft.com/office/drawing/2014/main" id="{7BE0C9CA-2929-BDEF-FBAD-B219A684D798}"/>
               </a:ext>
             </a:extLst>
           </p:cNvPr>
@@ -55019,8 +54688,8 @@
         </p:nvSpPr>
         <p:spPr>
           <a:xfrm>
-            <a:off x="2248611" y="2053669"/>
-            <a:ext cx="266761" cy="166712"/>
+            <a:off x="1225552" y="1548019"/>
+            <a:ext cx="1348777" cy="259045"/>
           </a:xfrm>
           <a:prstGeom prst="rect">
             <a:avLst/>
@@ -55048,20 +54717,61 @@
             </a:lvl1pPr>
           </a:lstStyle>
           <a:p>
+            <a:pPr algn="r"/>
             <a:r>
-              <a:rPr lang="en-US" altLang="zh-CN" sz="1000" i="0" dirty="0"/>
-              <a:t>BIX</a:t>
+              <a:rPr lang="en-US" altLang="zh-CN" sz="1600" i="0" dirty="0">
+                <a:latin typeface="Cambria Math" panose="02040503050406030204" pitchFamily="18" charset="0"/>
+                <a:ea typeface="Cambria Math" panose="02040503050406030204" pitchFamily="18" charset="0"/>
+              </a:rPr>
+              <a:t>(d</a:t>
             </a:r>
-            <a:endParaRPr lang="zh-CN" altLang="en-US" sz="1000" i="0" dirty="0"/>
-          </a:p>
-        </p:txBody>
-      </p:sp>
-      <p:sp>
-        <p:nvSpPr>
-          <p:cNvPr id="46" name="文本框 45">
+            <a:r>
+              <a:rPr lang="en-US" altLang="zh-CN" sz="1600" i="0" baseline="-25000" dirty="0">
+                <a:latin typeface="Cambria Math" panose="02040503050406030204" pitchFamily="18" charset="0"/>
+                <a:ea typeface="Cambria Math" panose="02040503050406030204" pitchFamily="18" charset="0"/>
+              </a:rPr>
+              <a:t>0.9</a:t>
+            </a:r>
+            <a:r>
+              <a:rPr lang="en-US" altLang="zh-CN" sz="1600" i="0" dirty="0">
+                <a:latin typeface="Cambria Math" panose="02040503050406030204" pitchFamily="18" charset="0"/>
+                <a:ea typeface="Cambria Math" panose="02040503050406030204" pitchFamily="18" charset="0"/>
+              </a:rPr>
+              <a:t>-d</a:t>
+            </a:r>
+            <a:r>
+              <a:rPr lang="en-US" altLang="zh-CN" sz="1600" i="0" baseline="-25000" dirty="0">
+                <a:latin typeface="Cambria Math" panose="02040503050406030204" pitchFamily="18" charset="0"/>
+                <a:ea typeface="Cambria Math" panose="02040503050406030204" pitchFamily="18" charset="0"/>
+              </a:rPr>
+              <a:t>0.1</a:t>
+            </a:r>
+            <a:r>
+              <a:rPr lang="en-US" altLang="zh-CN" sz="1600" i="0" dirty="0">
+                <a:latin typeface="Cambria Math" panose="02040503050406030204" pitchFamily="18" charset="0"/>
+                <a:ea typeface="Cambria Math" panose="02040503050406030204" pitchFamily="18" charset="0"/>
+              </a:rPr>
+              <a:t>)/d</a:t>
+            </a:r>
+            <a:r>
+              <a:rPr lang="en-US" altLang="zh-CN" sz="1600" i="0" baseline="-25000" dirty="0">
+                <a:latin typeface="Cambria Math" panose="02040503050406030204" pitchFamily="18" charset="0"/>
+                <a:ea typeface="Cambria Math" panose="02040503050406030204" pitchFamily="18" charset="0"/>
+              </a:rPr>
+              <a:t>0.5</a:t>
+            </a:r>
+            <a:endParaRPr lang="zh-CN" altLang="en-US" sz="1600" i="0" dirty="0">
+              <a:latin typeface="Cambria Math" panose="02040503050406030204" pitchFamily="18" charset="0"/>
+            </a:endParaRPr>
+          </a:p>
+        </p:txBody>
+      </p:sp>
+      <p:sp>
+        <p:nvSpPr>
+          <p:cNvPr id="44" name="文本框 43">
             <a:extLst>
               <a:ext uri="{FF2B5EF4-FFF2-40B4-BE49-F238E27FC236}">
-                <a16:creationId xmlns:a16="http://schemas.microsoft.com/office/drawing/2014/main" id="{FFAB5225-C2F7-76A7-D8CC-ACD0D8A1BCAD}"/>
+                <a16:creationId xmlns:a16="http://schemas.microsoft.com/office/drawing/2014/main" id="{63684733-FAB5-DDEA-84A4-CA61B6573463}"/>
               </a:ext>
             </a:extLst>
           </p:cNvPr>
@@ -55070,8 +54780,8 @@
         </p:nvSpPr>
         <p:spPr>
           <a:xfrm>
-            <a:off x="2248611" y="2292465"/>
-            <a:ext cx="266761" cy="166712"/>
+            <a:off x="2228736" y="1813694"/>
+            <a:ext cx="317151" cy="259045"/>
           </a:xfrm>
           <a:prstGeom prst="rect">
             <a:avLst/>
@@ -55099,20 +54809,26 @@
             </a:lvl1pPr>
           </a:lstStyle>
           <a:p>
+            <a:pPr algn="r"/>
             <a:r>
-              <a:rPr lang="en-US" altLang="zh-CN" sz="1000" i="0" dirty="0"/>
-              <a:t>HIX</a:t>
+              <a:rPr lang="en-US" altLang="zh-CN" sz="1600" i="0" dirty="0">
+                <a:latin typeface="Cambria Math" panose="02040503050406030204" pitchFamily="18" charset="0"/>
+                <a:ea typeface="Cambria Math" panose="02040503050406030204" pitchFamily="18" charset="0"/>
+              </a:rPr>
+              <a:t>FI</a:t>
             </a:r>
-            <a:endParaRPr lang="zh-CN" altLang="en-US" sz="1000" i="0" dirty="0"/>
-          </a:p>
-        </p:txBody>
-      </p:sp>
-      <p:sp>
-        <p:nvSpPr>
-          <p:cNvPr id="47" name="文本框 46">
+            <a:endParaRPr lang="zh-CN" altLang="en-US" sz="1600" i="0" dirty="0">
+              <a:latin typeface="Cambria Math" panose="02040503050406030204" pitchFamily="18" charset="0"/>
+            </a:endParaRPr>
+          </a:p>
+        </p:txBody>
+      </p:sp>
+      <p:sp>
+        <p:nvSpPr>
+          <p:cNvPr id="45" name="文本框 44">
             <a:extLst>
               <a:ext uri="{FF2B5EF4-FFF2-40B4-BE49-F238E27FC236}">
-                <a16:creationId xmlns:a16="http://schemas.microsoft.com/office/drawing/2014/main" id="{EF1D8CA8-7DDB-534F-EA72-A19F8182725F}"/>
+                <a16:creationId xmlns:a16="http://schemas.microsoft.com/office/drawing/2014/main" id="{CA25C66D-05AA-6CC8-281A-3E1D5005592A}"/>
               </a:ext>
             </a:extLst>
           </p:cNvPr>
@@ -55121,8 +54837,8 @@
         </p:nvSpPr>
         <p:spPr>
           <a:xfrm>
-            <a:off x="2278838" y="2502752"/>
-            <a:ext cx="247318" cy="166712"/>
+            <a:off x="2089058" y="2023815"/>
+            <a:ext cx="473707" cy="259045"/>
           </a:xfrm>
           <a:prstGeom prst="rect">
             <a:avLst/>
@@ -55150,20 +54866,26 @@
             </a:lvl1pPr>
           </a:lstStyle>
           <a:p>
+            <a:pPr algn="r"/>
             <a:r>
-              <a:rPr lang="el-GR" altLang="zh-CN" sz="1000" i="0" dirty="0"/>
-              <a:t>β:α</a:t>
+              <a:rPr lang="en-US" altLang="zh-CN" sz="1600" i="0" dirty="0">
+                <a:latin typeface="Cambria Math" panose="02040503050406030204" pitchFamily="18" charset="0"/>
+                <a:ea typeface="Cambria Math" panose="02040503050406030204" pitchFamily="18" charset="0"/>
+              </a:rPr>
+              <a:t>BIX</a:t>
             </a:r>
-            <a:endParaRPr lang="zh-CN" altLang="en-US" sz="1000" i="0" dirty="0"/>
-          </a:p>
-        </p:txBody>
-      </p:sp>
-      <p:sp>
-        <p:nvSpPr>
-          <p:cNvPr id="48" name="文本框 47">
+            <a:endParaRPr lang="zh-CN" altLang="en-US" sz="1600" i="0" dirty="0">
+              <a:latin typeface="Cambria Math" panose="02040503050406030204" pitchFamily="18" charset="0"/>
+            </a:endParaRPr>
+          </a:p>
+        </p:txBody>
+      </p:sp>
+      <p:sp>
+        <p:nvSpPr>
+          <p:cNvPr id="46" name="文本框 45">
             <a:extLst>
               <a:ext uri="{FF2B5EF4-FFF2-40B4-BE49-F238E27FC236}">
-                <a16:creationId xmlns:a16="http://schemas.microsoft.com/office/drawing/2014/main" id="{71B52AD0-185E-F073-C899-79CF16326F25}"/>
+                <a16:creationId xmlns:a16="http://schemas.microsoft.com/office/drawing/2014/main" id="{30AA377D-BB68-D336-EE02-BFC93233AB41}"/>
               </a:ext>
             </a:extLst>
           </p:cNvPr>
@@ -55172,8 +54894,8 @@
         </p:nvSpPr>
         <p:spPr>
           <a:xfrm>
-            <a:off x="2123804" y="2725708"/>
-            <a:ext cx="407165" cy="166712"/>
+            <a:off x="2123804" y="2259628"/>
+            <a:ext cx="446898" cy="259045"/>
           </a:xfrm>
           <a:prstGeom prst="rect">
             <a:avLst/>
@@ -55201,20 +54923,26 @@
             </a:lvl1pPr>
           </a:lstStyle>
           <a:p>
+            <a:pPr algn="r"/>
             <a:r>
-              <a:rPr lang="en-US" altLang="zh-CN" sz="1000" i="0" dirty="0"/>
-              <a:t>Ⅰ-Area</a:t>
+              <a:rPr lang="en-US" altLang="zh-CN" sz="1600" i="0" dirty="0">
+                <a:latin typeface="Cambria Math" panose="02040503050406030204" pitchFamily="18" charset="0"/>
+                <a:ea typeface="Cambria Math" panose="02040503050406030204" pitchFamily="18" charset="0"/>
+              </a:rPr>
+              <a:t>HIX</a:t>
             </a:r>
-            <a:endParaRPr lang="zh-CN" altLang="en-US" sz="1000" i="0" dirty="0"/>
-          </a:p>
-        </p:txBody>
-      </p:sp>
-      <p:sp>
-        <p:nvSpPr>
-          <p:cNvPr id="49" name="文本框 48">
+            <a:endParaRPr lang="zh-CN" altLang="en-US" sz="1600" i="0" dirty="0">
+              <a:latin typeface="Cambria Math" panose="02040503050406030204" pitchFamily="18" charset="0"/>
+            </a:endParaRPr>
+          </a:p>
+        </p:txBody>
+      </p:sp>
+      <p:sp>
+        <p:nvSpPr>
+          <p:cNvPr id="47" name="文本框 46">
             <a:extLst>
               <a:ext uri="{FF2B5EF4-FFF2-40B4-BE49-F238E27FC236}">
-                <a16:creationId xmlns:a16="http://schemas.microsoft.com/office/drawing/2014/main" id="{ED75D655-97AE-C2E9-8FC6-8A20C9E1136D}"/>
+                <a16:creationId xmlns:a16="http://schemas.microsoft.com/office/drawing/2014/main" id="{39932362-0ECE-62CF-AC85-15C90A26620C}"/>
               </a:ext>
             </a:extLst>
           </p:cNvPr>
@@ -55223,8 +54951,8 @@
         </p:nvSpPr>
         <p:spPr>
           <a:xfrm>
-            <a:off x="2101748" y="2965482"/>
-            <a:ext cx="407165" cy="166712"/>
+            <a:off x="2110664" y="2473397"/>
+            <a:ext cx="437098" cy="259045"/>
           </a:xfrm>
           <a:prstGeom prst="rect">
             <a:avLst/>
@@ -55252,20 +54980,26 @@
             </a:lvl1pPr>
           </a:lstStyle>
           <a:p>
+            <a:pPr algn="r"/>
             <a:r>
-              <a:rPr lang="en-US" altLang="zh-CN" sz="1000" i="0" dirty="0"/>
-              <a:t>Ⅱ-Area</a:t>
+              <a:rPr lang="el-GR" altLang="zh-CN" sz="1600" i="0" dirty="0">
+                <a:latin typeface="Cambria Math" panose="02040503050406030204" pitchFamily="18" charset="0"/>
+                <a:ea typeface="Cambria Math" panose="02040503050406030204" pitchFamily="18" charset="0"/>
+              </a:rPr>
+              <a:t>β:α</a:t>
             </a:r>
-            <a:endParaRPr lang="zh-CN" altLang="en-US" sz="1000" i="0" dirty="0"/>
-          </a:p>
-        </p:txBody>
-      </p:sp>
-      <p:sp>
-        <p:nvSpPr>
-          <p:cNvPr id="50" name="文本框 49">
+            <a:endParaRPr lang="zh-CN" altLang="en-US" sz="1600" i="0" dirty="0">
+              <a:latin typeface="Cambria Math" panose="02040503050406030204" pitchFamily="18" charset="0"/>
+            </a:endParaRPr>
+          </a:p>
+        </p:txBody>
+      </p:sp>
+      <p:sp>
+        <p:nvSpPr>
+          <p:cNvPr id="48" name="文本框 47">
             <a:extLst>
               <a:ext uri="{FF2B5EF4-FFF2-40B4-BE49-F238E27FC236}">
-                <a16:creationId xmlns:a16="http://schemas.microsoft.com/office/drawing/2014/main" id="{F3276714-940C-368A-9E7A-EB3942B078CE}"/>
+                <a16:creationId xmlns:a16="http://schemas.microsoft.com/office/drawing/2014/main" id="{10AA40B5-E0FF-EB4C-FEF5-22734BC47FB2}"/>
               </a:ext>
             </a:extLst>
           </p:cNvPr>
@@ -55274,8 +55008,8 @@
         </p:nvSpPr>
         <p:spPr>
           <a:xfrm>
-            <a:off x="2068474" y="3223199"/>
-            <a:ext cx="473708" cy="166712"/>
+            <a:off x="1835150" y="2700115"/>
+            <a:ext cx="727615" cy="259045"/>
           </a:xfrm>
           <a:prstGeom prst="rect">
             <a:avLst/>
@@ -55303,20 +55037,26 @@
             </a:lvl1pPr>
           </a:lstStyle>
           <a:p>
+            <a:pPr algn="r"/>
             <a:r>
-              <a:rPr lang="en-US" altLang="zh-CN" sz="1000" i="0" dirty="0"/>
-              <a:t>Ⅲ-Area</a:t>
+              <a:rPr lang="en-US" altLang="zh-CN" sz="1600" i="0" dirty="0">
+                <a:latin typeface="Cambria Math" panose="02040503050406030204" pitchFamily="18" charset="0"/>
+                <a:ea typeface="Cambria Math" panose="02040503050406030204" pitchFamily="18" charset="0"/>
+              </a:rPr>
+              <a:t>Ⅰ-Area</a:t>
             </a:r>
-            <a:endParaRPr lang="zh-CN" altLang="en-US" sz="1000" i="0" dirty="0"/>
-          </a:p>
-        </p:txBody>
-      </p:sp>
-      <p:sp>
-        <p:nvSpPr>
-          <p:cNvPr id="51" name="文本框 50">
+            <a:endParaRPr lang="zh-CN" altLang="en-US" sz="1600" i="0" dirty="0">
+              <a:latin typeface="Cambria Math" panose="02040503050406030204" pitchFamily="18" charset="0"/>
+            </a:endParaRPr>
+          </a:p>
+        </p:txBody>
+      </p:sp>
+      <p:sp>
+        <p:nvSpPr>
+          <p:cNvPr id="49" name="文本框 48">
             <a:extLst>
               <a:ext uri="{FF2B5EF4-FFF2-40B4-BE49-F238E27FC236}">
-                <a16:creationId xmlns:a16="http://schemas.microsoft.com/office/drawing/2014/main" id="{57624E5B-0194-F516-D760-675EB70DC198}"/>
+                <a16:creationId xmlns:a16="http://schemas.microsoft.com/office/drawing/2014/main" id="{82671FCD-35FF-19C4-8930-64F9B2BA120F}"/>
               </a:ext>
             </a:extLst>
           </p:cNvPr>
@@ -55325,8 +55065,8 @@
         </p:nvSpPr>
         <p:spPr>
           <a:xfrm>
-            <a:off x="2058122" y="3460332"/>
-            <a:ext cx="473707" cy="166712"/>
+            <a:off x="2224450" y="3860941"/>
+            <a:ext cx="310420" cy="259045"/>
           </a:xfrm>
           <a:prstGeom prst="rect">
             <a:avLst/>
@@ -55354,20 +55094,26 @@
             </a:lvl1pPr>
           </a:lstStyle>
           <a:p>
+            <a:pPr algn="r"/>
             <a:r>
-              <a:rPr lang="en-US" altLang="zh-CN" sz="1000" i="0" dirty="0"/>
-              <a:t>Ⅳ-Area</a:t>
+              <a:rPr lang="en-US" altLang="zh-CN" sz="1600" i="0" dirty="0">
+                <a:latin typeface="Cambria Math" panose="02040503050406030204" pitchFamily="18" charset="0"/>
+                <a:ea typeface="Cambria Math" panose="02040503050406030204" pitchFamily="18" charset="0"/>
+              </a:rPr>
+              <a:t>pH</a:t>
             </a:r>
-            <a:endParaRPr lang="zh-CN" altLang="en-US" sz="1000" i="0" dirty="0"/>
-          </a:p>
-        </p:txBody>
-      </p:sp>
-      <p:sp>
-        <p:nvSpPr>
-          <p:cNvPr id="52" name="文本框 51">
+            <a:endParaRPr lang="zh-CN" altLang="en-US" sz="1600" i="0" dirty="0">
+              <a:latin typeface="Cambria Math" panose="02040503050406030204" pitchFamily="18" charset="0"/>
+            </a:endParaRPr>
+          </a:p>
+        </p:txBody>
+      </p:sp>
+      <p:sp>
+        <p:nvSpPr>
+          <p:cNvPr id="50" name="文本框 49">
             <a:extLst>
               <a:ext uri="{FF2B5EF4-FFF2-40B4-BE49-F238E27FC236}">
-                <a16:creationId xmlns:a16="http://schemas.microsoft.com/office/drawing/2014/main" id="{4B9A3001-31B7-0E3D-7D06-F75B7B7A2D50}"/>
+                <a16:creationId xmlns:a16="http://schemas.microsoft.com/office/drawing/2014/main" id="{AA5CFBDE-8BD4-3434-A49E-C0B425BB9CCA}"/>
               </a:ext>
             </a:extLst>
           </p:cNvPr>
@@ -55376,8 +55122,8 @@
         </p:nvSpPr>
         <p:spPr>
           <a:xfrm>
-            <a:off x="2101747" y="3681038"/>
-            <a:ext cx="407165" cy="166712"/>
+            <a:off x="2228354" y="4097508"/>
+            <a:ext cx="317913" cy="259045"/>
           </a:xfrm>
           <a:prstGeom prst="rect">
             <a:avLst/>
@@ -55405,20 +55151,26 @@
             </a:lvl1pPr>
           </a:lstStyle>
           <a:p>
+            <a:pPr algn="r"/>
             <a:r>
-              <a:rPr lang="en-US" altLang="zh-CN" sz="1000" i="0" dirty="0"/>
-              <a:t>Ⅴ-Area</a:t>
+              <a:rPr lang="en-US" altLang="zh-CN" sz="1600" i="0" dirty="0">
+                <a:latin typeface="Cambria Math" panose="02040503050406030204" pitchFamily="18" charset="0"/>
+                <a:ea typeface="Cambria Math" panose="02040503050406030204" pitchFamily="18" charset="0"/>
+              </a:rPr>
+              <a:t>DO</a:t>
             </a:r>
-            <a:endParaRPr lang="zh-CN" altLang="en-US" sz="1000" i="0" dirty="0"/>
-          </a:p>
-        </p:txBody>
-      </p:sp>
-      <p:sp>
-        <p:nvSpPr>
-          <p:cNvPr id="53" name="文本框 52">
+            <a:endParaRPr lang="zh-CN" altLang="en-US" sz="1600" i="0" dirty="0">
+              <a:latin typeface="Cambria Math" panose="02040503050406030204" pitchFamily="18" charset="0"/>
+            </a:endParaRPr>
+          </a:p>
+        </p:txBody>
+      </p:sp>
+      <p:sp>
+        <p:nvSpPr>
+          <p:cNvPr id="51" name="文本框 50">
             <a:extLst>
               <a:ext uri="{FF2B5EF4-FFF2-40B4-BE49-F238E27FC236}">
-                <a16:creationId xmlns:a16="http://schemas.microsoft.com/office/drawing/2014/main" id="{3912F9F1-3DCE-88A0-28A1-D342A2C587C4}"/>
+                <a16:creationId xmlns:a16="http://schemas.microsoft.com/office/drawing/2014/main" id="{28CA665F-841A-B960-6012-CCB5F5F87AD6}"/>
               </a:ext>
             </a:extLst>
           </p:cNvPr>
@@ -55427,8 +55179,8 @@
         </p:nvSpPr>
         <p:spPr>
           <a:xfrm>
-            <a:off x="2325912" y="3920812"/>
-            <a:ext cx="178686" cy="166712"/>
+            <a:off x="2248551" y="4330536"/>
+            <a:ext cx="291346" cy="259045"/>
           </a:xfrm>
           <a:prstGeom prst="rect">
             <a:avLst/>
@@ -55457,112 +55209,15 @@
           </a:lstStyle>
           <a:p>
             <a:r>
-              <a:rPr lang="en-US" altLang="zh-CN" sz="1000" i="0" dirty="0"/>
-              <a:t>pH</a:t>
-            </a:r>
-            <a:endParaRPr lang="zh-CN" altLang="en-US" sz="1000" i="0" dirty="0"/>
-          </a:p>
-        </p:txBody>
-      </p:sp>
-      <p:sp>
-        <p:nvSpPr>
-          <p:cNvPr id="54" name="文本框 53">
-            <a:extLst>
-              <a:ext uri="{FF2B5EF4-FFF2-40B4-BE49-F238E27FC236}">
-                <a16:creationId xmlns:a16="http://schemas.microsoft.com/office/drawing/2014/main" id="{517FBE24-5677-F0D9-531A-EF847E305D7B}"/>
-              </a:ext>
-            </a:extLst>
-          </p:cNvPr>
-          <p:cNvSpPr txBox="1"/>
-          <p:nvPr/>
-        </p:nvSpPr>
-        <p:spPr>
-          <a:xfrm>
-            <a:off x="2306699" y="4147125"/>
-            <a:ext cx="219456" cy="166712"/>
-          </a:xfrm>
-          <a:prstGeom prst="rect">
-            <a:avLst/>
-          </a:prstGeom>
-        </p:spPr>
-        <p:txBody>
-          <a:bodyPr vert="horz" wrap="square" lIns="0" tIns="12700" rIns="0" bIns="0" rtlCol="0">
-            <a:spAutoFit/>
-          </a:bodyPr>
-          <a:lstStyle>
-            <a:defPPr>
-              <a:defRPr lang="zh-CN"/>
-            </a:defPPr>
-            <a:lvl1pPr marL="12700">
-              <a:lnSpc>
-                <a:spcPct val="100000"/>
-              </a:lnSpc>
-              <a:spcBef>
-                <a:spcPts val="100"/>
-              </a:spcBef>
-              <a:defRPr sz="1100" i="1">
-                <a:latin typeface="Times New Roman" panose="02020603050405020304" pitchFamily="18" charset="0"/>
-                <a:cs typeface="Times New Roman" panose="02020603050405020304" pitchFamily="18" charset="0"/>
-              </a:defRPr>
-            </a:lvl1pPr>
-          </a:lstStyle>
-          <a:p>
-            <a:r>
-              <a:rPr lang="en-US" altLang="zh-CN" sz="1000" i="0" dirty="0"/>
-              <a:t>DO</a:t>
-            </a:r>
-            <a:endParaRPr lang="zh-CN" altLang="en-US" sz="1000" i="0" dirty="0"/>
-          </a:p>
-        </p:txBody>
-      </p:sp>
-      <p:sp>
-        <p:nvSpPr>
-          <p:cNvPr id="55" name="文本框 54">
-            <a:extLst>
-              <a:ext uri="{FF2B5EF4-FFF2-40B4-BE49-F238E27FC236}">
-                <a16:creationId xmlns:a16="http://schemas.microsoft.com/office/drawing/2014/main" id="{30D925E4-6322-93F7-B1D5-9918B3166DC1}"/>
-              </a:ext>
-            </a:extLst>
-          </p:cNvPr>
-          <p:cNvSpPr txBox="1"/>
-          <p:nvPr/>
-        </p:nvSpPr>
-        <p:spPr>
-          <a:xfrm>
-            <a:off x="2306861" y="4381291"/>
-            <a:ext cx="219456" cy="166712"/>
-          </a:xfrm>
-          <a:prstGeom prst="rect">
-            <a:avLst/>
-          </a:prstGeom>
-        </p:spPr>
-        <p:txBody>
-          <a:bodyPr vert="horz" wrap="square" lIns="0" tIns="12700" rIns="0" bIns="0" rtlCol="0">
-            <a:spAutoFit/>
-          </a:bodyPr>
-          <a:lstStyle>
-            <a:defPPr>
-              <a:defRPr lang="zh-CN"/>
-            </a:defPPr>
-            <a:lvl1pPr marL="12700">
-              <a:lnSpc>
-                <a:spcPct val="100000"/>
-              </a:lnSpc>
-              <a:spcBef>
-                <a:spcPts val="100"/>
-              </a:spcBef>
-              <a:defRPr sz="1100" i="1">
-                <a:latin typeface="Times New Roman" panose="02020603050405020304" pitchFamily="18" charset="0"/>
-                <a:cs typeface="Times New Roman" panose="02020603050405020304" pitchFamily="18" charset="0"/>
-              </a:defRPr>
-            </a:lvl1pPr>
-          </a:lstStyle>
-          <a:p>
-            <a:r>
-              <a:rPr lang="en-US" altLang="zh-CN" sz="1000" i="0" dirty="0"/>
+              <a:rPr lang="en-US" altLang="zh-CN" sz="1600" i="0" dirty="0">
+                <a:latin typeface="Cambria Math" panose="02040503050406030204" pitchFamily="18" charset="0"/>
+                <a:ea typeface="Cambria Math" panose="02040503050406030204" pitchFamily="18" charset="0"/>
+              </a:rPr>
               <a:t>TN</a:t>
             </a:r>
-            <a:endParaRPr lang="zh-CN" altLang="en-US" sz="1000" i="0" dirty="0"/>
+            <a:endParaRPr lang="zh-CN" altLang="en-US" sz="1600" i="0" dirty="0">
+              <a:latin typeface="Cambria Math" panose="02040503050406030204" pitchFamily="18" charset="0"/>
+            </a:endParaRPr>
           </a:p>
         </p:txBody>
       </p:sp>
@@ -55570,10 +55225,10 @@
         <mc:Choice xmlns:a14="http://schemas.microsoft.com/office/drawing/2010/main" Requires="a14">
           <p:sp>
             <p:nvSpPr>
-              <p:cNvPr id="56" name="文本框 55">
+              <p:cNvPr id="52" name="文本框 51">
                 <a:extLst>
                   <a:ext uri="{FF2B5EF4-FFF2-40B4-BE49-F238E27FC236}">
-                    <a16:creationId xmlns:a16="http://schemas.microsoft.com/office/drawing/2014/main" id="{E87250E7-C7DC-75BF-62BB-ED3137637D3B}"/>
+                    <a16:creationId xmlns:a16="http://schemas.microsoft.com/office/drawing/2014/main" id="{7EB88D15-7CDD-DEB5-C189-D64F3A65176F}"/>
                   </a:ext>
                 </a:extLst>
               </p:cNvPr>
@@ -55582,8 +55237,8 @@
             </p:nvSpPr>
             <p:spPr>
               <a:xfrm>
-                <a:off x="2252347" y="4587737"/>
-                <a:ext cx="247318" cy="166712"/>
+                <a:off x="2172845" y="4551441"/>
+                <a:ext cx="247318" cy="259045"/>
               </a:xfrm>
               <a:prstGeom prst="rect">
                 <a:avLst/>
@@ -55621,31 +55276,38 @@
                       <m:sSubSup>
                         <m:sSubSupPr>
                           <m:ctrlPr>
-                            <a:rPr lang="en-US" altLang="zh-CN" sz="1000" i="1">
+                            <a:rPr lang="en-US" altLang="zh-CN" sz="1600" i="1">
                               <a:latin typeface="Cambria Math" panose="02040503050406030204" pitchFamily="18" charset="0"/>
+                              <a:ea typeface="Cambria Math" panose="02040503050406030204" pitchFamily="18" charset="0"/>
                             </a:rPr>
                           </m:ctrlPr>
                         </m:sSubSupPr>
                         <m:e>
                           <m:r>
-                            <a:rPr lang="en-US" altLang="zh-CN" sz="1000">
+                            <m:rPr>
+                              <m:sty m:val="p"/>
+                            </m:rPr>
+                            <a:rPr lang="en-US" altLang="zh-CN" sz="1600" i="0" smtClean="0">
                               <a:latin typeface="Cambria Math" panose="02040503050406030204" pitchFamily="18" charset="0"/>
+                              <a:ea typeface="Cambria Math" panose="02040503050406030204" pitchFamily="18" charset="0"/>
                             </a:rPr>
-                            <m:t>𝑁𝑂</m:t>
+                            <m:t>NO</m:t>
                           </m:r>
                         </m:e>
                         <m:sub>
                           <m:r>
-                            <a:rPr lang="en-US" altLang="zh-CN" sz="1000">
+                            <a:rPr lang="en-US" altLang="zh-CN" sz="1600" i="0" smtClean="0">
                               <a:latin typeface="Cambria Math" panose="02040503050406030204" pitchFamily="18" charset="0"/>
+                              <a:ea typeface="Cambria Math" panose="02040503050406030204" pitchFamily="18" charset="0"/>
                             </a:rPr>
                             <m:t>2</m:t>
                           </m:r>
                         </m:sub>
                         <m:sup>
                           <m:r>
-                            <a:rPr lang="en-US" altLang="zh-CN" sz="1000">
+                            <a:rPr lang="en-US" altLang="zh-CN" sz="1600" i="0" smtClean="0">
                               <a:latin typeface="Cambria Math" panose="02040503050406030204" pitchFamily="18" charset="0"/>
+                              <a:ea typeface="Cambria Math" panose="02040503050406030204" pitchFamily="18" charset="0"/>
                             </a:rPr>
                             <m:t>−</m:t>
                           </m:r>
@@ -55654,7 +55316,9 @@
                     </m:oMath>
                   </m:oMathPara>
                 </a14:m>
-                <a:endParaRPr lang="zh-CN" altLang="en-US" sz="1000" dirty="0"/>
+                <a:endParaRPr lang="zh-CN" altLang="en-US" sz="1600" i="0" dirty="0">
+                  <a:latin typeface="Cambria Math" panose="02040503050406030204" pitchFamily="18" charset="0"/>
+                </a:endParaRPr>
               </a:p>
             </p:txBody>
           </p:sp>
@@ -55662,10 +55326,10 @@
         <mc:Fallback>
           <p:sp>
             <p:nvSpPr>
-              <p:cNvPr id="56" name="文本框 55">
+              <p:cNvPr id="52" name="文本框 51">
                 <a:extLst>
                   <a:ext uri="{FF2B5EF4-FFF2-40B4-BE49-F238E27FC236}">
-                    <a16:creationId xmlns:a16="http://schemas.microsoft.com/office/drawing/2014/main" id="{E87250E7-C7DC-75BF-62BB-ED3137637D3B}"/>
+                    <a16:creationId xmlns:a16="http://schemas.microsoft.com/office/drawing/2014/main" id="{7EB88D15-7CDD-DEB5-C189-D64F3A65176F}"/>
                   </a:ext>
                 </a:extLst>
               </p:cNvPr>
@@ -55676,16 +55340,16 @@
             </p:nvSpPr>
             <p:spPr>
               <a:xfrm>
-                <a:off x="2252347" y="4587737"/>
-                <a:ext cx="247318" cy="166712"/>
+                <a:off x="2172845" y="4551441"/>
+                <a:ext cx="247318" cy="259045"/>
               </a:xfrm>
               <a:prstGeom prst="rect">
                 <a:avLst/>
               </a:prstGeom>
               <a:blipFill>
-                <a:blip r:embed="rId4"/>
+                <a:blip r:embed="rId2"/>
                 <a:stretch>
-                  <a:fillRect l="-12195" r="-12195" b="-18519"/>
+                  <a:fillRect l="-21951" r="-68293" b="-19048"/>
                 </a:stretch>
               </a:blipFill>
             </p:spPr>
@@ -55708,10 +55372,10 @@
         <mc:Choice xmlns:a14="http://schemas.microsoft.com/office/drawing/2010/main" Requires="a14">
           <p:sp>
             <p:nvSpPr>
-              <p:cNvPr id="57" name="文本框 56">
+              <p:cNvPr id="53" name="文本框 52">
                 <a:extLst>
                   <a:ext uri="{FF2B5EF4-FFF2-40B4-BE49-F238E27FC236}">
-                    <a16:creationId xmlns:a16="http://schemas.microsoft.com/office/drawing/2014/main" id="{626E0346-47AB-1827-D0EB-30FDE761D31C}"/>
+                    <a16:creationId xmlns:a16="http://schemas.microsoft.com/office/drawing/2014/main" id="{5B05D041-8D2D-6450-E83A-75DEE4803CBC}"/>
                   </a:ext>
                 </a:extLst>
               </p:cNvPr>
@@ -55720,8 +55384,8 @@
             </p:nvSpPr>
             <p:spPr>
               <a:xfrm>
-                <a:off x="2234971" y="4833581"/>
-                <a:ext cx="247318" cy="166712"/>
+                <a:off x="2150698" y="4801396"/>
+                <a:ext cx="247318" cy="259045"/>
               </a:xfrm>
               <a:prstGeom prst="rect">
                 <a:avLst/>
@@ -55759,31 +55423,38 @@
                       <m:sSubSup>
                         <m:sSubSupPr>
                           <m:ctrlPr>
-                            <a:rPr lang="en-US" altLang="zh-CN" sz="1000" i="1">
+                            <a:rPr lang="en-US" altLang="zh-CN" sz="1600" i="1">
                               <a:latin typeface="Cambria Math" panose="02040503050406030204" pitchFamily="18" charset="0"/>
+                              <a:ea typeface="Cambria Math" panose="02040503050406030204" pitchFamily="18" charset="0"/>
                             </a:rPr>
                           </m:ctrlPr>
                         </m:sSubSupPr>
                         <m:e>
                           <m:r>
-                            <a:rPr lang="en-US" altLang="zh-CN" sz="1000">
+                            <m:rPr>
+                              <m:sty m:val="p"/>
+                            </m:rPr>
+                            <a:rPr lang="en-US" altLang="zh-CN" sz="1600" i="0" smtClean="0">
                               <a:latin typeface="Cambria Math" panose="02040503050406030204" pitchFamily="18" charset="0"/>
+                              <a:ea typeface="Cambria Math" panose="02040503050406030204" pitchFamily="18" charset="0"/>
                             </a:rPr>
-                            <m:t>𝑁𝑂</m:t>
+                            <m:t>NO</m:t>
                           </m:r>
                         </m:e>
                         <m:sub>
                           <m:r>
-                            <a:rPr lang="en-US" altLang="zh-CN" sz="1000">
+                            <a:rPr lang="en-US" altLang="zh-CN" sz="1600" i="0" smtClean="0">
                               <a:latin typeface="Cambria Math" panose="02040503050406030204" pitchFamily="18" charset="0"/>
+                              <a:ea typeface="Cambria Math" panose="02040503050406030204" pitchFamily="18" charset="0"/>
                             </a:rPr>
                             <m:t>3</m:t>
                           </m:r>
                         </m:sub>
                         <m:sup>
                           <m:r>
-                            <a:rPr lang="en-US" altLang="zh-CN" sz="1000">
+                            <a:rPr lang="en-US" altLang="zh-CN" sz="1600" i="0" smtClean="0">
                               <a:latin typeface="Cambria Math" panose="02040503050406030204" pitchFamily="18" charset="0"/>
+                              <a:ea typeface="Cambria Math" panose="02040503050406030204" pitchFamily="18" charset="0"/>
                             </a:rPr>
                             <m:t>−</m:t>
                           </m:r>
@@ -55792,7 +55463,9 @@
                     </m:oMath>
                   </m:oMathPara>
                 </a14:m>
-                <a:endParaRPr lang="zh-CN" altLang="en-US" sz="1000" dirty="0"/>
+                <a:endParaRPr lang="zh-CN" altLang="en-US" sz="1600" i="0" dirty="0">
+                  <a:latin typeface="Cambria Math" panose="02040503050406030204" pitchFamily="18" charset="0"/>
+                </a:endParaRPr>
               </a:p>
             </p:txBody>
           </p:sp>
@@ -55800,10 +55473,10 @@
         <mc:Fallback>
           <p:sp>
             <p:nvSpPr>
-              <p:cNvPr id="57" name="文本框 56">
+              <p:cNvPr id="53" name="文本框 52">
                 <a:extLst>
                   <a:ext uri="{FF2B5EF4-FFF2-40B4-BE49-F238E27FC236}">
-                    <a16:creationId xmlns:a16="http://schemas.microsoft.com/office/drawing/2014/main" id="{626E0346-47AB-1827-D0EB-30FDE761D31C}"/>
+                    <a16:creationId xmlns:a16="http://schemas.microsoft.com/office/drawing/2014/main" id="{5B05D041-8D2D-6450-E83A-75DEE4803CBC}"/>
                   </a:ext>
                 </a:extLst>
               </p:cNvPr>
@@ -55814,16 +55487,16 @@
             </p:nvSpPr>
             <p:spPr>
               <a:xfrm>
-                <a:off x="2234971" y="4833581"/>
-                <a:ext cx="247318" cy="166712"/>
+                <a:off x="2150698" y="4801396"/>
+                <a:ext cx="247318" cy="259045"/>
               </a:xfrm>
               <a:prstGeom prst="rect">
                 <a:avLst/>
               </a:prstGeom>
               <a:blipFill>
-                <a:blip r:embed="rId5"/>
+                <a:blip r:embed="rId3"/>
                 <a:stretch>
-                  <a:fillRect l="-15000" r="-15000" b="-18519"/>
+                  <a:fillRect l="-25000" r="-70000" b="-19048"/>
                 </a:stretch>
               </a:blipFill>
             </p:spPr>
@@ -55846,10 +55519,10 @@
         <mc:Choice xmlns:a14="http://schemas.microsoft.com/office/drawing/2010/main" Requires="a14">
           <p:sp>
             <p:nvSpPr>
-              <p:cNvPr id="58" name="文本框 57">
+              <p:cNvPr id="54" name="文本框 53">
                 <a:extLst>
                   <a:ext uri="{FF2B5EF4-FFF2-40B4-BE49-F238E27FC236}">
-                    <a16:creationId xmlns:a16="http://schemas.microsoft.com/office/drawing/2014/main" id="{EB3E657D-9107-474E-2342-30761C36A61A}"/>
+                    <a16:creationId xmlns:a16="http://schemas.microsoft.com/office/drawing/2014/main" id="{F9F6F56B-A510-E7D8-1CC8-5AEF020494F0}"/>
                   </a:ext>
                 </a:extLst>
               </p:cNvPr>
@@ -55858,8 +55531,8 @@
             </p:nvSpPr>
             <p:spPr>
               <a:xfrm>
-                <a:off x="2228736" y="5072591"/>
-                <a:ext cx="245086" cy="166712"/>
+                <a:off x="2136982" y="5051823"/>
+                <a:ext cx="245086" cy="259045"/>
               </a:xfrm>
               <a:prstGeom prst="rect">
                 <a:avLst/>
@@ -55897,31 +55570,38 @@
                       <m:sSubSup>
                         <m:sSubSupPr>
                           <m:ctrlPr>
-                            <a:rPr lang="en-US" altLang="zh-CN" sz="1000" i="1">
+                            <a:rPr lang="en-US" altLang="zh-CN" sz="1600" i="1">
                               <a:latin typeface="Cambria Math" panose="02040503050406030204" pitchFamily="18" charset="0"/>
+                              <a:ea typeface="Cambria Math" panose="02040503050406030204" pitchFamily="18" charset="0"/>
                             </a:rPr>
                           </m:ctrlPr>
                         </m:sSubSupPr>
                         <m:e>
                           <m:r>
-                            <a:rPr lang="en-US" altLang="zh-CN" sz="1000">
+                            <m:rPr>
+                              <m:sty m:val="p"/>
+                            </m:rPr>
+                            <a:rPr lang="en-US" altLang="zh-CN" sz="1600" i="0" smtClean="0">
                               <a:latin typeface="Cambria Math" panose="02040503050406030204" pitchFamily="18" charset="0"/>
+                              <a:ea typeface="Cambria Math" panose="02040503050406030204" pitchFamily="18" charset="0"/>
                             </a:rPr>
-                            <m:t>𝑁𝐻</m:t>
+                            <m:t>NH</m:t>
                           </m:r>
                         </m:e>
                         <m:sub>
                           <m:r>
-                            <a:rPr lang="en-US" altLang="zh-CN" sz="1000">
+                            <a:rPr lang="en-US" altLang="zh-CN" sz="1600" i="0" smtClean="0">
                               <a:latin typeface="Cambria Math" panose="02040503050406030204" pitchFamily="18" charset="0"/>
+                              <a:ea typeface="Cambria Math" panose="02040503050406030204" pitchFamily="18" charset="0"/>
                             </a:rPr>
                             <m:t>4</m:t>
                           </m:r>
                         </m:sub>
                         <m:sup>
                           <m:r>
-                            <a:rPr lang="en-US" altLang="zh-CN" sz="1000">
+                            <a:rPr lang="en-US" altLang="zh-CN" sz="1600" i="0" smtClean="0">
                               <a:latin typeface="Cambria Math" panose="02040503050406030204" pitchFamily="18" charset="0"/>
+                              <a:ea typeface="Cambria Math" panose="02040503050406030204" pitchFamily="18" charset="0"/>
                             </a:rPr>
                             <m:t>+</m:t>
                           </m:r>
@@ -55930,7 +55610,9 @@
                     </m:oMath>
                   </m:oMathPara>
                 </a14:m>
-                <a:endParaRPr lang="zh-CN" altLang="en-US" sz="1000" dirty="0"/>
+                <a:endParaRPr lang="zh-CN" altLang="en-US" sz="1600" i="0" dirty="0">
+                  <a:latin typeface="Cambria Math" panose="02040503050406030204" pitchFamily="18" charset="0"/>
+                </a:endParaRPr>
               </a:p>
             </p:txBody>
           </p:sp>
@@ -55938,10 +55620,10 @@
         <mc:Fallback>
           <p:sp>
             <p:nvSpPr>
-              <p:cNvPr id="58" name="文本框 57">
+              <p:cNvPr id="54" name="文本框 53">
                 <a:extLst>
                   <a:ext uri="{FF2B5EF4-FFF2-40B4-BE49-F238E27FC236}">
-                    <a16:creationId xmlns:a16="http://schemas.microsoft.com/office/drawing/2014/main" id="{EB3E657D-9107-474E-2342-30761C36A61A}"/>
+                    <a16:creationId xmlns:a16="http://schemas.microsoft.com/office/drawing/2014/main" id="{F9F6F56B-A510-E7D8-1CC8-5AEF020494F0}"/>
                   </a:ext>
                 </a:extLst>
               </p:cNvPr>
@@ -55952,16 +55634,16 @@
             </p:nvSpPr>
             <p:spPr>
               <a:xfrm>
-                <a:off x="2228736" y="5072591"/>
-                <a:ext cx="245086" cy="166712"/>
+                <a:off x="2136982" y="5051823"/>
+                <a:ext cx="245086" cy="259045"/>
               </a:xfrm>
               <a:prstGeom prst="rect">
                 <a:avLst/>
               </a:prstGeom>
               <a:blipFill>
-                <a:blip r:embed="rId6"/>
+                <a:blip r:embed="rId4"/>
                 <a:stretch>
-                  <a:fillRect l="-15000" r="-22500" b="-18519"/>
+                  <a:fillRect l="-25000" r="-82500" b="-19048"/>
                 </a:stretch>
               </a:blipFill>
             </p:spPr>
@@ -55982,10 +55664,10 @@
       </mc:AlternateContent>
       <p:sp>
         <p:nvSpPr>
-          <p:cNvPr id="59" name="文本框 58">
+          <p:cNvPr id="55" name="文本框 54">
             <a:extLst>
               <a:ext uri="{FF2B5EF4-FFF2-40B4-BE49-F238E27FC236}">
-                <a16:creationId xmlns:a16="http://schemas.microsoft.com/office/drawing/2014/main" id="{DE20DADC-36B2-D870-A6FD-4FEF610B2B87}"/>
+                <a16:creationId xmlns:a16="http://schemas.microsoft.com/office/drawing/2014/main" id="{847C7E9E-5F2E-4249-6F06-34C44657BD52}"/>
               </a:ext>
             </a:extLst>
           </p:cNvPr>
@@ -55994,8 +55676,8 @@
         </p:nvSpPr>
         <p:spPr>
           <a:xfrm>
-            <a:off x="2213939" y="5302250"/>
-            <a:ext cx="310420" cy="166712"/>
+            <a:off x="2073854" y="5293160"/>
+            <a:ext cx="472413" cy="259045"/>
           </a:xfrm>
           <a:prstGeom prst="rect">
             <a:avLst/>
@@ -56023,20 +55705,26 @@
             </a:lvl1pPr>
           </a:lstStyle>
           <a:p>
+            <a:pPr algn="r"/>
             <a:r>
-              <a:rPr lang="en-US" altLang="zh-CN" sz="1000" i="0" dirty="0"/>
+              <a:rPr lang="en-US" altLang="zh-CN" sz="1600" i="0" dirty="0">
+                <a:latin typeface="Cambria Math" panose="02040503050406030204" pitchFamily="18" charset="0"/>
+                <a:ea typeface="Cambria Math" panose="02040503050406030204" pitchFamily="18" charset="0"/>
+              </a:rPr>
               <a:t>COD</a:t>
             </a:r>
-            <a:endParaRPr lang="zh-CN" altLang="en-US" sz="1000" i="0" dirty="0"/>
+            <a:endParaRPr lang="zh-CN" altLang="en-US" sz="1600" i="0" dirty="0">
+              <a:latin typeface="Cambria Math" panose="02040503050406030204" pitchFamily="18" charset="0"/>
+            </a:endParaRPr>
           </a:p>
         </p:txBody>
       </p:sp>
       <p:cxnSp>
         <p:nvCxnSpPr>
-          <p:cNvPr id="60" name="直接连接符 59">
+          <p:cNvPr id="56" name="直接连接符 55">
             <a:extLst>
               <a:ext uri="{FF2B5EF4-FFF2-40B4-BE49-F238E27FC236}">
-                <a16:creationId xmlns:a16="http://schemas.microsoft.com/office/drawing/2014/main" id="{68488902-FD1B-193D-8A9F-265BF470AE7F}"/>
+                <a16:creationId xmlns:a16="http://schemas.microsoft.com/office/drawing/2014/main" id="{1CFE806B-AFAF-ACD3-7278-9CE05242A97F}"/>
               </a:ext>
             </a:extLst>
           </p:cNvPr>
@@ -56071,10 +55759,10 @@
       </p:cxnSp>
       <p:sp>
         <p:nvSpPr>
-          <p:cNvPr id="61" name="文本框 60">
+          <p:cNvPr id="57" name="文本框 56">
             <a:extLst>
               <a:ext uri="{FF2B5EF4-FFF2-40B4-BE49-F238E27FC236}">
-                <a16:creationId xmlns:a16="http://schemas.microsoft.com/office/drawing/2014/main" id="{6214B4B3-76FF-8365-73D2-7BE4D8EBBD67}"/>
+                <a16:creationId xmlns:a16="http://schemas.microsoft.com/office/drawing/2014/main" id="{804A07CD-869B-0810-4EBB-7F3735A2B07C}"/>
               </a:ext>
             </a:extLst>
           </p:cNvPr>
@@ -56083,8 +55771,8 @@
         </p:nvSpPr>
         <p:spPr>
           <a:xfrm>
-            <a:off x="692150" y="4574066"/>
-            <a:ext cx="603805" cy="333425"/>
+            <a:off x="430548" y="4518421"/>
+            <a:ext cx="865407" cy="518091"/>
           </a:xfrm>
           <a:prstGeom prst="rect">
             <a:avLst/>
@@ -56114,26 +55802,34 @@
           <a:p>
             <a:pPr algn="ctr"/>
             <a:r>
-              <a:rPr lang="en-US" altLang="zh-CN" sz="1000" i="0" dirty="0"/>
+              <a:rPr lang="en-US" altLang="zh-CN" sz="1600" i="0" dirty="0">
+                <a:latin typeface="Cambria Math" panose="02040503050406030204" pitchFamily="18" charset="0"/>
+                <a:ea typeface="Cambria Math" panose="02040503050406030204" pitchFamily="18" charset="0"/>
+              </a:rPr>
               <a:t>Overlying </a:t>
             </a:r>
           </a:p>
           <a:p>
             <a:pPr algn="ctr"/>
             <a:r>
-              <a:rPr lang="en-US" altLang="zh-CN" sz="1000" i="0" dirty="0"/>
+              <a:rPr lang="en-US" altLang="zh-CN" sz="1600" i="0" dirty="0">
+                <a:latin typeface="Cambria Math" panose="02040503050406030204" pitchFamily="18" charset="0"/>
+                <a:ea typeface="Cambria Math" panose="02040503050406030204" pitchFamily="18" charset="0"/>
+              </a:rPr>
               <a:t>water</a:t>
             </a:r>
-            <a:endParaRPr lang="zh-CN" altLang="en-US" sz="1000" i="0" dirty="0"/>
-          </a:p>
-        </p:txBody>
-      </p:sp>
-      <p:sp>
-        <p:nvSpPr>
-          <p:cNvPr id="62" name="文本框 61">
+            <a:endParaRPr lang="zh-CN" altLang="en-US" sz="1600" i="0" dirty="0">
+              <a:latin typeface="Cambria Math" panose="02040503050406030204" pitchFamily="18" charset="0"/>
+            </a:endParaRPr>
+          </a:p>
+        </p:txBody>
+      </p:sp>
+      <p:sp>
+        <p:nvSpPr>
+          <p:cNvPr id="58" name="文本框 57">
             <a:extLst>
               <a:ext uri="{FF2B5EF4-FFF2-40B4-BE49-F238E27FC236}">
-                <a16:creationId xmlns:a16="http://schemas.microsoft.com/office/drawing/2014/main" id="{08C96F29-8E97-37A9-ECEC-96D9354612FC}"/>
+                <a16:creationId xmlns:a16="http://schemas.microsoft.com/office/drawing/2014/main" id="{DE7BEADC-7001-EE89-EBD1-7947AB91D9FA}"/>
               </a:ext>
             </a:extLst>
           </p:cNvPr>
@@ -56142,8 +55838,8 @@
         </p:nvSpPr>
         <p:spPr>
           <a:xfrm>
-            <a:off x="2403233" y="5552541"/>
-            <a:ext cx="64193" cy="166712"/>
+            <a:off x="2404084" y="5506516"/>
+            <a:ext cx="64193" cy="259045"/>
           </a:xfrm>
           <a:prstGeom prst="rect">
             <a:avLst/>
@@ -56172,245 +55868,62 @@
           </a:lstStyle>
           <a:p>
             <a:r>
-              <a:rPr lang="en-US" altLang="zh-CN" sz="1000" i="0" dirty="0"/>
+              <a:rPr lang="en-US" altLang="zh-CN" sz="1600" i="0" dirty="0">
+                <a:latin typeface="Cambria Math" panose="02040503050406030204" pitchFamily="18" charset="0"/>
+                <a:ea typeface="Cambria Math" panose="02040503050406030204" pitchFamily="18" charset="0"/>
+              </a:rPr>
               <a:t>T</a:t>
             </a:r>
-            <a:endParaRPr lang="zh-CN" altLang="en-US" sz="1000" i="0" dirty="0"/>
-          </a:p>
-        </p:txBody>
-      </p:sp>
-      <mc:AlternateContent xmlns:mc="http://schemas.openxmlformats.org/markup-compatibility/2006">
-        <mc:Choice xmlns:a14="http://schemas.microsoft.com/office/drawing/2010/main" Requires="a14">
-          <p:sp>
-            <p:nvSpPr>
-              <p:cNvPr id="63" name="文本框 62">
-                <a:extLst>
-                  <a:ext uri="{FF2B5EF4-FFF2-40B4-BE49-F238E27FC236}">
-                    <a16:creationId xmlns:a16="http://schemas.microsoft.com/office/drawing/2014/main" id="{C53F2F50-A451-1AD5-F2EA-A4C3441CA548}"/>
-                  </a:ext>
-                </a:extLst>
-              </p:cNvPr>
-              <p:cNvSpPr txBox="1"/>
-              <p:nvPr/>
-            </p:nvSpPr>
-            <p:spPr>
-              <a:xfrm rot="16200000">
-                <a:off x="2623643" y="5863820"/>
-                <a:ext cx="237501" cy="166712"/>
-              </a:xfrm>
-              <a:prstGeom prst="rect">
-                <a:avLst/>
-              </a:prstGeom>
-            </p:spPr>
-            <p:txBody>
-              <a:bodyPr vert="horz" wrap="square" lIns="0" tIns="12700" rIns="0" bIns="0" rtlCol="0">
-                <a:spAutoFit/>
-              </a:bodyPr>
-              <a:lstStyle>
-                <a:defPPr>
-                  <a:defRPr lang="zh-CN"/>
-                </a:defPPr>
-                <a:lvl1pPr marL="12700">
-                  <a:lnSpc>
-                    <a:spcPct val="100000"/>
-                  </a:lnSpc>
-                  <a:spcBef>
-                    <a:spcPts val="100"/>
-                  </a:spcBef>
-                  <a:defRPr sz="1100" i="1">
-                    <a:latin typeface="Times New Roman" panose="02020603050405020304" pitchFamily="18" charset="0"/>
-                    <a:cs typeface="Times New Roman" panose="02020603050405020304" pitchFamily="18" charset="0"/>
-                  </a:defRPr>
-                </a:lvl1pPr>
-              </a:lstStyle>
-              <a:p>
-                <a:pPr/>
-                <a14:m>
-                  <m:oMathPara xmlns:m="http://schemas.openxmlformats.org/officeDocument/2006/math">
-                    <m:oMathParaPr>
-                      <m:jc m:val="centerGroup"/>
-                    </m:oMathParaPr>
-                    <m:oMath xmlns:m="http://schemas.openxmlformats.org/officeDocument/2006/math">
-                      <m:r>
-                        <m:rPr>
-                          <m:sty m:val="p"/>
-                        </m:rPr>
-                        <a:rPr lang="en-US" altLang="zh-CN" sz="1000" i="0">
-                          <a:latin typeface="Cambria Math" panose="02040503050406030204" pitchFamily="18" charset="0"/>
-                        </a:rPr>
-                        <m:t>TN</m:t>
-                      </m:r>
-                    </m:oMath>
-                  </m:oMathPara>
-                </a14:m>
-                <a:endParaRPr lang="zh-CN" altLang="en-US" sz="1000" i="0" dirty="0"/>
-              </a:p>
-            </p:txBody>
-          </p:sp>
-        </mc:Choice>
-        <mc:Fallback>
-          <p:sp>
-            <p:nvSpPr>
-              <p:cNvPr id="63" name="文本框 62">
-                <a:extLst>
-                  <a:ext uri="{FF2B5EF4-FFF2-40B4-BE49-F238E27FC236}">
-                    <a16:creationId xmlns:a16="http://schemas.microsoft.com/office/drawing/2014/main" id="{C53F2F50-A451-1AD5-F2EA-A4C3441CA548}"/>
-                  </a:ext>
-                </a:extLst>
-              </p:cNvPr>
-              <p:cNvSpPr txBox="1">
-                <a:spLocks noRot="1" noChangeAspect="1" noMove="1" noResize="1" noEditPoints="1" noAdjustHandles="1" noChangeArrowheads="1" noChangeShapeType="1" noTextEdit="1"/>
-              </p:cNvSpPr>
-              <p:nvPr/>
-            </p:nvSpPr>
-            <p:spPr>
-              <a:xfrm rot="16200000">
-                <a:off x="2623643" y="5863820"/>
-                <a:ext cx="237501" cy="166712"/>
-              </a:xfrm>
-              <a:prstGeom prst="rect">
-                <a:avLst/>
-              </a:prstGeom>
-              <a:blipFill>
-                <a:blip r:embed="rId7"/>
-                <a:stretch>
-                  <a:fillRect r="-7143" b="-7692"/>
-                </a:stretch>
-              </a:blipFill>
-            </p:spPr>
-            <p:txBody>
-              <a:bodyPr/>
-              <a:lstStyle/>
-              <a:p>
-                <a:r>
-                  <a:rPr lang="zh-CN" altLang="en-US">
-                    <a:noFill/>
-                  </a:rPr>
-                  <a:t> </a:t>
-                </a:r>
-              </a:p>
-            </p:txBody>
-          </p:sp>
-        </mc:Fallback>
-      </mc:AlternateContent>
-      <mc:AlternateContent xmlns:mc="http://schemas.openxmlformats.org/markup-compatibility/2006">
-        <mc:Choice xmlns:a14="http://schemas.microsoft.com/office/drawing/2010/main" Requires="a14">
-          <p:sp>
-            <p:nvSpPr>
-              <p:cNvPr id="64" name="文本框 63">
-                <a:extLst>
-                  <a:ext uri="{FF2B5EF4-FFF2-40B4-BE49-F238E27FC236}">
-                    <a16:creationId xmlns:a16="http://schemas.microsoft.com/office/drawing/2014/main" id="{19216C7F-552F-B555-176E-1208657153CA}"/>
-                  </a:ext>
-                </a:extLst>
-              </p:cNvPr>
-              <p:cNvSpPr txBox="1"/>
-              <p:nvPr/>
-            </p:nvSpPr>
-            <p:spPr>
-              <a:xfrm rot="16200000">
-                <a:off x="2835047" y="5816353"/>
-                <a:ext cx="271893" cy="166712"/>
-              </a:xfrm>
-              <a:prstGeom prst="rect">
-                <a:avLst/>
-              </a:prstGeom>
-            </p:spPr>
-            <p:txBody>
-              <a:bodyPr vert="horz" wrap="square" lIns="0" tIns="12700" rIns="0" bIns="0" rtlCol="0">
-                <a:spAutoFit/>
-              </a:bodyPr>
-              <a:lstStyle>
-                <a:defPPr>
-                  <a:defRPr lang="zh-CN"/>
-                </a:defPPr>
-                <a:lvl1pPr marL="12700">
-                  <a:lnSpc>
-                    <a:spcPct val="100000"/>
-                  </a:lnSpc>
-                  <a:spcBef>
-                    <a:spcPts val="100"/>
-                  </a:spcBef>
-                  <a:defRPr sz="1100" i="1">
-                    <a:latin typeface="Times New Roman" panose="02020603050405020304" pitchFamily="18" charset="0"/>
-                    <a:cs typeface="Times New Roman" panose="02020603050405020304" pitchFamily="18" charset="0"/>
-                  </a:defRPr>
-                </a:lvl1pPr>
-              </a:lstStyle>
-              <a:p>
-                <a14:m>
-                  <m:oMath xmlns:m="http://schemas.openxmlformats.org/officeDocument/2006/math">
-                    <m:r>
-                      <m:rPr>
-                        <m:sty m:val="p"/>
-                      </m:rPr>
-                      <a:rPr lang="en-US" altLang="zh-CN" sz="1000" i="0">
-                        <a:latin typeface="Cambria Math" panose="02040503050406030204" pitchFamily="18" charset="0"/>
-                      </a:rPr>
-                      <m:t>T</m:t>
-                    </m:r>
-                  </m:oMath>
-                </a14:m>
-                <a:r>
-                  <a:rPr lang="en-US" altLang="zh-CN" sz="1000" i="0" dirty="0"/>
-                  <a:t>P</a:t>
-                </a:r>
-                <a:endParaRPr lang="zh-CN" altLang="en-US" sz="1000" i="0" dirty="0"/>
-              </a:p>
-            </p:txBody>
-          </p:sp>
-        </mc:Choice>
-        <mc:Fallback>
-          <p:sp>
-            <p:nvSpPr>
-              <p:cNvPr id="64" name="文本框 63">
-                <a:extLst>
-                  <a:ext uri="{FF2B5EF4-FFF2-40B4-BE49-F238E27FC236}">
-                    <a16:creationId xmlns:a16="http://schemas.microsoft.com/office/drawing/2014/main" id="{19216C7F-552F-B555-176E-1208657153CA}"/>
-                  </a:ext>
-                </a:extLst>
-              </p:cNvPr>
-              <p:cNvSpPr txBox="1">
-                <a:spLocks noRot="1" noChangeAspect="1" noMove="1" noResize="1" noEditPoints="1" noAdjustHandles="1" noChangeArrowheads="1" noChangeShapeType="1" noTextEdit="1"/>
-              </p:cNvSpPr>
-              <p:nvPr/>
-            </p:nvSpPr>
-            <p:spPr>
-              <a:xfrm rot="16200000">
-                <a:off x="2835047" y="5816353"/>
-                <a:ext cx="271893" cy="166712"/>
-              </a:xfrm>
-              <a:prstGeom prst="rect">
-                <a:avLst/>
-              </a:prstGeom>
-              <a:blipFill>
-                <a:blip r:embed="rId8"/>
-                <a:stretch>
-                  <a:fillRect l="-18519" r="-48148" b="-13333"/>
-                </a:stretch>
-              </a:blipFill>
-            </p:spPr>
-            <p:txBody>
-              <a:bodyPr/>
-              <a:lstStyle/>
-              <a:p>
-                <a:r>
-                  <a:rPr lang="zh-CN" altLang="en-US">
-                    <a:noFill/>
-                  </a:rPr>
-                  <a:t> </a:t>
-                </a:r>
-              </a:p>
-            </p:txBody>
-          </p:sp>
-        </mc:Fallback>
-      </mc:AlternateContent>
-      <p:sp>
-        <p:nvSpPr>
-          <p:cNvPr id="65" name="文本框 64">
+            <a:endParaRPr lang="zh-CN" altLang="en-US" sz="1600" i="0" dirty="0">
+              <a:latin typeface="Cambria Math" panose="02040503050406030204" pitchFamily="18" charset="0"/>
+            </a:endParaRPr>
+          </a:p>
+        </p:txBody>
+      </p:sp>
+      <p:cxnSp>
+        <p:nvCxnSpPr>
+          <p:cNvPr id="59" name="直接连接符 58">
             <a:extLst>
               <a:ext uri="{FF2B5EF4-FFF2-40B4-BE49-F238E27FC236}">
-                <a16:creationId xmlns:a16="http://schemas.microsoft.com/office/drawing/2014/main" id="{71838B64-3F5B-DBC2-CB7F-CE7474AD8954}"/>
+                <a16:creationId xmlns:a16="http://schemas.microsoft.com/office/drawing/2014/main" id="{A1A2A2D0-D3FB-136A-99C3-3EC5E1E6E907}"/>
+              </a:ext>
+            </a:extLst>
+          </p:cNvPr>
+          <p:cNvCxnSpPr>
+            <a:cxnSpLocks/>
+          </p:cNvCxnSpPr>
+          <p:nvPr/>
+        </p:nvCxnSpPr>
+        <p:spPr>
+          <a:xfrm>
+            <a:off x="2749551" y="7040055"/>
+            <a:ext cx="3193242" cy="0"/>
+          </a:xfrm>
+          <a:prstGeom prst="line">
+            <a:avLst/>
+          </a:prstGeom>
+        </p:spPr>
+        <p:style>
+          <a:lnRef idx="1">
+            <a:schemeClr val="dk1"/>
+          </a:lnRef>
+          <a:fillRef idx="0">
+            <a:schemeClr val="dk1"/>
+          </a:fillRef>
+          <a:effectRef idx="0">
+            <a:schemeClr val="dk1"/>
+          </a:effectRef>
+          <a:fontRef idx="minor">
+            <a:schemeClr val="tx1"/>
+          </a:fontRef>
+        </p:style>
+      </p:cxnSp>
+      <p:sp>
+        <p:nvSpPr>
+          <p:cNvPr id="60" name="文本框 59">
+            <a:extLst>
+              <a:ext uri="{FF2B5EF4-FFF2-40B4-BE49-F238E27FC236}">
+                <a16:creationId xmlns:a16="http://schemas.microsoft.com/office/drawing/2014/main" id="{F1C78D76-42FD-4A67-181E-B9171EBF685B}"/>
               </a:ext>
             </a:extLst>
           </p:cNvPr>
@@ -56418,9 +55931,9 @@
           <p:nvPr/>
         </p:nvSpPr>
         <p:spPr>
-          <a:xfrm rot="16200000">
-            <a:off x="2757271" y="5884368"/>
-            <a:ext cx="884645" cy="166712"/>
+          <a:xfrm>
+            <a:off x="3968751" y="7054852"/>
+            <a:ext cx="838199" cy="259045"/>
           </a:xfrm>
           <a:prstGeom prst="rect">
             <a:avLst/>
@@ -56449,19 +55962,62 @@
           </a:lstStyle>
           <a:p>
             <a:r>
-              <a:rPr lang="en-US" altLang="zh-CN" sz="1000" i="0" dirty="0"/>
-              <a:t>Size-d(0.1)</a:t>
+              <a:rPr lang="en-US" altLang="zh-CN" sz="1600" i="0" dirty="0">
+                <a:latin typeface="Cambria Math" panose="02040503050406030204" pitchFamily="18" charset="0"/>
+                <a:ea typeface="Cambria Math" panose="02040503050406030204" pitchFamily="18" charset="0"/>
+              </a:rPr>
+              <a:t>Sediment</a:t>
             </a:r>
-            <a:endParaRPr lang="zh-CN" altLang="en-US" sz="1000" i="0" dirty="0"/>
-          </a:p>
-        </p:txBody>
-      </p:sp>
-      <p:sp>
-        <p:nvSpPr>
-          <p:cNvPr id="66" name="文本框 65">
+            <a:endParaRPr lang="zh-CN" altLang="en-US" sz="1600" i="0" dirty="0">
+              <a:latin typeface="Cambria Math" panose="02040503050406030204" pitchFamily="18" charset="0"/>
+            </a:endParaRPr>
+          </a:p>
+        </p:txBody>
+      </p:sp>
+      <p:cxnSp>
+        <p:nvCxnSpPr>
+          <p:cNvPr id="61" name="直接连接符 60">
             <a:extLst>
               <a:ext uri="{FF2B5EF4-FFF2-40B4-BE49-F238E27FC236}">
-                <a16:creationId xmlns:a16="http://schemas.microsoft.com/office/drawing/2014/main" id="{BBC57CE6-10C8-9866-1B5E-D63F15189DDC}"/>
+                <a16:creationId xmlns:a16="http://schemas.microsoft.com/office/drawing/2014/main" id="{D1241132-EF8E-A2AC-1F15-C55D2C9014F9}"/>
+              </a:ext>
+            </a:extLst>
+          </p:cNvPr>
+          <p:cNvCxnSpPr>
+            <a:cxnSpLocks/>
+          </p:cNvCxnSpPr>
+          <p:nvPr/>
+        </p:nvCxnSpPr>
+        <p:spPr>
+          <a:xfrm rot="16200000">
+            <a:off x="7025366" y="6210471"/>
+            <a:ext cx="0" cy="1659168"/>
+          </a:xfrm>
+          <a:prstGeom prst="line">
+            <a:avLst/>
+          </a:prstGeom>
+        </p:spPr>
+        <p:style>
+          <a:lnRef idx="1">
+            <a:schemeClr val="dk1"/>
+          </a:lnRef>
+          <a:fillRef idx="0">
+            <a:schemeClr val="dk1"/>
+          </a:fillRef>
+          <a:effectRef idx="0">
+            <a:schemeClr val="dk1"/>
+          </a:effectRef>
+          <a:fontRef idx="minor">
+            <a:schemeClr val="tx1"/>
+          </a:fontRef>
+        </p:style>
+      </p:cxnSp>
+      <p:sp>
+        <p:nvSpPr>
+          <p:cNvPr id="62" name="文本框 61">
+            <a:extLst>
+              <a:ext uri="{FF2B5EF4-FFF2-40B4-BE49-F238E27FC236}">
+                <a16:creationId xmlns:a16="http://schemas.microsoft.com/office/drawing/2014/main" id="{1F42CF53-B50C-1088-3C22-9ED49208A03F}"/>
               </a:ext>
             </a:extLst>
           </p:cNvPr>
@@ -56469,9 +56025,9 @@
           <p:nvPr/>
         </p:nvSpPr>
         <p:spPr>
-          <a:xfrm rot="16200000">
-            <a:off x="2985871" y="5884368"/>
-            <a:ext cx="884645" cy="166712"/>
+          <a:xfrm>
+            <a:off x="6264162" y="7059908"/>
+            <a:ext cx="1474540" cy="259045"/>
           </a:xfrm>
           <a:prstGeom prst="rect">
             <a:avLst/>
@@ -56499,20 +56055,26 @@
             </a:lvl1pPr>
           </a:lstStyle>
           <a:p>
+            <a:pPr algn="ctr"/>
             <a:r>
-              <a:rPr lang="en-US" altLang="zh-CN" sz="1000" i="0" dirty="0"/>
-              <a:t>Size-d(0.5)</a:t>
+              <a:rPr lang="en-US" altLang="zh-CN" sz="1600" i="0" dirty="0">
+                <a:latin typeface="Cambria Math" panose="02040503050406030204" pitchFamily="18" charset="0"/>
+                <a:ea typeface="Cambria Math" panose="02040503050406030204" pitchFamily="18" charset="0"/>
+              </a:rPr>
+              <a:t>Overlying water</a:t>
             </a:r>
-            <a:endParaRPr lang="zh-CN" altLang="en-US" sz="1000" i="0" dirty="0"/>
-          </a:p>
-        </p:txBody>
-      </p:sp>
-      <p:sp>
-        <p:nvSpPr>
-          <p:cNvPr id="67" name="文本框 66">
+            <a:endParaRPr lang="zh-CN" altLang="en-US" sz="1600" i="0" dirty="0">
+              <a:latin typeface="Cambria Math" panose="02040503050406030204" pitchFamily="18" charset="0"/>
+            </a:endParaRPr>
+          </a:p>
+        </p:txBody>
+      </p:sp>
+      <p:sp>
+        <p:nvSpPr>
+          <p:cNvPr id="63" name="object 10">
             <a:extLst>
               <a:ext uri="{FF2B5EF4-FFF2-40B4-BE49-F238E27FC236}">
-                <a16:creationId xmlns:a16="http://schemas.microsoft.com/office/drawing/2014/main" id="{DB17CA52-5318-079D-29CE-34A07D28A232}"/>
+                <a16:creationId xmlns:a16="http://schemas.microsoft.com/office/drawing/2014/main" id="{E532ABE1-1404-ECBB-18AC-2849928355D4}"/>
               </a:ext>
             </a:extLst>
           </p:cNvPr>
@@ -56520,1418 +56082,9 @@
           <p:nvPr/>
         </p:nvSpPr>
         <p:spPr>
-          <a:xfrm rot="16200000">
-            <a:off x="3214471" y="5884368"/>
-            <a:ext cx="884645" cy="166712"/>
-          </a:xfrm>
-          <a:prstGeom prst="rect">
-            <a:avLst/>
-          </a:prstGeom>
-        </p:spPr>
-        <p:txBody>
-          <a:bodyPr vert="horz" wrap="square" lIns="0" tIns="12700" rIns="0" bIns="0" rtlCol="0">
-            <a:spAutoFit/>
-          </a:bodyPr>
-          <a:lstStyle>
-            <a:defPPr>
-              <a:defRPr lang="zh-CN"/>
-            </a:defPPr>
-            <a:lvl1pPr marL="12700">
-              <a:lnSpc>
-                <a:spcPct val="100000"/>
-              </a:lnSpc>
-              <a:spcBef>
-                <a:spcPts val="100"/>
-              </a:spcBef>
-              <a:defRPr sz="1100" i="1">
-                <a:latin typeface="Times New Roman" panose="02020603050405020304" pitchFamily="18" charset="0"/>
-                <a:cs typeface="Times New Roman" panose="02020603050405020304" pitchFamily="18" charset="0"/>
-              </a:defRPr>
-            </a:lvl1pPr>
-          </a:lstStyle>
-          <a:p>
-            <a:r>
-              <a:rPr lang="en-US" altLang="zh-CN" sz="1000" i="0" dirty="0"/>
-              <a:t>Size-d(0.9)</a:t>
-            </a:r>
-            <a:endParaRPr lang="zh-CN" altLang="en-US" sz="1000" i="0" dirty="0"/>
-          </a:p>
-        </p:txBody>
-      </p:sp>
-      <p:sp>
-        <p:nvSpPr>
-          <p:cNvPr id="68" name="文本框 67">
-            <a:extLst>
-              <a:ext uri="{FF2B5EF4-FFF2-40B4-BE49-F238E27FC236}">
-                <a16:creationId xmlns:a16="http://schemas.microsoft.com/office/drawing/2014/main" id="{48F5EE25-2B73-8C4C-8EC1-E65E8F729E04}"/>
-              </a:ext>
-            </a:extLst>
-          </p:cNvPr>
-          <p:cNvSpPr txBox="1"/>
-          <p:nvPr/>
-        </p:nvSpPr>
-        <p:spPr>
-          <a:xfrm rot="16200000">
-            <a:off x="3360171" y="6293871"/>
-            <a:ext cx="1050446" cy="166712"/>
-          </a:xfrm>
-          <a:prstGeom prst="rect">
-            <a:avLst/>
-          </a:prstGeom>
-        </p:spPr>
-        <p:txBody>
-          <a:bodyPr vert="horz" wrap="square" lIns="0" tIns="12700" rIns="0" bIns="0" rtlCol="0">
-            <a:spAutoFit/>
-          </a:bodyPr>
-          <a:lstStyle>
-            <a:defPPr>
-              <a:defRPr lang="zh-CN"/>
-            </a:defPPr>
-            <a:lvl1pPr marL="12700">
-              <a:lnSpc>
-                <a:spcPct val="100000"/>
-              </a:lnSpc>
-              <a:spcBef>
-                <a:spcPts val="100"/>
-              </a:spcBef>
-              <a:defRPr sz="1100" i="1">
-                <a:latin typeface="Times New Roman" panose="02020603050405020304" pitchFamily="18" charset="0"/>
-                <a:cs typeface="Times New Roman" panose="02020603050405020304" pitchFamily="18" charset="0"/>
-              </a:defRPr>
-            </a:lvl1pPr>
-          </a:lstStyle>
-          <a:p>
-            <a:r>
-              <a:rPr lang="en-US" altLang="zh-CN" sz="1000" i="0" dirty="0"/>
-              <a:t>Size-d[(0.9-0.1)/0.5]</a:t>
-            </a:r>
-            <a:endParaRPr lang="zh-CN" altLang="en-US" sz="1000" i="0" dirty="0"/>
-          </a:p>
-        </p:txBody>
-      </p:sp>
-      <p:sp>
-        <p:nvSpPr>
-          <p:cNvPr id="69" name="文本框 68">
-            <a:extLst>
-              <a:ext uri="{FF2B5EF4-FFF2-40B4-BE49-F238E27FC236}">
-                <a16:creationId xmlns:a16="http://schemas.microsoft.com/office/drawing/2014/main" id="{CECE7E67-0F38-4556-EC1F-295C05CDE9EB}"/>
-              </a:ext>
-            </a:extLst>
-          </p:cNvPr>
-          <p:cNvSpPr txBox="1"/>
-          <p:nvPr/>
-        </p:nvSpPr>
-        <p:spPr>
-          <a:xfrm rot="16200000">
-            <a:off x="4024651" y="5819664"/>
-            <a:ext cx="178686" cy="166712"/>
-          </a:xfrm>
-          <a:prstGeom prst="rect">
-            <a:avLst/>
-          </a:prstGeom>
-        </p:spPr>
-        <p:txBody>
-          <a:bodyPr vert="horz" wrap="square" lIns="0" tIns="12700" rIns="0" bIns="0" rtlCol="0">
-            <a:spAutoFit/>
-          </a:bodyPr>
-          <a:lstStyle>
-            <a:defPPr>
-              <a:defRPr lang="zh-CN"/>
-            </a:defPPr>
-            <a:lvl1pPr marL="12700">
-              <a:lnSpc>
-                <a:spcPct val="100000"/>
-              </a:lnSpc>
-              <a:spcBef>
-                <a:spcPts val="100"/>
-              </a:spcBef>
-              <a:defRPr sz="1100" i="1">
-                <a:latin typeface="Times New Roman" panose="02020603050405020304" pitchFamily="18" charset="0"/>
-                <a:cs typeface="Times New Roman" panose="02020603050405020304" pitchFamily="18" charset="0"/>
-              </a:defRPr>
-            </a:lvl1pPr>
-          </a:lstStyle>
-          <a:p>
-            <a:r>
-              <a:rPr lang="en-US" altLang="zh-CN" sz="1000" i="0" dirty="0"/>
-              <a:t>FI</a:t>
-            </a:r>
-            <a:endParaRPr lang="zh-CN" altLang="en-US" sz="1000" i="0" dirty="0"/>
-          </a:p>
-        </p:txBody>
-      </p:sp>
-      <p:sp>
-        <p:nvSpPr>
-          <p:cNvPr id="70" name="文本框 69">
-            <a:extLst>
-              <a:ext uri="{FF2B5EF4-FFF2-40B4-BE49-F238E27FC236}">
-                <a16:creationId xmlns:a16="http://schemas.microsoft.com/office/drawing/2014/main" id="{6D641411-2DDD-11EC-1A1C-69292A43B88D}"/>
-              </a:ext>
-            </a:extLst>
-          </p:cNvPr>
-          <p:cNvSpPr txBox="1"/>
-          <p:nvPr/>
-        </p:nvSpPr>
-        <p:spPr>
-          <a:xfrm rot="16200000">
-            <a:off x="4209213" y="5879420"/>
-            <a:ext cx="266761" cy="166712"/>
-          </a:xfrm>
-          <a:prstGeom prst="rect">
-            <a:avLst/>
-          </a:prstGeom>
-        </p:spPr>
-        <p:txBody>
-          <a:bodyPr vert="horz" wrap="square" lIns="0" tIns="12700" rIns="0" bIns="0" rtlCol="0">
-            <a:spAutoFit/>
-          </a:bodyPr>
-          <a:lstStyle>
-            <a:defPPr>
-              <a:defRPr lang="zh-CN"/>
-            </a:defPPr>
-            <a:lvl1pPr marL="12700">
-              <a:lnSpc>
-                <a:spcPct val="100000"/>
-              </a:lnSpc>
-              <a:spcBef>
-                <a:spcPts val="100"/>
-              </a:spcBef>
-              <a:defRPr sz="1100" i="1">
-                <a:latin typeface="Times New Roman" panose="02020603050405020304" pitchFamily="18" charset="0"/>
-                <a:cs typeface="Times New Roman" panose="02020603050405020304" pitchFamily="18" charset="0"/>
-              </a:defRPr>
-            </a:lvl1pPr>
-          </a:lstStyle>
-          <a:p>
-            <a:r>
-              <a:rPr lang="en-US" altLang="zh-CN" sz="1000" i="0" dirty="0"/>
-              <a:t>BIX</a:t>
-            </a:r>
-            <a:endParaRPr lang="zh-CN" altLang="en-US" sz="1000" i="0" dirty="0"/>
-          </a:p>
-        </p:txBody>
-      </p:sp>
-      <p:sp>
-        <p:nvSpPr>
-          <p:cNvPr id="71" name="文本框 70">
-            <a:extLst>
-              <a:ext uri="{FF2B5EF4-FFF2-40B4-BE49-F238E27FC236}">
-                <a16:creationId xmlns:a16="http://schemas.microsoft.com/office/drawing/2014/main" id="{5C74D6E4-415A-158F-89F6-B6600E4E84FD}"/>
-              </a:ext>
-            </a:extLst>
-          </p:cNvPr>
-          <p:cNvSpPr txBox="1"/>
-          <p:nvPr/>
-        </p:nvSpPr>
-        <p:spPr>
-          <a:xfrm rot="16200000">
-            <a:off x="4437813" y="5879420"/>
-            <a:ext cx="266761" cy="166712"/>
-          </a:xfrm>
-          <a:prstGeom prst="rect">
-            <a:avLst/>
-          </a:prstGeom>
-        </p:spPr>
-        <p:txBody>
-          <a:bodyPr vert="horz" wrap="square" lIns="0" tIns="12700" rIns="0" bIns="0" rtlCol="0">
-            <a:spAutoFit/>
-          </a:bodyPr>
-          <a:lstStyle>
-            <a:defPPr>
-              <a:defRPr lang="zh-CN"/>
-            </a:defPPr>
-            <a:lvl1pPr marL="12700">
-              <a:lnSpc>
-                <a:spcPct val="100000"/>
-              </a:lnSpc>
-              <a:spcBef>
-                <a:spcPts val="100"/>
-              </a:spcBef>
-              <a:defRPr sz="1100" i="1">
-                <a:latin typeface="Times New Roman" panose="02020603050405020304" pitchFamily="18" charset="0"/>
-                <a:cs typeface="Times New Roman" panose="02020603050405020304" pitchFamily="18" charset="0"/>
-              </a:defRPr>
-            </a:lvl1pPr>
-          </a:lstStyle>
-          <a:p>
-            <a:r>
-              <a:rPr lang="en-US" altLang="zh-CN" sz="1000" i="0" dirty="0"/>
-              <a:t>HIX</a:t>
-            </a:r>
-            <a:endParaRPr lang="zh-CN" altLang="en-US" sz="1000" i="0" dirty="0"/>
-          </a:p>
-        </p:txBody>
-      </p:sp>
-      <p:sp>
-        <p:nvSpPr>
-          <p:cNvPr id="72" name="文本框 71">
-            <a:extLst>
-              <a:ext uri="{FF2B5EF4-FFF2-40B4-BE49-F238E27FC236}">
-                <a16:creationId xmlns:a16="http://schemas.microsoft.com/office/drawing/2014/main" id="{32D5DCF4-2610-E6B3-E409-4A9B56904E61}"/>
-              </a:ext>
-            </a:extLst>
-          </p:cNvPr>
-          <p:cNvSpPr txBox="1"/>
-          <p:nvPr/>
-        </p:nvSpPr>
-        <p:spPr>
-          <a:xfrm rot="16200000">
-            <a:off x="4676135" y="5858911"/>
-            <a:ext cx="247317" cy="166712"/>
-          </a:xfrm>
-          <a:prstGeom prst="rect">
-            <a:avLst/>
-          </a:prstGeom>
-        </p:spPr>
-        <p:txBody>
-          <a:bodyPr vert="horz" wrap="square" lIns="0" tIns="12700" rIns="0" bIns="0" rtlCol="0">
-            <a:spAutoFit/>
-          </a:bodyPr>
-          <a:lstStyle>
-            <a:defPPr>
-              <a:defRPr lang="zh-CN"/>
-            </a:defPPr>
-            <a:lvl1pPr marL="12700">
-              <a:lnSpc>
-                <a:spcPct val="100000"/>
-              </a:lnSpc>
-              <a:spcBef>
-                <a:spcPts val="100"/>
-              </a:spcBef>
-              <a:defRPr sz="1100" i="1">
-                <a:latin typeface="Times New Roman" panose="02020603050405020304" pitchFamily="18" charset="0"/>
-                <a:cs typeface="Times New Roman" panose="02020603050405020304" pitchFamily="18" charset="0"/>
-              </a:defRPr>
-            </a:lvl1pPr>
-          </a:lstStyle>
-          <a:p>
-            <a:r>
-              <a:rPr lang="el-GR" altLang="zh-CN" sz="1000" i="0" dirty="0"/>
-              <a:t>β:α</a:t>
-            </a:r>
-            <a:endParaRPr lang="zh-CN" altLang="en-US" sz="1000" i="0" dirty="0"/>
-          </a:p>
-        </p:txBody>
-      </p:sp>
-      <p:sp>
-        <p:nvSpPr>
-          <p:cNvPr id="73" name="文本框 72">
-            <a:extLst>
-              <a:ext uri="{FF2B5EF4-FFF2-40B4-BE49-F238E27FC236}">
-                <a16:creationId xmlns:a16="http://schemas.microsoft.com/office/drawing/2014/main" id="{668A5979-83EE-C75A-40BB-A9FB40F29D74}"/>
-              </a:ext>
-            </a:extLst>
-          </p:cNvPr>
-          <p:cNvSpPr txBox="1"/>
-          <p:nvPr/>
-        </p:nvSpPr>
-        <p:spPr>
-          <a:xfrm rot="16200000">
-            <a:off x="4824811" y="5934024"/>
-            <a:ext cx="407165" cy="166712"/>
-          </a:xfrm>
-          <a:prstGeom prst="rect">
-            <a:avLst/>
-          </a:prstGeom>
-        </p:spPr>
-        <p:txBody>
-          <a:bodyPr vert="horz" wrap="square" lIns="0" tIns="12700" rIns="0" bIns="0" rtlCol="0">
-            <a:spAutoFit/>
-          </a:bodyPr>
-          <a:lstStyle>
-            <a:defPPr>
-              <a:defRPr lang="zh-CN"/>
-            </a:defPPr>
-            <a:lvl1pPr marL="12700">
-              <a:lnSpc>
-                <a:spcPct val="100000"/>
-              </a:lnSpc>
-              <a:spcBef>
-                <a:spcPts val="100"/>
-              </a:spcBef>
-              <a:defRPr sz="1100" i="1">
-                <a:latin typeface="Times New Roman" panose="02020603050405020304" pitchFamily="18" charset="0"/>
-                <a:cs typeface="Times New Roman" panose="02020603050405020304" pitchFamily="18" charset="0"/>
-              </a:defRPr>
-            </a:lvl1pPr>
-          </a:lstStyle>
-          <a:p>
-            <a:r>
-              <a:rPr lang="en-US" altLang="zh-CN" sz="1000" i="0" dirty="0"/>
-              <a:t>Ⅰ-Area</a:t>
-            </a:r>
-            <a:endParaRPr lang="zh-CN" altLang="en-US" sz="1000" i="0" dirty="0"/>
-          </a:p>
-        </p:txBody>
-      </p:sp>
-      <p:sp>
-        <p:nvSpPr>
-          <p:cNvPr id="74" name="文本框 73">
-            <a:extLst>
-              <a:ext uri="{FF2B5EF4-FFF2-40B4-BE49-F238E27FC236}">
-                <a16:creationId xmlns:a16="http://schemas.microsoft.com/office/drawing/2014/main" id="{89B76156-DB8D-C700-AE6D-3337E11A17A2}"/>
-              </a:ext>
-            </a:extLst>
-          </p:cNvPr>
-          <p:cNvSpPr txBox="1"/>
-          <p:nvPr/>
-        </p:nvSpPr>
-        <p:spPr>
-          <a:xfrm rot="16200000">
-            <a:off x="5053411" y="5956080"/>
-            <a:ext cx="407165" cy="166712"/>
-          </a:xfrm>
-          <a:prstGeom prst="rect">
-            <a:avLst/>
-          </a:prstGeom>
-        </p:spPr>
-        <p:txBody>
-          <a:bodyPr vert="horz" wrap="square" lIns="0" tIns="12700" rIns="0" bIns="0" rtlCol="0">
-            <a:spAutoFit/>
-          </a:bodyPr>
-          <a:lstStyle>
-            <a:defPPr>
-              <a:defRPr lang="zh-CN"/>
-            </a:defPPr>
-            <a:lvl1pPr marL="12700">
-              <a:lnSpc>
-                <a:spcPct val="100000"/>
-              </a:lnSpc>
-              <a:spcBef>
-                <a:spcPts val="100"/>
-              </a:spcBef>
-              <a:defRPr sz="1100" i="1">
-                <a:latin typeface="Times New Roman" panose="02020603050405020304" pitchFamily="18" charset="0"/>
-                <a:cs typeface="Times New Roman" panose="02020603050405020304" pitchFamily="18" charset="0"/>
-              </a:defRPr>
-            </a:lvl1pPr>
-          </a:lstStyle>
-          <a:p>
-            <a:r>
-              <a:rPr lang="en-US" altLang="zh-CN" sz="1000" i="0" dirty="0"/>
-              <a:t>Ⅱ-Area</a:t>
-            </a:r>
-            <a:endParaRPr lang="zh-CN" altLang="en-US" sz="1000" i="0" dirty="0"/>
-          </a:p>
-        </p:txBody>
-      </p:sp>
-      <p:sp>
-        <p:nvSpPr>
-          <p:cNvPr id="75" name="文本框 74">
-            <a:extLst>
-              <a:ext uri="{FF2B5EF4-FFF2-40B4-BE49-F238E27FC236}">
-                <a16:creationId xmlns:a16="http://schemas.microsoft.com/office/drawing/2014/main" id="{447D7E61-B84F-5D36-34D5-DEB7E19DC46E}"/>
-              </a:ext>
-            </a:extLst>
-          </p:cNvPr>
-          <p:cNvSpPr txBox="1"/>
-          <p:nvPr/>
-        </p:nvSpPr>
-        <p:spPr>
-          <a:xfrm rot="16200000">
-            <a:off x="5248740" y="5956081"/>
-            <a:ext cx="473707" cy="166712"/>
-          </a:xfrm>
-          <a:prstGeom prst="rect">
-            <a:avLst/>
-          </a:prstGeom>
-        </p:spPr>
-        <p:txBody>
-          <a:bodyPr vert="horz" wrap="square" lIns="0" tIns="12700" rIns="0" bIns="0" rtlCol="0">
-            <a:spAutoFit/>
-          </a:bodyPr>
-          <a:lstStyle>
-            <a:defPPr>
-              <a:defRPr lang="zh-CN"/>
-            </a:defPPr>
-            <a:lvl1pPr marL="12700">
-              <a:lnSpc>
-                <a:spcPct val="100000"/>
-              </a:lnSpc>
-              <a:spcBef>
-                <a:spcPts val="100"/>
-              </a:spcBef>
-              <a:defRPr sz="1100" i="1">
-                <a:latin typeface="Times New Roman" panose="02020603050405020304" pitchFamily="18" charset="0"/>
-                <a:cs typeface="Times New Roman" panose="02020603050405020304" pitchFamily="18" charset="0"/>
-              </a:defRPr>
-            </a:lvl1pPr>
-          </a:lstStyle>
-          <a:p>
-            <a:r>
-              <a:rPr lang="en-US" altLang="zh-CN" sz="1000" i="0" dirty="0"/>
-              <a:t>Ⅲ-Area</a:t>
-            </a:r>
-            <a:endParaRPr lang="zh-CN" altLang="en-US" sz="1000" i="0" dirty="0"/>
-          </a:p>
-        </p:txBody>
-      </p:sp>
-      <p:sp>
-        <p:nvSpPr>
-          <p:cNvPr id="76" name="文本框 75">
-            <a:extLst>
-              <a:ext uri="{FF2B5EF4-FFF2-40B4-BE49-F238E27FC236}">
-                <a16:creationId xmlns:a16="http://schemas.microsoft.com/office/drawing/2014/main" id="{37393AF9-8986-AD49-BF1C-184881F3541D}"/>
-              </a:ext>
-            </a:extLst>
-          </p:cNvPr>
-          <p:cNvSpPr txBox="1"/>
-          <p:nvPr/>
-        </p:nvSpPr>
-        <p:spPr>
-          <a:xfrm rot="16200000">
-            <a:off x="5491653" y="5966434"/>
-            <a:ext cx="473707" cy="166712"/>
-          </a:xfrm>
-          <a:prstGeom prst="rect">
-            <a:avLst/>
-          </a:prstGeom>
-        </p:spPr>
-        <p:txBody>
-          <a:bodyPr vert="horz" wrap="square" lIns="0" tIns="12700" rIns="0" bIns="0" rtlCol="0">
-            <a:spAutoFit/>
-          </a:bodyPr>
-          <a:lstStyle>
-            <a:defPPr>
-              <a:defRPr lang="zh-CN"/>
-            </a:defPPr>
-            <a:lvl1pPr marL="12700">
-              <a:lnSpc>
-                <a:spcPct val="100000"/>
-              </a:lnSpc>
-              <a:spcBef>
-                <a:spcPts val="100"/>
-              </a:spcBef>
-              <a:defRPr sz="1100" i="1">
-                <a:latin typeface="Times New Roman" panose="02020603050405020304" pitchFamily="18" charset="0"/>
-                <a:cs typeface="Times New Roman" panose="02020603050405020304" pitchFamily="18" charset="0"/>
-              </a:defRPr>
-            </a:lvl1pPr>
-          </a:lstStyle>
-          <a:p>
-            <a:r>
-              <a:rPr lang="en-US" altLang="zh-CN" sz="1000" i="0" dirty="0"/>
-              <a:t>Ⅳ-Area</a:t>
-            </a:r>
-            <a:endParaRPr lang="zh-CN" altLang="en-US" sz="1000" i="0" dirty="0"/>
-          </a:p>
-        </p:txBody>
-      </p:sp>
-      <p:sp>
-        <p:nvSpPr>
-          <p:cNvPr id="77" name="文本框 76">
-            <a:extLst>
-              <a:ext uri="{FF2B5EF4-FFF2-40B4-BE49-F238E27FC236}">
-                <a16:creationId xmlns:a16="http://schemas.microsoft.com/office/drawing/2014/main" id="{E3DCEC02-6F19-94AF-ED80-9B37303BE438}"/>
-              </a:ext>
-            </a:extLst>
-          </p:cNvPr>
-          <p:cNvSpPr txBox="1"/>
-          <p:nvPr/>
-        </p:nvSpPr>
-        <p:spPr>
-          <a:xfrm rot="16200000">
-            <a:off x="5739211" y="5956082"/>
-            <a:ext cx="407165" cy="166712"/>
-          </a:xfrm>
-          <a:prstGeom prst="rect">
-            <a:avLst/>
-          </a:prstGeom>
-        </p:spPr>
-        <p:txBody>
-          <a:bodyPr vert="horz" wrap="square" lIns="0" tIns="12700" rIns="0" bIns="0" rtlCol="0">
-            <a:spAutoFit/>
-          </a:bodyPr>
-          <a:lstStyle>
-            <a:defPPr>
-              <a:defRPr lang="zh-CN"/>
-            </a:defPPr>
-            <a:lvl1pPr marL="12700">
-              <a:lnSpc>
-                <a:spcPct val="100000"/>
-              </a:lnSpc>
-              <a:spcBef>
-                <a:spcPts val="100"/>
-              </a:spcBef>
-              <a:defRPr sz="1100" i="1">
-                <a:latin typeface="Times New Roman" panose="02020603050405020304" pitchFamily="18" charset="0"/>
-                <a:cs typeface="Times New Roman" panose="02020603050405020304" pitchFamily="18" charset="0"/>
-              </a:defRPr>
-            </a:lvl1pPr>
-          </a:lstStyle>
-          <a:p>
-            <a:r>
-              <a:rPr lang="en-US" altLang="zh-CN" sz="1000" i="0" dirty="0"/>
-              <a:t>Ⅴ-Area</a:t>
-            </a:r>
-            <a:endParaRPr lang="zh-CN" altLang="en-US" sz="1000" i="0" dirty="0"/>
-          </a:p>
-        </p:txBody>
-      </p:sp>
-      <p:sp>
-        <p:nvSpPr>
-          <p:cNvPr id="78" name="文本框 77">
-            <a:extLst>
-              <a:ext uri="{FF2B5EF4-FFF2-40B4-BE49-F238E27FC236}">
-                <a16:creationId xmlns:a16="http://schemas.microsoft.com/office/drawing/2014/main" id="{B22A14B8-1AC6-5285-7170-92E470CEAB43}"/>
-              </a:ext>
-            </a:extLst>
-          </p:cNvPr>
-          <p:cNvSpPr txBox="1"/>
-          <p:nvPr/>
-        </p:nvSpPr>
-        <p:spPr>
-          <a:xfrm rot="16200000">
-            <a:off x="6082051" y="5846153"/>
-            <a:ext cx="178686" cy="166712"/>
-          </a:xfrm>
-          <a:prstGeom prst="rect">
-            <a:avLst/>
-          </a:prstGeom>
-        </p:spPr>
-        <p:txBody>
-          <a:bodyPr vert="horz" wrap="square" lIns="0" tIns="12700" rIns="0" bIns="0" rtlCol="0">
-            <a:spAutoFit/>
-          </a:bodyPr>
-          <a:lstStyle>
-            <a:defPPr>
-              <a:defRPr lang="zh-CN"/>
-            </a:defPPr>
-            <a:lvl1pPr marL="12700">
-              <a:lnSpc>
-                <a:spcPct val="100000"/>
-              </a:lnSpc>
-              <a:spcBef>
-                <a:spcPts val="100"/>
-              </a:spcBef>
-              <a:defRPr sz="1100" i="1">
-                <a:latin typeface="Times New Roman" panose="02020603050405020304" pitchFamily="18" charset="0"/>
-                <a:cs typeface="Times New Roman" panose="02020603050405020304" pitchFamily="18" charset="0"/>
-              </a:defRPr>
-            </a:lvl1pPr>
-          </a:lstStyle>
-          <a:p>
-            <a:r>
-              <a:rPr lang="en-US" altLang="zh-CN" sz="1000" i="0" dirty="0"/>
-              <a:t>pH</a:t>
-            </a:r>
-            <a:endParaRPr lang="zh-CN" altLang="en-US" sz="1000" i="0" dirty="0"/>
-          </a:p>
-        </p:txBody>
-      </p:sp>
-      <p:sp>
-        <p:nvSpPr>
-          <p:cNvPr id="79" name="文本框 78">
-            <a:extLst>
-              <a:ext uri="{FF2B5EF4-FFF2-40B4-BE49-F238E27FC236}">
-                <a16:creationId xmlns:a16="http://schemas.microsoft.com/office/drawing/2014/main" id="{435E3BDD-CB24-EBB9-ADD4-9335B2011AF5}"/>
-              </a:ext>
-            </a:extLst>
-          </p:cNvPr>
-          <p:cNvSpPr txBox="1"/>
-          <p:nvPr/>
-        </p:nvSpPr>
-        <p:spPr>
-          <a:xfrm rot="16200000">
-            <a:off x="6304578" y="5844981"/>
-            <a:ext cx="219456" cy="166712"/>
-          </a:xfrm>
-          <a:prstGeom prst="rect">
-            <a:avLst/>
-          </a:prstGeom>
-        </p:spPr>
-        <p:txBody>
-          <a:bodyPr vert="horz" wrap="square" lIns="0" tIns="12700" rIns="0" bIns="0" rtlCol="0">
-            <a:spAutoFit/>
-          </a:bodyPr>
-          <a:lstStyle>
-            <a:defPPr>
-              <a:defRPr lang="zh-CN"/>
-            </a:defPPr>
-            <a:lvl1pPr marL="12700">
-              <a:lnSpc>
-                <a:spcPct val="100000"/>
-              </a:lnSpc>
-              <a:spcBef>
-                <a:spcPts val="100"/>
-              </a:spcBef>
-              <a:defRPr sz="1100" i="1">
-                <a:latin typeface="Times New Roman" panose="02020603050405020304" pitchFamily="18" charset="0"/>
-                <a:cs typeface="Times New Roman" panose="02020603050405020304" pitchFamily="18" charset="0"/>
-              </a:defRPr>
-            </a:lvl1pPr>
-          </a:lstStyle>
-          <a:p>
-            <a:r>
-              <a:rPr lang="en-US" altLang="zh-CN" sz="1000" i="0" dirty="0"/>
-              <a:t>DO</a:t>
-            </a:r>
-            <a:endParaRPr lang="zh-CN" altLang="en-US" sz="1000" i="0" dirty="0"/>
-          </a:p>
-        </p:txBody>
-      </p:sp>
-      <p:sp>
-        <p:nvSpPr>
-          <p:cNvPr id="80" name="文本框 79">
-            <a:extLst>
-              <a:ext uri="{FF2B5EF4-FFF2-40B4-BE49-F238E27FC236}">
-                <a16:creationId xmlns:a16="http://schemas.microsoft.com/office/drawing/2014/main" id="{A1638FDF-5F72-AC6E-073C-817E931830ED}"/>
-              </a:ext>
-            </a:extLst>
-          </p:cNvPr>
-          <p:cNvSpPr txBox="1"/>
-          <p:nvPr/>
-        </p:nvSpPr>
-        <p:spPr>
-          <a:xfrm rot="16200000">
-            <a:off x="6533178" y="5844820"/>
-            <a:ext cx="219456" cy="166712"/>
-          </a:xfrm>
-          <a:prstGeom prst="rect">
-            <a:avLst/>
-          </a:prstGeom>
-        </p:spPr>
-        <p:txBody>
-          <a:bodyPr vert="horz" wrap="square" lIns="0" tIns="12700" rIns="0" bIns="0" rtlCol="0">
-            <a:spAutoFit/>
-          </a:bodyPr>
-          <a:lstStyle>
-            <a:defPPr>
-              <a:defRPr lang="zh-CN"/>
-            </a:defPPr>
-            <a:lvl1pPr marL="12700">
-              <a:lnSpc>
-                <a:spcPct val="100000"/>
-              </a:lnSpc>
-              <a:spcBef>
-                <a:spcPts val="100"/>
-              </a:spcBef>
-              <a:defRPr sz="1100" i="1">
-                <a:latin typeface="Times New Roman" panose="02020603050405020304" pitchFamily="18" charset="0"/>
-                <a:cs typeface="Times New Roman" panose="02020603050405020304" pitchFamily="18" charset="0"/>
-              </a:defRPr>
-            </a:lvl1pPr>
-          </a:lstStyle>
-          <a:p>
-            <a:r>
-              <a:rPr lang="en-US" altLang="zh-CN" sz="1000" i="0" dirty="0"/>
-              <a:t>TN</a:t>
-            </a:r>
-            <a:endParaRPr lang="zh-CN" altLang="en-US" sz="1000" i="0" dirty="0"/>
-          </a:p>
-        </p:txBody>
-      </p:sp>
-      <mc:AlternateContent xmlns:mc="http://schemas.openxmlformats.org/markup-compatibility/2006">
-        <mc:Choice xmlns:a14="http://schemas.microsoft.com/office/drawing/2010/main" Requires="a14">
-          <p:sp>
-            <p:nvSpPr>
-              <p:cNvPr id="81" name="文本框 80">
-                <a:extLst>
-                  <a:ext uri="{FF2B5EF4-FFF2-40B4-BE49-F238E27FC236}">
-                    <a16:creationId xmlns:a16="http://schemas.microsoft.com/office/drawing/2014/main" id="{C9640DE9-F1EF-18D7-D38F-019BA03F96B0}"/>
-                  </a:ext>
-                </a:extLst>
-              </p:cNvPr>
-              <p:cNvSpPr txBox="1"/>
-              <p:nvPr/>
-            </p:nvSpPr>
-            <p:spPr>
-              <a:xfrm rot="16200000">
-                <a:off x="6809735" y="5885404"/>
-                <a:ext cx="247317" cy="166712"/>
-              </a:xfrm>
-              <a:prstGeom prst="rect">
-                <a:avLst/>
-              </a:prstGeom>
-            </p:spPr>
-            <p:txBody>
-              <a:bodyPr vert="horz" wrap="square" lIns="0" tIns="12700" rIns="0" bIns="0" rtlCol="0">
-                <a:spAutoFit/>
-              </a:bodyPr>
-              <a:lstStyle>
-                <a:defPPr>
-                  <a:defRPr lang="zh-CN"/>
-                </a:defPPr>
-                <a:lvl1pPr marL="12700">
-                  <a:lnSpc>
-                    <a:spcPct val="100000"/>
-                  </a:lnSpc>
-                  <a:spcBef>
-                    <a:spcPts val="100"/>
-                  </a:spcBef>
-                  <a:defRPr sz="1100" i="1">
-                    <a:latin typeface="Times New Roman" panose="02020603050405020304" pitchFamily="18" charset="0"/>
-                    <a:cs typeface="Times New Roman" panose="02020603050405020304" pitchFamily="18" charset="0"/>
-                  </a:defRPr>
-                </a:lvl1pPr>
-              </a:lstStyle>
-              <a:p>
-                <a:pPr/>
-                <a14:m>
-                  <m:oMathPara xmlns:m="http://schemas.openxmlformats.org/officeDocument/2006/math">
-                    <m:oMathParaPr>
-                      <m:jc m:val="centerGroup"/>
-                    </m:oMathParaPr>
-                    <m:oMath xmlns:m="http://schemas.openxmlformats.org/officeDocument/2006/math">
-                      <m:sSubSup>
-                        <m:sSubSupPr>
-                          <m:ctrlPr>
-                            <a:rPr lang="en-US" altLang="zh-CN" sz="1000" i="1">
-                              <a:latin typeface="Cambria Math" panose="02040503050406030204" pitchFamily="18" charset="0"/>
-                            </a:rPr>
-                          </m:ctrlPr>
-                        </m:sSubSupPr>
-                        <m:e>
-                          <m:r>
-                            <a:rPr lang="en-US" altLang="zh-CN" sz="1000">
-                              <a:latin typeface="Cambria Math" panose="02040503050406030204" pitchFamily="18" charset="0"/>
-                            </a:rPr>
-                            <m:t>𝑁𝑂</m:t>
-                          </m:r>
-                        </m:e>
-                        <m:sub>
-                          <m:r>
-                            <a:rPr lang="en-US" altLang="zh-CN" sz="1000">
-                              <a:latin typeface="Cambria Math" panose="02040503050406030204" pitchFamily="18" charset="0"/>
-                            </a:rPr>
-                            <m:t>2</m:t>
-                          </m:r>
-                        </m:sub>
-                        <m:sup>
-                          <m:r>
-                            <a:rPr lang="en-US" altLang="zh-CN" sz="1000">
-                              <a:latin typeface="Cambria Math" panose="02040503050406030204" pitchFamily="18" charset="0"/>
-                            </a:rPr>
-                            <m:t>−</m:t>
-                          </m:r>
-                        </m:sup>
-                      </m:sSubSup>
-                    </m:oMath>
-                  </m:oMathPara>
-                </a14:m>
-                <a:endParaRPr lang="zh-CN" altLang="en-US" sz="1000" dirty="0"/>
-              </a:p>
-            </p:txBody>
-          </p:sp>
-        </mc:Choice>
-        <mc:Fallback>
-          <p:sp>
-            <p:nvSpPr>
-              <p:cNvPr id="81" name="文本框 80">
-                <a:extLst>
-                  <a:ext uri="{FF2B5EF4-FFF2-40B4-BE49-F238E27FC236}">
-                    <a16:creationId xmlns:a16="http://schemas.microsoft.com/office/drawing/2014/main" id="{C9640DE9-F1EF-18D7-D38F-019BA03F96B0}"/>
-                  </a:ext>
-                </a:extLst>
-              </p:cNvPr>
-              <p:cNvSpPr txBox="1">
-                <a:spLocks noRot="1" noChangeAspect="1" noMove="1" noResize="1" noEditPoints="1" noAdjustHandles="1" noChangeArrowheads="1" noChangeShapeType="1" noTextEdit="1"/>
-              </p:cNvSpPr>
-              <p:nvPr/>
-            </p:nvSpPr>
-            <p:spPr>
-              <a:xfrm rot="16200000">
-                <a:off x="6809735" y="5885404"/>
-                <a:ext cx="247317" cy="166712"/>
-              </a:xfrm>
-              <a:prstGeom prst="rect">
-                <a:avLst/>
-              </a:prstGeom>
-              <a:blipFill>
-                <a:blip r:embed="rId9"/>
-                <a:stretch>
-                  <a:fillRect t="-15000" r="-18519" b="-15000"/>
-                </a:stretch>
-              </a:blipFill>
-            </p:spPr>
-            <p:txBody>
-              <a:bodyPr/>
-              <a:lstStyle/>
-              <a:p>
-                <a:r>
-                  <a:rPr lang="zh-CN" altLang="en-US">
-                    <a:noFill/>
-                  </a:rPr>
-                  <a:t> </a:t>
-                </a:r>
-              </a:p>
-            </p:txBody>
-          </p:sp>
-        </mc:Fallback>
-      </mc:AlternateContent>
-      <mc:AlternateContent xmlns:mc="http://schemas.openxmlformats.org/markup-compatibility/2006">
-        <mc:Choice xmlns:a14="http://schemas.microsoft.com/office/drawing/2010/main" Requires="a14">
-          <p:sp>
-            <p:nvSpPr>
-              <p:cNvPr id="82" name="文本框 81">
-                <a:extLst>
-                  <a:ext uri="{FF2B5EF4-FFF2-40B4-BE49-F238E27FC236}">
-                    <a16:creationId xmlns:a16="http://schemas.microsoft.com/office/drawing/2014/main" id="{4971FA9F-61E6-4D41-AE3A-E032FDB4809F}"/>
-                  </a:ext>
-                </a:extLst>
-              </p:cNvPr>
-              <p:cNvSpPr txBox="1"/>
-              <p:nvPr/>
-            </p:nvSpPr>
-            <p:spPr>
-              <a:xfrm rot="16200000">
-                <a:off x="7038335" y="5902779"/>
-                <a:ext cx="247318" cy="166712"/>
-              </a:xfrm>
-              <a:prstGeom prst="rect">
-                <a:avLst/>
-              </a:prstGeom>
-            </p:spPr>
-            <p:txBody>
-              <a:bodyPr vert="horz" wrap="square" lIns="0" tIns="12700" rIns="0" bIns="0" rtlCol="0">
-                <a:spAutoFit/>
-              </a:bodyPr>
-              <a:lstStyle>
-                <a:defPPr>
-                  <a:defRPr lang="zh-CN"/>
-                </a:defPPr>
-                <a:lvl1pPr marL="12700">
-                  <a:lnSpc>
-                    <a:spcPct val="100000"/>
-                  </a:lnSpc>
-                  <a:spcBef>
-                    <a:spcPts val="100"/>
-                  </a:spcBef>
-                  <a:defRPr sz="1100" i="1">
-                    <a:latin typeface="Times New Roman" panose="02020603050405020304" pitchFamily="18" charset="0"/>
-                    <a:cs typeface="Times New Roman" panose="02020603050405020304" pitchFamily="18" charset="0"/>
-                  </a:defRPr>
-                </a:lvl1pPr>
-              </a:lstStyle>
-              <a:p>
-                <a:pPr/>
-                <a14:m>
-                  <m:oMathPara xmlns:m="http://schemas.openxmlformats.org/officeDocument/2006/math">
-                    <m:oMathParaPr>
-                      <m:jc m:val="centerGroup"/>
-                    </m:oMathParaPr>
-                    <m:oMath xmlns:m="http://schemas.openxmlformats.org/officeDocument/2006/math">
-                      <m:sSubSup>
-                        <m:sSubSupPr>
-                          <m:ctrlPr>
-                            <a:rPr lang="en-US" altLang="zh-CN" sz="1000" i="1">
-                              <a:latin typeface="Cambria Math" panose="02040503050406030204" pitchFamily="18" charset="0"/>
-                            </a:rPr>
-                          </m:ctrlPr>
-                        </m:sSubSupPr>
-                        <m:e>
-                          <m:r>
-                            <a:rPr lang="en-US" altLang="zh-CN" sz="1000">
-                              <a:latin typeface="Cambria Math" panose="02040503050406030204" pitchFamily="18" charset="0"/>
-                            </a:rPr>
-                            <m:t>𝑁𝑂</m:t>
-                          </m:r>
-                        </m:e>
-                        <m:sub>
-                          <m:r>
-                            <a:rPr lang="en-US" altLang="zh-CN" sz="1000">
-                              <a:latin typeface="Cambria Math" panose="02040503050406030204" pitchFamily="18" charset="0"/>
-                            </a:rPr>
-                            <m:t>3</m:t>
-                          </m:r>
-                        </m:sub>
-                        <m:sup>
-                          <m:r>
-                            <a:rPr lang="en-US" altLang="zh-CN" sz="1000">
-                              <a:latin typeface="Cambria Math" panose="02040503050406030204" pitchFamily="18" charset="0"/>
-                            </a:rPr>
-                            <m:t>−</m:t>
-                          </m:r>
-                        </m:sup>
-                      </m:sSubSup>
-                    </m:oMath>
-                  </m:oMathPara>
-                </a14:m>
-                <a:endParaRPr lang="zh-CN" altLang="en-US" sz="1000" dirty="0"/>
-              </a:p>
-            </p:txBody>
-          </p:sp>
-        </mc:Choice>
-        <mc:Fallback>
-          <p:sp>
-            <p:nvSpPr>
-              <p:cNvPr id="82" name="文本框 81">
-                <a:extLst>
-                  <a:ext uri="{FF2B5EF4-FFF2-40B4-BE49-F238E27FC236}">
-                    <a16:creationId xmlns:a16="http://schemas.microsoft.com/office/drawing/2014/main" id="{4971FA9F-61E6-4D41-AE3A-E032FDB4809F}"/>
-                  </a:ext>
-                </a:extLst>
-              </p:cNvPr>
-              <p:cNvSpPr txBox="1">
-                <a:spLocks noRot="1" noChangeAspect="1" noMove="1" noResize="1" noEditPoints="1" noAdjustHandles="1" noChangeArrowheads="1" noChangeShapeType="1" noTextEdit="1"/>
-              </p:cNvSpPr>
-              <p:nvPr/>
-            </p:nvSpPr>
-            <p:spPr>
-              <a:xfrm rot="16200000">
-                <a:off x="7038335" y="5902779"/>
-                <a:ext cx="247318" cy="166712"/>
-              </a:xfrm>
-              <a:prstGeom prst="rect">
-                <a:avLst/>
-              </a:prstGeom>
-              <a:blipFill>
-                <a:blip r:embed="rId10"/>
-                <a:stretch>
-                  <a:fillRect t="-15000" r="-14286" b="-15000"/>
-                </a:stretch>
-              </a:blipFill>
-            </p:spPr>
-            <p:txBody>
-              <a:bodyPr/>
-              <a:lstStyle/>
-              <a:p>
-                <a:r>
-                  <a:rPr lang="zh-CN" altLang="en-US">
-                    <a:noFill/>
-                  </a:rPr>
-                  <a:t> </a:t>
-                </a:r>
-              </a:p>
-            </p:txBody>
-          </p:sp>
-        </mc:Fallback>
-      </mc:AlternateContent>
-      <mc:AlternateContent xmlns:mc="http://schemas.openxmlformats.org/markup-compatibility/2006">
-        <mc:Choice xmlns:a14="http://schemas.microsoft.com/office/drawing/2010/main" Requires="a14">
-          <p:sp>
-            <p:nvSpPr>
-              <p:cNvPr id="83" name="文本框 82">
-                <a:extLst>
-                  <a:ext uri="{FF2B5EF4-FFF2-40B4-BE49-F238E27FC236}">
-                    <a16:creationId xmlns:a16="http://schemas.microsoft.com/office/drawing/2014/main" id="{EBC6F047-F725-83ED-A619-74AAB3450E70}"/>
-                  </a:ext>
-                </a:extLst>
-              </p:cNvPr>
-              <p:cNvSpPr txBox="1"/>
-              <p:nvPr/>
-            </p:nvSpPr>
-            <p:spPr>
-              <a:xfrm rot="16200000">
-                <a:off x="7268051" y="5910129"/>
-                <a:ext cx="245086" cy="166712"/>
-              </a:xfrm>
-              <a:prstGeom prst="rect">
-                <a:avLst/>
-              </a:prstGeom>
-            </p:spPr>
-            <p:txBody>
-              <a:bodyPr vert="horz" wrap="square" lIns="0" tIns="12700" rIns="0" bIns="0" rtlCol="0">
-                <a:spAutoFit/>
-              </a:bodyPr>
-              <a:lstStyle>
-                <a:defPPr>
-                  <a:defRPr lang="zh-CN"/>
-                </a:defPPr>
-                <a:lvl1pPr marL="12700">
-                  <a:lnSpc>
-                    <a:spcPct val="100000"/>
-                  </a:lnSpc>
-                  <a:spcBef>
-                    <a:spcPts val="100"/>
-                  </a:spcBef>
-                  <a:defRPr sz="1100" i="1">
-                    <a:latin typeface="Times New Roman" panose="02020603050405020304" pitchFamily="18" charset="0"/>
-                    <a:cs typeface="Times New Roman" panose="02020603050405020304" pitchFamily="18" charset="0"/>
-                  </a:defRPr>
-                </a:lvl1pPr>
-              </a:lstStyle>
-              <a:p>
-                <a:pPr/>
-                <a14:m>
-                  <m:oMathPara xmlns:m="http://schemas.openxmlformats.org/officeDocument/2006/math">
-                    <m:oMathParaPr>
-                      <m:jc m:val="centerGroup"/>
-                    </m:oMathParaPr>
-                    <m:oMath xmlns:m="http://schemas.openxmlformats.org/officeDocument/2006/math">
-                      <m:sSubSup>
-                        <m:sSubSupPr>
-                          <m:ctrlPr>
-                            <a:rPr lang="en-US" altLang="zh-CN" sz="1000" i="1">
-                              <a:latin typeface="Cambria Math" panose="02040503050406030204" pitchFamily="18" charset="0"/>
-                            </a:rPr>
-                          </m:ctrlPr>
-                        </m:sSubSupPr>
-                        <m:e>
-                          <m:r>
-                            <a:rPr lang="en-US" altLang="zh-CN" sz="1000">
-                              <a:latin typeface="Cambria Math" panose="02040503050406030204" pitchFamily="18" charset="0"/>
-                            </a:rPr>
-                            <m:t>𝑁𝐻</m:t>
-                          </m:r>
-                        </m:e>
-                        <m:sub>
-                          <m:r>
-                            <a:rPr lang="en-US" altLang="zh-CN" sz="1000">
-                              <a:latin typeface="Cambria Math" panose="02040503050406030204" pitchFamily="18" charset="0"/>
-                            </a:rPr>
-                            <m:t>4</m:t>
-                          </m:r>
-                        </m:sub>
-                        <m:sup>
-                          <m:r>
-                            <a:rPr lang="en-US" altLang="zh-CN" sz="1000">
-                              <a:latin typeface="Cambria Math" panose="02040503050406030204" pitchFamily="18" charset="0"/>
-                            </a:rPr>
-                            <m:t>+</m:t>
-                          </m:r>
-                        </m:sup>
-                      </m:sSubSup>
-                    </m:oMath>
-                  </m:oMathPara>
-                </a14:m>
-                <a:endParaRPr lang="zh-CN" altLang="en-US" sz="1000" dirty="0"/>
-              </a:p>
-            </p:txBody>
-          </p:sp>
-        </mc:Choice>
-        <mc:Fallback>
-          <p:sp>
-            <p:nvSpPr>
-              <p:cNvPr id="83" name="文本框 82">
-                <a:extLst>
-                  <a:ext uri="{FF2B5EF4-FFF2-40B4-BE49-F238E27FC236}">
-                    <a16:creationId xmlns:a16="http://schemas.microsoft.com/office/drawing/2014/main" id="{EBC6F047-F725-83ED-A619-74AAB3450E70}"/>
-                  </a:ext>
-                </a:extLst>
-              </p:cNvPr>
-              <p:cNvSpPr txBox="1">
-                <a:spLocks noRot="1" noChangeAspect="1" noMove="1" noResize="1" noEditPoints="1" noAdjustHandles="1" noChangeArrowheads="1" noChangeShapeType="1" noTextEdit="1"/>
-              </p:cNvSpPr>
-              <p:nvPr/>
-            </p:nvSpPr>
-            <p:spPr>
-              <a:xfrm rot="16200000">
-                <a:off x="7268051" y="5910129"/>
-                <a:ext cx="245086" cy="166712"/>
-              </a:xfrm>
-              <a:prstGeom prst="rect">
-                <a:avLst/>
-              </a:prstGeom>
-              <a:blipFill>
-                <a:blip r:embed="rId11"/>
-                <a:stretch>
-                  <a:fillRect t="-22500" r="-18519" b="-15000"/>
-                </a:stretch>
-              </a:blipFill>
-            </p:spPr>
-            <p:txBody>
-              <a:bodyPr/>
-              <a:lstStyle/>
-              <a:p>
-                <a:r>
-                  <a:rPr lang="zh-CN" altLang="en-US">
-                    <a:noFill/>
-                  </a:rPr>
-                  <a:t> </a:t>
-                </a:r>
-              </a:p>
-            </p:txBody>
-          </p:sp>
-        </mc:Fallback>
-      </mc:AlternateContent>
-      <p:sp>
-        <p:nvSpPr>
-          <p:cNvPr id="84" name="文本框 83">
-            <a:extLst>
-              <a:ext uri="{FF2B5EF4-FFF2-40B4-BE49-F238E27FC236}">
-                <a16:creationId xmlns:a16="http://schemas.microsoft.com/office/drawing/2014/main" id="{5B0D2CA3-05EC-B8D2-F279-DA07D5D0DCE6}"/>
-              </a:ext>
-            </a:extLst>
-          </p:cNvPr>
-          <p:cNvSpPr txBox="1"/>
-          <p:nvPr/>
-        </p:nvSpPr>
-        <p:spPr>
-          <a:xfrm rot="16200000">
-            <a:off x="7463984" y="5892260"/>
-            <a:ext cx="310420" cy="166712"/>
-          </a:xfrm>
-          <a:prstGeom prst="rect">
-            <a:avLst/>
-          </a:prstGeom>
-        </p:spPr>
-        <p:txBody>
-          <a:bodyPr vert="horz" wrap="square" lIns="0" tIns="12700" rIns="0" bIns="0" rtlCol="0">
-            <a:spAutoFit/>
-          </a:bodyPr>
-          <a:lstStyle>
-            <a:defPPr>
-              <a:defRPr lang="zh-CN"/>
-            </a:defPPr>
-            <a:lvl1pPr marL="12700">
-              <a:lnSpc>
-                <a:spcPct val="100000"/>
-              </a:lnSpc>
-              <a:spcBef>
-                <a:spcPts val="100"/>
-              </a:spcBef>
-              <a:defRPr sz="1100" i="1">
-                <a:latin typeface="Times New Roman" panose="02020603050405020304" pitchFamily="18" charset="0"/>
-                <a:cs typeface="Times New Roman" panose="02020603050405020304" pitchFamily="18" charset="0"/>
-              </a:defRPr>
-            </a:lvl1pPr>
-          </a:lstStyle>
-          <a:p>
-            <a:r>
-              <a:rPr lang="en-US" altLang="zh-CN" sz="1000" i="0" dirty="0"/>
-              <a:t>COD</a:t>
-            </a:r>
-            <a:endParaRPr lang="zh-CN" altLang="en-US" sz="1000" i="0" dirty="0"/>
-          </a:p>
-        </p:txBody>
-      </p:sp>
-      <p:sp>
-        <p:nvSpPr>
-          <p:cNvPr id="85" name="文本框 84">
-            <a:extLst>
-              <a:ext uri="{FF2B5EF4-FFF2-40B4-BE49-F238E27FC236}">
-                <a16:creationId xmlns:a16="http://schemas.microsoft.com/office/drawing/2014/main" id="{D325C7FA-975A-866C-9E4B-18C16964732C}"/>
-              </a:ext>
-            </a:extLst>
-          </p:cNvPr>
-          <p:cNvSpPr txBox="1"/>
-          <p:nvPr/>
-        </p:nvSpPr>
-        <p:spPr>
-          <a:xfrm rot="16200000">
-            <a:off x="7815697" y="5826082"/>
-            <a:ext cx="64193" cy="166712"/>
-          </a:xfrm>
-          <a:prstGeom prst="rect">
-            <a:avLst/>
-          </a:prstGeom>
-        </p:spPr>
-        <p:txBody>
-          <a:bodyPr vert="horz" wrap="square" lIns="0" tIns="12700" rIns="0" bIns="0" rtlCol="0">
-            <a:spAutoFit/>
-          </a:bodyPr>
-          <a:lstStyle>
-            <a:defPPr>
-              <a:defRPr lang="zh-CN"/>
-            </a:defPPr>
-            <a:lvl1pPr marL="12700">
-              <a:lnSpc>
-                <a:spcPct val="100000"/>
-              </a:lnSpc>
-              <a:spcBef>
-                <a:spcPts val="100"/>
-              </a:spcBef>
-              <a:defRPr sz="1100" i="1">
-                <a:latin typeface="Times New Roman" panose="02020603050405020304" pitchFamily="18" charset="0"/>
-                <a:cs typeface="Times New Roman" panose="02020603050405020304" pitchFamily="18" charset="0"/>
-              </a:defRPr>
-            </a:lvl1pPr>
-          </a:lstStyle>
-          <a:p>
-            <a:r>
-              <a:rPr lang="en-US" altLang="zh-CN" sz="1000" i="0" dirty="0"/>
-              <a:t>T</a:t>
-            </a:r>
-            <a:endParaRPr lang="zh-CN" altLang="en-US" sz="1000" i="0" dirty="0"/>
-          </a:p>
-        </p:txBody>
-      </p:sp>
-      <p:cxnSp>
-        <p:nvCxnSpPr>
-          <p:cNvPr id="86" name="直接连接符 85">
-            <a:extLst>
-              <a:ext uri="{FF2B5EF4-FFF2-40B4-BE49-F238E27FC236}">
-                <a16:creationId xmlns:a16="http://schemas.microsoft.com/office/drawing/2014/main" id="{B94CC118-C6CE-1855-3B7B-93246ECAA8FC}"/>
-              </a:ext>
-            </a:extLst>
-          </p:cNvPr>
-          <p:cNvCxnSpPr>
-            <a:cxnSpLocks/>
-          </p:cNvCxnSpPr>
-          <p:nvPr/>
-        </p:nvCxnSpPr>
-        <p:spPr>
-          <a:xfrm>
-            <a:off x="2749551" y="6978651"/>
-            <a:ext cx="3193242" cy="0"/>
-          </a:xfrm>
-          <a:prstGeom prst="line">
-            <a:avLst/>
-          </a:prstGeom>
-        </p:spPr>
-        <p:style>
-          <a:lnRef idx="1">
-            <a:schemeClr val="dk1"/>
-          </a:lnRef>
-          <a:fillRef idx="0">
-            <a:schemeClr val="dk1"/>
-          </a:fillRef>
-          <a:effectRef idx="0">
-            <a:schemeClr val="dk1"/>
-          </a:effectRef>
-          <a:fontRef idx="minor">
-            <a:schemeClr val="tx1"/>
-          </a:fontRef>
-        </p:style>
-      </p:cxnSp>
-      <p:sp>
-        <p:nvSpPr>
-          <p:cNvPr id="87" name="文本框 86">
-            <a:extLst>
-              <a:ext uri="{FF2B5EF4-FFF2-40B4-BE49-F238E27FC236}">
-                <a16:creationId xmlns:a16="http://schemas.microsoft.com/office/drawing/2014/main" id="{2062467C-B385-CD65-779B-A90A93963BD8}"/>
-              </a:ext>
-            </a:extLst>
-          </p:cNvPr>
-          <p:cNvSpPr txBox="1"/>
-          <p:nvPr/>
-        </p:nvSpPr>
-        <p:spPr>
-          <a:xfrm>
-            <a:off x="3968751" y="6993448"/>
-            <a:ext cx="838199" cy="166712"/>
-          </a:xfrm>
-          <a:prstGeom prst="rect">
-            <a:avLst/>
-          </a:prstGeom>
-        </p:spPr>
-        <p:txBody>
-          <a:bodyPr vert="horz" wrap="square" lIns="0" tIns="12700" rIns="0" bIns="0" rtlCol="0">
-            <a:spAutoFit/>
-          </a:bodyPr>
-          <a:lstStyle>
-            <a:defPPr>
-              <a:defRPr lang="zh-CN"/>
-            </a:defPPr>
-            <a:lvl1pPr marL="12700">
-              <a:lnSpc>
-                <a:spcPct val="100000"/>
-              </a:lnSpc>
-              <a:spcBef>
-                <a:spcPts val="100"/>
-              </a:spcBef>
-              <a:defRPr sz="1100" i="1">
-                <a:latin typeface="Times New Roman" panose="02020603050405020304" pitchFamily="18" charset="0"/>
-                <a:cs typeface="Times New Roman" panose="02020603050405020304" pitchFamily="18" charset="0"/>
-              </a:defRPr>
-            </a:lvl1pPr>
-          </a:lstStyle>
-          <a:p>
-            <a:r>
-              <a:rPr lang="en-US" altLang="zh-CN" sz="1000" i="0" dirty="0"/>
-              <a:t>Sediment</a:t>
-            </a:r>
-            <a:endParaRPr lang="zh-CN" altLang="en-US" sz="1000" i="0" dirty="0"/>
-          </a:p>
-        </p:txBody>
-      </p:sp>
-      <p:cxnSp>
-        <p:nvCxnSpPr>
-          <p:cNvPr id="88" name="直接连接符 87">
-            <a:extLst>
-              <a:ext uri="{FF2B5EF4-FFF2-40B4-BE49-F238E27FC236}">
-                <a16:creationId xmlns:a16="http://schemas.microsoft.com/office/drawing/2014/main" id="{5069675C-FBD4-A871-AC12-EAA2D59C2563}"/>
-              </a:ext>
-            </a:extLst>
-          </p:cNvPr>
-          <p:cNvCxnSpPr>
-            <a:cxnSpLocks/>
-          </p:cNvCxnSpPr>
-          <p:nvPr/>
-        </p:nvCxnSpPr>
-        <p:spPr>
-          <a:xfrm rot="16200000">
-            <a:off x="7025366" y="6149067"/>
-            <a:ext cx="0" cy="1659168"/>
-          </a:xfrm>
-          <a:prstGeom prst="line">
-            <a:avLst/>
-          </a:prstGeom>
-        </p:spPr>
-        <p:style>
-          <a:lnRef idx="1">
-            <a:schemeClr val="dk1"/>
-          </a:lnRef>
-          <a:fillRef idx="0">
-            <a:schemeClr val="dk1"/>
-          </a:fillRef>
-          <a:effectRef idx="0">
-            <a:schemeClr val="dk1"/>
-          </a:effectRef>
-          <a:fontRef idx="minor">
-            <a:schemeClr val="tx1"/>
-          </a:fontRef>
-        </p:style>
-      </p:cxnSp>
-      <p:sp>
-        <p:nvSpPr>
-          <p:cNvPr id="89" name="文本框 88">
-            <a:extLst>
-              <a:ext uri="{FF2B5EF4-FFF2-40B4-BE49-F238E27FC236}">
-                <a16:creationId xmlns:a16="http://schemas.microsoft.com/office/drawing/2014/main" id="{8AE626B4-65AC-933A-2CDF-AD44949AB621}"/>
-              </a:ext>
-            </a:extLst>
-          </p:cNvPr>
-          <p:cNvSpPr txBox="1"/>
-          <p:nvPr/>
-        </p:nvSpPr>
-        <p:spPr>
-          <a:xfrm>
-            <a:off x="6497169" y="6993447"/>
-            <a:ext cx="1095032" cy="166712"/>
-          </a:xfrm>
-          <a:prstGeom prst="rect">
-            <a:avLst/>
-          </a:prstGeom>
-        </p:spPr>
-        <p:txBody>
-          <a:bodyPr vert="horz" wrap="square" lIns="0" tIns="12700" rIns="0" bIns="0" rtlCol="0">
-            <a:spAutoFit/>
-          </a:bodyPr>
-          <a:lstStyle>
-            <a:defPPr>
-              <a:defRPr lang="zh-CN"/>
-            </a:defPPr>
-            <a:lvl1pPr marL="12700">
-              <a:lnSpc>
-                <a:spcPct val="100000"/>
-              </a:lnSpc>
-              <a:spcBef>
-                <a:spcPts val="100"/>
-              </a:spcBef>
-              <a:defRPr sz="1100" i="1">
-                <a:latin typeface="Times New Roman" panose="02020603050405020304" pitchFamily="18" charset="0"/>
-                <a:cs typeface="Times New Roman" panose="02020603050405020304" pitchFamily="18" charset="0"/>
-              </a:defRPr>
-            </a:lvl1pPr>
-          </a:lstStyle>
-          <a:p>
-            <a:pPr algn="ctr"/>
-            <a:r>
-              <a:rPr lang="en-US" altLang="zh-CN" sz="1000" i="0" dirty="0"/>
-              <a:t>Overlying water</a:t>
-            </a:r>
-            <a:endParaRPr lang="zh-CN" altLang="en-US" sz="1000" i="0" dirty="0"/>
-          </a:p>
-        </p:txBody>
-      </p:sp>
-      <p:sp>
-        <p:nvSpPr>
-          <p:cNvPr id="90" name="object 10">
-            <a:extLst>
-              <a:ext uri="{FF2B5EF4-FFF2-40B4-BE49-F238E27FC236}">
-                <a16:creationId xmlns:a16="http://schemas.microsoft.com/office/drawing/2014/main" id="{507BA165-4BF9-9B9A-1702-408271FBB1E4}"/>
-              </a:ext>
-            </a:extLst>
-          </p:cNvPr>
-          <p:cNvSpPr txBox="1"/>
-          <p:nvPr/>
-        </p:nvSpPr>
-        <p:spPr>
-          <a:xfrm>
-            <a:off x="8222483" y="5799340"/>
-            <a:ext cx="1007725" cy="182101"/>
+          <a:xfrm>
+            <a:off x="8007350" y="6026071"/>
+            <a:ext cx="1007725" cy="259045"/>
           </a:xfrm>
           <a:prstGeom prst="rect">
             <a:avLst/>
@@ -57949,22 +56102,25 @@
               </a:spcBef>
             </a:pPr>
             <a:r>
-              <a:rPr sz="1100" spc="-10" dirty="0">
-                <a:latin typeface="Times New Roman" panose="02020603050405020304" pitchFamily="18" charset="0"/>
+              <a:rPr sz="1600" spc="-10" dirty="0">
+                <a:latin typeface="Cambria Math" panose="02040503050406030204" pitchFamily="18" charset="0"/>
+                <a:ea typeface="Cambria Math" panose="02040503050406030204" pitchFamily="18" charset="0"/>
                 <a:cs typeface="Times New Roman" panose="02020603050405020304" pitchFamily="18" charset="0"/>
               </a:rPr>
               <a:t>Mantel's</a:t>
             </a:r>
             <a:r>
-              <a:rPr sz="1100" spc="-60" dirty="0">
-                <a:latin typeface="Times New Roman" panose="02020603050405020304" pitchFamily="18" charset="0"/>
+              <a:rPr sz="1600" spc="-60" dirty="0">
+                <a:latin typeface="Cambria Math" panose="02040503050406030204" pitchFamily="18" charset="0"/>
+                <a:ea typeface="Cambria Math" panose="02040503050406030204" pitchFamily="18" charset="0"/>
                 <a:cs typeface="Times New Roman" panose="02020603050405020304" pitchFamily="18" charset="0"/>
               </a:rPr>
               <a:t> </a:t>
             </a:r>
             <a:r>
-              <a:rPr sz="1100" dirty="0">
-                <a:latin typeface="Times New Roman" panose="02020603050405020304" pitchFamily="18" charset="0"/>
+              <a:rPr sz="1600" dirty="0">
+                <a:latin typeface="Cambria Math" panose="02040503050406030204" pitchFamily="18" charset="0"/>
+                <a:ea typeface="Cambria Math" panose="02040503050406030204" pitchFamily="18" charset="0"/>
                 <a:cs typeface="Times New Roman" panose="02020603050405020304" pitchFamily="18" charset="0"/>
               </a:rPr>
               <a:t>p</a:t>
@@ -57974,10 +56130,10 @@
       </p:sp>
       <p:graphicFrame>
         <p:nvGraphicFramePr>
-          <p:cNvPr id="91" name="object 11">
+          <p:cNvPr id="64" name="object 11">
             <a:extLst>
               <a:ext uri="{FF2B5EF4-FFF2-40B4-BE49-F238E27FC236}">
-                <a16:creationId xmlns:a16="http://schemas.microsoft.com/office/drawing/2014/main" id="{B6E71D53-B6CC-158F-EE7E-F6D29F4E1A7E}"/>
+                <a16:creationId xmlns:a16="http://schemas.microsoft.com/office/drawing/2014/main" id="{BEE6FF33-2609-D014-0F6C-9B3B14AB9579}"/>
               </a:ext>
             </a:extLst>
           </p:cNvPr>
@@ -57987,13 +56143,13 @@
           <p:nvPr>
             <p:extLst>
               <p:ext uri="{D42A27DB-BD31-4B8C-83A1-F6EECF244321}">
-                <p14:modId xmlns:p14="http://schemas.microsoft.com/office/powerpoint/2010/main" val="2274813843"/>
+                <p14:modId xmlns:p14="http://schemas.microsoft.com/office/powerpoint/2010/main" val="4236908316"/>
               </p:ext>
             </p:extLst>
           </p:nvPr>
         </p:nvGraphicFramePr>
         <p:xfrm>
-          <a:off x="8249780" y="6094249"/>
+          <a:off x="8173580" y="6320461"/>
           <a:ext cx="219710" cy="872034"/>
         </p:xfrm>
         <a:graphic>
@@ -58022,7 +56178,7 @@
                           <a:spcPct val="100000"/>
                         </a:lnSpc>
                       </a:pPr>
-                      <a:endParaRPr sz="500">
+                      <a:endParaRPr sz="500" dirty="0">
                         <a:latin typeface="Times New Roman"/>
                         <a:cs typeface="Times New Roman"/>
                       </a:endParaRPr>
@@ -58169,10 +56325,10 @@
       </p:graphicFrame>
       <p:sp>
         <p:nvSpPr>
-          <p:cNvPr id="92" name="object 12">
+          <p:cNvPr id="65" name="object 12">
             <a:extLst>
               <a:ext uri="{FF2B5EF4-FFF2-40B4-BE49-F238E27FC236}">
-                <a16:creationId xmlns:a16="http://schemas.microsoft.com/office/drawing/2014/main" id="{9658A977-B133-B6BA-4BC2-AED98D230477}"/>
+                <a16:creationId xmlns:a16="http://schemas.microsoft.com/office/drawing/2014/main" id="{EFF69FD3-A672-9355-D652-F528416AE2A6}"/>
               </a:ext>
             </a:extLst>
           </p:cNvPr>
@@ -58181,8 +56337,8 @@
         </p:nvSpPr>
         <p:spPr>
           <a:xfrm>
-            <a:off x="8535619" y="6108589"/>
-            <a:ext cx="1107962" cy="687368"/>
+            <a:off x="8432815" y="6280700"/>
+            <a:ext cx="1107962" cy="918200"/>
           </a:xfrm>
           <a:prstGeom prst="rect">
             <a:avLst/>
@@ -58200,22 +56356,25 @@
               </a:spcBef>
             </a:pPr>
             <a:r>
-              <a:rPr sz="1100" dirty="0">
-                <a:latin typeface="Times New Roman" panose="02020603050405020304" pitchFamily="18" charset="0"/>
+              <a:rPr sz="1600" dirty="0">
+                <a:latin typeface="Cambria Math" panose="02040503050406030204" pitchFamily="18" charset="0"/>
+                <a:ea typeface="Cambria Math" panose="02040503050406030204" pitchFamily="18" charset="0"/>
                 <a:cs typeface="Times New Roman" panose="02020603050405020304" pitchFamily="18" charset="0"/>
               </a:rPr>
               <a:t>&lt;</a:t>
             </a:r>
             <a:r>
-              <a:rPr sz="1100" spc="-14" dirty="0">
-                <a:latin typeface="Times New Roman" panose="02020603050405020304" pitchFamily="18" charset="0"/>
+              <a:rPr sz="1600" spc="-14" dirty="0">
+                <a:latin typeface="Cambria Math" panose="02040503050406030204" pitchFamily="18" charset="0"/>
+                <a:ea typeface="Cambria Math" panose="02040503050406030204" pitchFamily="18" charset="0"/>
                 <a:cs typeface="Times New Roman" panose="02020603050405020304" pitchFamily="18" charset="0"/>
               </a:rPr>
               <a:t> </a:t>
             </a:r>
             <a:r>
-              <a:rPr sz="1100" dirty="0">
-                <a:latin typeface="Times New Roman" panose="02020603050405020304" pitchFamily="18" charset="0"/>
+              <a:rPr sz="1600" dirty="0">
+                <a:latin typeface="Cambria Math" panose="02040503050406030204" pitchFamily="18" charset="0"/>
+                <a:ea typeface="Cambria Math" panose="02040503050406030204" pitchFamily="18" charset="0"/>
                 <a:cs typeface="Times New Roman" panose="02020603050405020304" pitchFamily="18" charset="0"/>
               </a:rPr>
               <a:t>0.01</a:t>
@@ -58228,22 +56387,25 @@
               </a:spcBef>
             </a:pPr>
             <a:r>
-              <a:rPr sz="1100" dirty="0">
-                <a:latin typeface="Times New Roman" panose="02020603050405020304" pitchFamily="18" charset="0"/>
+              <a:rPr sz="1600" dirty="0">
+                <a:latin typeface="Cambria Math" panose="02040503050406030204" pitchFamily="18" charset="0"/>
+                <a:ea typeface="Cambria Math" panose="02040503050406030204" pitchFamily="18" charset="0"/>
                 <a:cs typeface="Times New Roman" panose="02020603050405020304" pitchFamily="18" charset="0"/>
               </a:rPr>
               <a:t>0.01 −</a:t>
             </a:r>
             <a:r>
-              <a:rPr sz="1100" spc="-85" dirty="0">
-                <a:latin typeface="Times New Roman" panose="02020603050405020304" pitchFamily="18" charset="0"/>
+              <a:rPr sz="1600" spc="-85" dirty="0">
+                <a:latin typeface="Cambria Math" panose="02040503050406030204" pitchFamily="18" charset="0"/>
+                <a:ea typeface="Cambria Math" panose="02040503050406030204" pitchFamily="18" charset="0"/>
                 <a:cs typeface="Times New Roman" panose="02020603050405020304" pitchFamily="18" charset="0"/>
               </a:rPr>
               <a:t> </a:t>
             </a:r>
             <a:r>
-              <a:rPr sz="1100" dirty="0">
-                <a:latin typeface="Times New Roman" panose="02020603050405020304" pitchFamily="18" charset="0"/>
+              <a:rPr sz="1600" dirty="0">
+                <a:latin typeface="Cambria Math" panose="02040503050406030204" pitchFamily="18" charset="0"/>
+                <a:ea typeface="Cambria Math" panose="02040503050406030204" pitchFamily="18" charset="0"/>
                 <a:cs typeface="Times New Roman" panose="02020603050405020304" pitchFamily="18" charset="0"/>
               </a:rPr>
               <a:t>0.05</a:t>
@@ -58256,22 +56418,25 @@
               </a:spcBef>
             </a:pPr>
             <a:r>
-              <a:rPr sz="1100" dirty="0">
-                <a:latin typeface="Times New Roman" panose="02020603050405020304" pitchFamily="18" charset="0"/>
+              <a:rPr sz="1600" dirty="0">
+                <a:latin typeface="Cambria Math" panose="02040503050406030204" pitchFamily="18" charset="0"/>
+                <a:ea typeface="Cambria Math" panose="02040503050406030204" pitchFamily="18" charset="0"/>
                 <a:cs typeface="Times New Roman" panose="02020603050405020304" pitchFamily="18" charset="0"/>
               </a:rPr>
               <a:t>&gt;=</a:t>
             </a:r>
             <a:r>
-              <a:rPr sz="1100" spc="-14" dirty="0">
-                <a:latin typeface="Times New Roman" panose="02020603050405020304" pitchFamily="18" charset="0"/>
+              <a:rPr sz="1600" spc="-14" dirty="0">
+                <a:latin typeface="Cambria Math" panose="02040503050406030204" pitchFamily="18" charset="0"/>
+                <a:ea typeface="Cambria Math" panose="02040503050406030204" pitchFamily="18" charset="0"/>
                 <a:cs typeface="Times New Roman" panose="02020603050405020304" pitchFamily="18" charset="0"/>
               </a:rPr>
               <a:t> </a:t>
             </a:r>
             <a:r>
-              <a:rPr sz="1100" dirty="0">
-                <a:latin typeface="Times New Roman" panose="02020603050405020304" pitchFamily="18" charset="0"/>
+              <a:rPr sz="1600" dirty="0">
+                <a:latin typeface="Cambria Math" panose="02040503050406030204" pitchFamily="18" charset="0"/>
+                <a:ea typeface="Cambria Math" panose="02040503050406030204" pitchFamily="18" charset="0"/>
                 <a:cs typeface="Times New Roman" panose="02020603050405020304" pitchFamily="18" charset="0"/>
               </a:rPr>
               <a:t>0.05</a:t>
@@ -58281,10 +56446,10 @@
       </p:sp>
       <p:sp>
         <p:nvSpPr>
-          <p:cNvPr id="93" name="object 13">
+          <p:cNvPr id="66" name="object 13">
             <a:extLst>
               <a:ext uri="{FF2B5EF4-FFF2-40B4-BE49-F238E27FC236}">
-                <a16:creationId xmlns:a16="http://schemas.microsoft.com/office/drawing/2014/main" id="{9A863CD5-834A-F865-0C51-BFDAB69B9685}"/>
+                <a16:creationId xmlns:a16="http://schemas.microsoft.com/office/drawing/2014/main" id="{F953F171-E446-9610-D099-08F7BD2C0E04}"/>
               </a:ext>
             </a:extLst>
           </p:cNvPr>
@@ -58293,8 +56458,8 @@
         </p:nvSpPr>
         <p:spPr>
           <a:xfrm>
-            <a:off x="9587995" y="5804686"/>
-            <a:ext cx="930091" cy="182101"/>
+            <a:off x="9372862" y="6031417"/>
+            <a:ext cx="930091" cy="259045"/>
           </a:xfrm>
           <a:prstGeom prst="rect">
             <a:avLst/>
@@ -58323,7 +56488,10 @@
           </a:lstStyle>
           <a:p>
             <a:r>
-              <a:rPr dirty="0"/>
+              <a:rPr sz="1600" dirty="0">
+                <a:latin typeface="Cambria Math" panose="02040503050406030204" pitchFamily="18" charset="0"/>
+                <a:ea typeface="Cambria Math" panose="02040503050406030204" pitchFamily="18" charset="0"/>
+              </a:rPr>
               <a:t>Mantel's r</a:t>
             </a:r>
           </a:p>
@@ -58331,10 +56499,10 @@
       </p:sp>
       <p:grpSp>
         <p:nvGrpSpPr>
-          <p:cNvPr id="94" name="组合 93">
+          <p:cNvPr id="67" name="组合 66">
             <a:extLst>
               <a:ext uri="{FF2B5EF4-FFF2-40B4-BE49-F238E27FC236}">
-                <a16:creationId xmlns:a16="http://schemas.microsoft.com/office/drawing/2014/main" id="{35FF5B89-D1DE-2E2C-62D1-A4711D8DAB25}"/>
+                <a16:creationId xmlns:a16="http://schemas.microsoft.com/office/drawing/2014/main" id="{D9A9D6CC-680B-BF4C-B43F-B482042A9AF6}"/>
               </a:ext>
             </a:extLst>
           </p:cNvPr>
@@ -58343,7 +56511,7 @@
         </p:nvGrpSpPr>
         <p:grpSpPr>
           <a:xfrm>
-            <a:off x="9620620" y="6094500"/>
+            <a:off x="9544420" y="6320712"/>
             <a:ext cx="219710" cy="884150"/>
             <a:chOff x="9390887" y="6320028"/>
             <a:chExt cx="219710" cy="658622"/>
@@ -58351,10 +56519,10 @@
         </p:grpSpPr>
         <p:sp>
           <p:nvSpPr>
-            <p:cNvPr id="95" name="object 14">
+            <p:cNvPr id="68" name="object 14">
               <a:extLst>
                 <a:ext uri="{FF2B5EF4-FFF2-40B4-BE49-F238E27FC236}">
-                  <a16:creationId xmlns:a16="http://schemas.microsoft.com/office/drawing/2014/main" id="{B9071F60-9EA8-E64B-3D1C-55C8D1556BC0}"/>
+                  <a16:creationId xmlns:a16="http://schemas.microsoft.com/office/drawing/2014/main" id="{6C172F8D-939B-9BA8-E0D7-20BF7317968B}"/>
                 </a:ext>
               </a:extLst>
             </p:cNvPr>
@@ -58401,8 +56569,9 @@
             <a:bodyPr wrap="square" lIns="0" tIns="0" rIns="0" bIns="0" rtlCol="0"/>
             <a:lstStyle/>
             <a:p>
-              <a:endParaRPr sz="1100">
-                <a:latin typeface="Times New Roman" panose="02020603050405020304" pitchFamily="18" charset="0"/>
+              <a:endParaRPr sz="1600">
+                <a:latin typeface="Cambria Math" panose="02040503050406030204" pitchFamily="18" charset="0"/>
+                <a:ea typeface="Cambria Math" panose="02040503050406030204" pitchFamily="18" charset="0"/>
                 <a:cs typeface="Times New Roman" panose="02020603050405020304" pitchFamily="18" charset="0"/>
               </a:endParaRPr>
             </a:p>
@@ -58410,10 +56579,10 @@
         </p:sp>
         <p:sp>
           <p:nvSpPr>
-            <p:cNvPr id="96" name="object 15">
+            <p:cNvPr id="69" name="object 15">
               <a:extLst>
                 <a:ext uri="{FF2B5EF4-FFF2-40B4-BE49-F238E27FC236}">
-                  <a16:creationId xmlns:a16="http://schemas.microsoft.com/office/drawing/2014/main" id="{914075D7-92F5-0F5B-7685-8E9E466BEDB5}"/>
+                  <a16:creationId xmlns:a16="http://schemas.microsoft.com/office/drawing/2014/main" id="{61B2337B-CE1C-AA76-92A6-59D49AFD0F24}"/>
                 </a:ext>
               </a:extLst>
             </p:cNvPr>
@@ -58452,8 +56621,9 @@
             <a:bodyPr wrap="square" lIns="0" tIns="0" rIns="0" bIns="0" rtlCol="0"/>
             <a:lstStyle/>
             <a:p>
-              <a:endParaRPr sz="1100">
-                <a:latin typeface="Times New Roman" panose="02020603050405020304" pitchFamily="18" charset="0"/>
+              <a:endParaRPr sz="1600">
+                <a:latin typeface="Cambria Math" panose="02040503050406030204" pitchFamily="18" charset="0"/>
+                <a:ea typeface="Cambria Math" panose="02040503050406030204" pitchFamily="18" charset="0"/>
                 <a:cs typeface="Times New Roman" panose="02020603050405020304" pitchFamily="18" charset="0"/>
               </a:endParaRPr>
             </a:p>
@@ -58461,10 +56631,10 @@
         </p:sp>
         <p:sp>
           <p:nvSpPr>
-            <p:cNvPr id="97" name="object 16">
+            <p:cNvPr id="70" name="object 16">
               <a:extLst>
                 <a:ext uri="{FF2B5EF4-FFF2-40B4-BE49-F238E27FC236}">
-                  <a16:creationId xmlns:a16="http://schemas.microsoft.com/office/drawing/2014/main" id="{B4113DFF-0D9C-AE12-618D-FB2DDBFF98D8}"/>
+                  <a16:creationId xmlns:a16="http://schemas.microsoft.com/office/drawing/2014/main" id="{352FFC57-6952-8032-362D-9E7D2AD5F527}"/>
                 </a:ext>
               </a:extLst>
             </p:cNvPr>
@@ -58511,8 +56681,9 @@
             <a:bodyPr wrap="square" lIns="0" tIns="0" rIns="0" bIns="0" rtlCol="0"/>
             <a:lstStyle/>
             <a:p>
-              <a:endParaRPr sz="1100">
-                <a:latin typeface="Times New Roman" panose="02020603050405020304" pitchFamily="18" charset="0"/>
+              <a:endParaRPr sz="1600">
+                <a:latin typeface="Cambria Math" panose="02040503050406030204" pitchFamily="18" charset="0"/>
+                <a:ea typeface="Cambria Math" panose="02040503050406030204" pitchFamily="18" charset="0"/>
                 <a:cs typeface="Times New Roman" panose="02020603050405020304" pitchFamily="18" charset="0"/>
               </a:endParaRPr>
             </a:p>
@@ -58520,10 +56691,10 @@
         </p:sp>
         <p:sp>
           <p:nvSpPr>
-            <p:cNvPr id="98" name="object 17">
+            <p:cNvPr id="71" name="object 17">
               <a:extLst>
                 <a:ext uri="{FF2B5EF4-FFF2-40B4-BE49-F238E27FC236}">
-                  <a16:creationId xmlns:a16="http://schemas.microsoft.com/office/drawing/2014/main" id="{E6C28194-05FF-DE45-924E-2ADAF0A4BC03}"/>
+                  <a16:creationId xmlns:a16="http://schemas.microsoft.com/office/drawing/2014/main" id="{1AECD501-5A25-21CE-FBDD-4BE37023C5AC}"/>
                 </a:ext>
               </a:extLst>
             </p:cNvPr>
@@ -58562,8 +56733,9 @@
             <a:bodyPr wrap="square" lIns="0" tIns="0" rIns="0" bIns="0" rtlCol="0"/>
             <a:lstStyle/>
             <a:p>
-              <a:endParaRPr sz="1100">
-                <a:latin typeface="Times New Roman" panose="02020603050405020304" pitchFamily="18" charset="0"/>
+              <a:endParaRPr sz="1600">
+                <a:latin typeface="Cambria Math" panose="02040503050406030204" pitchFamily="18" charset="0"/>
+                <a:ea typeface="Cambria Math" panose="02040503050406030204" pitchFamily="18" charset="0"/>
                 <a:cs typeface="Times New Roman" panose="02020603050405020304" pitchFamily="18" charset="0"/>
               </a:endParaRPr>
             </a:p>
@@ -58571,10 +56743,10 @@
         </p:sp>
         <p:sp>
           <p:nvSpPr>
-            <p:cNvPr id="99" name="object 18">
+            <p:cNvPr id="72" name="object 18">
               <a:extLst>
                 <a:ext uri="{FF2B5EF4-FFF2-40B4-BE49-F238E27FC236}">
-                  <a16:creationId xmlns:a16="http://schemas.microsoft.com/office/drawing/2014/main" id="{27E36DFA-A719-9725-E425-9C65F3072C3B}"/>
+                  <a16:creationId xmlns:a16="http://schemas.microsoft.com/office/drawing/2014/main" id="{C3638386-3865-6C15-54A3-6B5A46A3BD0A}"/>
                 </a:ext>
               </a:extLst>
             </p:cNvPr>
@@ -58621,8 +56793,9 @@
             <a:bodyPr wrap="square" lIns="0" tIns="0" rIns="0" bIns="0" rtlCol="0"/>
             <a:lstStyle/>
             <a:p>
-              <a:endParaRPr sz="1100">
-                <a:latin typeface="Times New Roman" panose="02020603050405020304" pitchFamily="18" charset="0"/>
+              <a:endParaRPr sz="1600">
+                <a:latin typeface="Cambria Math" panose="02040503050406030204" pitchFamily="18" charset="0"/>
+                <a:ea typeface="Cambria Math" panose="02040503050406030204" pitchFamily="18" charset="0"/>
                 <a:cs typeface="Times New Roman" panose="02020603050405020304" pitchFamily="18" charset="0"/>
               </a:endParaRPr>
             </a:p>
@@ -58630,10 +56803,10 @@
         </p:sp>
         <p:sp>
           <p:nvSpPr>
-            <p:cNvPr id="100" name="object 19">
+            <p:cNvPr id="73" name="object 19">
               <a:extLst>
                 <a:ext uri="{FF2B5EF4-FFF2-40B4-BE49-F238E27FC236}">
-                  <a16:creationId xmlns:a16="http://schemas.microsoft.com/office/drawing/2014/main" id="{63D90D8D-FCB8-73D2-5EAE-61328D8EE56F}"/>
+                  <a16:creationId xmlns:a16="http://schemas.microsoft.com/office/drawing/2014/main" id="{CBDE29D6-046D-5551-C606-7B9F58B822C1}"/>
                 </a:ext>
               </a:extLst>
             </p:cNvPr>
@@ -58672,8 +56845,9 @@
             <a:bodyPr wrap="square" lIns="0" tIns="0" rIns="0" bIns="0" rtlCol="0"/>
             <a:lstStyle/>
             <a:p>
-              <a:endParaRPr sz="1100">
-                <a:latin typeface="Times New Roman" panose="02020603050405020304" pitchFamily="18" charset="0"/>
+              <a:endParaRPr sz="1600">
+                <a:latin typeface="Cambria Math" panose="02040503050406030204" pitchFamily="18" charset="0"/>
+                <a:ea typeface="Cambria Math" panose="02040503050406030204" pitchFamily="18" charset="0"/>
                 <a:cs typeface="Times New Roman" panose="02020603050405020304" pitchFamily="18" charset="0"/>
               </a:endParaRPr>
             </a:p>
@@ -58682,10 +56856,10 @@
       </p:grpSp>
       <p:sp>
         <p:nvSpPr>
-          <p:cNvPr id="101" name="object 20">
+          <p:cNvPr id="74" name="object 20">
             <a:extLst>
               <a:ext uri="{FF2B5EF4-FFF2-40B4-BE49-F238E27FC236}">
-                <a16:creationId xmlns:a16="http://schemas.microsoft.com/office/drawing/2014/main" id="{12686C9B-E4BF-A4E5-5B75-89FCB2B73A2F}"/>
+                <a16:creationId xmlns:a16="http://schemas.microsoft.com/office/drawing/2014/main" id="{341621AC-4A59-C81F-1A9C-232A6F3C49A4}"/>
               </a:ext>
             </a:extLst>
           </p:cNvPr>
@@ -58694,8 +56868,8 @@
         </p:nvSpPr>
         <p:spPr>
           <a:xfrm>
-            <a:off x="9896974" y="6118249"/>
-            <a:ext cx="1005976" cy="687368"/>
+            <a:off x="9829846" y="6303517"/>
+            <a:ext cx="1005976" cy="918200"/>
           </a:xfrm>
           <a:prstGeom prst="rect">
             <a:avLst/>
@@ -58713,22 +56887,25 @@
               </a:spcBef>
             </a:pPr>
             <a:r>
-              <a:rPr sz="1100" dirty="0">
-                <a:latin typeface="Times New Roman" panose="02020603050405020304" pitchFamily="18" charset="0"/>
+              <a:rPr sz="1600" dirty="0">
+                <a:latin typeface="Cambria Math" panose="02040503050406030204" pitchFamily="18" charset="0"/>
+                <a:ea typeface="Cambria Math" panose="02040503050406030204" pitchFamily="18" charset="0"/>
                 <a:cs typeface="Times New Roman" panose="02020603050405020304" pitchFamily="18" charset="0"/>
               </a:rPr>
               <a:t>&lt;</a:t>
             </a:r>
             <a:r>
-              <a:rPr sz="1100" spc="-14" dirty="0">
-                <a:latin typeface="Times New Roman" panose="02020603050405020304" pitchFamily="18" charset="0"/>
+              <a:rPr sz="1600" spc="-14" dirty="0">
+                <a:latin typeface="Cambria Math" panose="02040503050406030204" pitchFamily="18" charset="0"/>
+                <a:ea typeface="Cambria Math" panose="02040503050406030204" pitchFamily="18" charset="0"/>
                 <a:cs typeface="Times New Roman" panose="02020603050405020304" pitchFamily="18" charset="0"/>
               </a:rPr>
               <a:t> </a:t>
             </a:r>
             <a:r>
-              <a:rPr sz="1100" dirty="0">
-                <a:latin typeface="Times New Roman" panose="02020603050405020304" pitchFamily="18" charset="0"/>
+              <a:rPr sz="1600" dirty="0">
+                <a:latin typeface="Cambria Math" panose="02040503050406030204" pitchFamily="18" charset="0"/>
+                <a:ea typeface="Cambria Math" panose="02040503050406030204" pitchFamily="18" charset="0"/>
                 <a:cs typeface="Times New Roman" panose="02020603050405020304" pitchFamily="18" charset="0"/>
               </a:rPr>
               <a:t>0.2</a:t>
@@ -58741,22 +56918,25 @@
               </a:spcBef>
             </a:pPr>
             <a:r>
-              <a:rPr sz="1100" dirty="0">
-                <a:latin typeface="Times New Roman" panose="02020603050405020304" pitchFamily="18" charset="0"/>
+              <a:rPr sz="1600" dirty="0">
+                <a:latin typeface="Cambria Math" panose="02040503050406030204" pitchFamily="18" charset="0"/>
+                <a:ea typeface="Cambria Math" panose="02040503050406030204" pitchFamily="18" charset="0"/>
                 <a:cs typeface="Times New Roman" panose="02020603050405020304" pitchFamily="18" charset="0"/>
               </a:rPr>
               <a:t>0.2 −</a:t>
             </a:r>
             <a:r>
-              <a:rPr sz="1100" spc="-85" dirty="0">
-                <a:latin typeface="Times New Roman" panose="02020603050405020304" pitchFamily="18" charset="0"/>
+              <a:rPr sz="1600" spc="-85" dirty="0">
+                <a:latin typeface="Cambria Math" panose="02040503050406030204" pitchFamily="18" charset="0"/>
+                <a:ea typeface="Cambria Math" panose="02040503050406030204" pitchFamily="18" charset="0"/>
                 <a:cs typeface="Times New Roman" panose="02020603050405020304" pitchFamily="18" charset="0"/>
               </a:rPr>
               <a:t> </a:t>
             </a:r>
             <a:r>
-              <a:rPr sz="1100" dirty="0">
-                <a:latin typeface="Times New Roman" panose="02020603050405020304" pitchFamily="18" charset="0"/>
+              <a:rPr sz="1600" dirty="0">
+                <a:latin typeface="Cambria Math" panose="02040503050406030204" pitchFamily="18" charset="0"/>
+                <a:ea typeface="Cambria Math" panose="02040503050406030204" pitchFamily="18" charset="0"/>
                 <a:cs typeface="Times New Roman" panose="02020603050405020304" pitchFamily="18" charset="0"/>
               </a:rPr>
               <a:t>0.4</a:t>
@@ -58769,22 +56949,25 @@
               </a:spcBef>
             </a:pPr>
             <a:r>
-              <a:rPr sz="1100" dirty="0">
-                <a:latin typeface="Times New Roman" panose="02020603050405020304" pitchFamily="18" charset="0"/>
+              <a:rPr sz="1600" dirty="0">
+                <a:latin typeface="Cambria Math" panose="02040503050406030204" pitchFamily="18" charset="0"/>
+                <a:ea typeface="Cambria Math" panose="02040503050406030204" pitchFamily="18" charset="0"/>
                 <a:cs typeface="Times New Roman" panose="02020603050405020304" pitchFamily="18" charset="0"/>
               </a:rPr>
               <a:t>&gt;=</a:t>
             </a:r>
             <a:r>
-              <a:rPr sz="1100" spc="-20" dirty="0">
-                <a:latin typeface="Times New Roman" panose="02020603050405020304" pitchFamily="18" charset="0"/>
+              <a:rPr sz="1600" spc="-20" dirty="0">
+                <a:latin typeface="Cambria Math" panose="02040503050406030204" pitchFamily="18" charset="0"/>
+                <a:ea typeface="Cambria Math" panose="02040503050406030204" pitchFamily="18" charset="0"/>
                 <a:cs typeface="Times New Roman" panose="02020603050405020304" pitchFamily="18" charset="0"/>
               </a:rPr>
               <a:t> </a:t>
             </a:r>
             <a:r>
-              <a:rPr sz="1100" dirty="0">
-                <a:latin typeface="Times New Roman" panose="02020603050405020304" pitchFamily="18" charset="0"/>
+              <a:rPr sz="1600" dirty="0">
+                <a:latin typeface="Cambria Math" panose="02040503050406030204" pitchFamily="18" charset="0"/>
+                <a:ea typeface="Cambria Math" panose="02040503050406030204" pitchFamily="18" charset="0"/>
                 <a:cs typeface="Times New Roman" panose="02020603050405020304" pitchFamily="18" charset="0"/>
               </a:rPr>
               <a:t>0.4</a:t>
@@ -58794,10 +56977,10 @@
       </p:sp>
       <p:sp>
         <p:nvSpPr>
-          <p:cNvPr id="102" name="object 22">
+          <p:cNvPr id="75" name="object 22">
             <a:extLst>
               <a:ext uri="{FF2B5EF4-FFF2-40B4-BE49-F238E27FC236}">
-                <a16:creationId xmlns:a16="http://schemas.microsoft.com/office/drawing/2014/main" id="{FAB97FD0-C162-DBB6-F206-C9A5E0D9B55F}"/>
+                <a16:creationId xmlns:a16="http://schemas.microsoft.com/office/drawing/2014/main" id="{ABA13659-E0C5-E950-BA5E-5F3A577A6755}"/>
               </a:ext>
             </a:extLst>
           </p:cNvPr>
@@ -58806,8 +56989,8 @@
         </p:nvSpPr>
         <p:spPr>
           <a:xfrm>
-            <a:off x="9882512" y="5378848"/>
-            <a:ext cx="524419" cy="182101"/>
+            <a:off x="9795695" y="5605060"/>
+            <a:ext cx="524419" cy="259045"/>
           </a:xfrm>
           <a:prstGeom prst="rect">
             <a:avLst/>
@@ -58825,8 +57008,9 @@
               </a:spcBef>
             </a:pPr>
             <a:r>
-              <a:rPr sz="1100" dirty="0">
-                <a:latin typeface="Times New Roman" panose="02020603050405020304" pitchFamily="18" charset="0"/>
+              <a:rPr sz="1600" dirty="0">
+                <a:latin typeface="Cambria Math" panose="02040503050406030204" pitchFamily="18" charset="0"/>
+                <a:ea typeface="Cambria Math" panose="02040503050406030204" pitchFamily="18" charset="0"/>
                 <a:cs typeface="Times New Roman" panose="02020603050405020304" pitchFamily="18" charset="0"/>
               </a:rPr>
               <a:t>−0.5</a:t>
@@ -58836,10 +57020,10 @@
       </p:sp>
       <p:sp>
         <p:nvSpPr>
-          <p:cNvPr id="103" name="object 23">
+          <p:cNvPr id="76" name="object 23">
             <a:extLst>
               <a:ext uri="{FF2B5EF4-FFF2-40B4-BE49-F238E27FC236}">
-                <a16:creationId xmlns:a16="http://schemas.microsoft.com/office/drawing/2014/main" id="{6120BBBB-CB35-01FE-5D4A-D913804A32C3}"/>
+                <a16:creationId xmlns:a16="http://schemas.microsoft.com/office/drawing/2014/main" id="{3F4BF631-A820-5EA4-8D19-5BAB9BBCE75A}"/>
               </a:ext>
             </a:extLst>
           </p:cNvPr>
@@ -58848,8 +57032,8 @@
         </p:nvSpPr>
         <p:spPr>
           <a:xfrm>
-            <a:off x="9864783" y="5084586"/>
-            <a:ext cx="385369" cy="182101"/>
+            <a:off x="9795695" y="5310798"/>
+            <a:ext cx="385369" cy="259045"/>
           </a:xfrm>
           <a:prstGeom prst="rect">
             <a:avLst/>
@@ -58867,8 +57051,9 @@
               </a:spcBef>
             </a:pPr>
             <a:r>
-              <a:rPr sz="1100" dirty="0">
-                <a:latin typeface="Times New Roman" panose="02020603050405020304" pitchFamily="18" charset="0"/>
+              <a:rPr sz="1600" dirty="0">
+                <a:latin typeface="Cambria Math" panose="02040503050406030204" pitchFamily="18" charset="0"/>
+                <a:ea typeface="Cambria Math" panose="02040503050406030204" pitchFamily="18" charset="0"/>
                 <a:cs typeface="Times New Roman" panose="02020603050405020304" pitchFamily="18" charset="0"/>
               </a:rPr>
               <a:t>0.0</a:t>
@@ -58878,10 +57063,10 @@
       </p:sp>
       <p:sp>
         <p:nvSpPr>
-          <p:cNvPr id="104" name="object 24">
+          <p:cNvPr id="77" name="object 24">
             <a:extLst>
               <a:ext uri="{FF2B5EF4-FFF2-40B4-BE49-F238E27FC236}">
-                <a16:creationId xmlns:a16="http://schemas.microsoft.com/office/drawing/2014/main" id="{6DC5A00C-EBD6-0989-45B7-FCE41088ABA6}"/>
+                <a16:creationId xmlns:a16="http://schemas.microsoft.com/office/drawing/2014/main" id="{81C83A28-62B2-FCF3-3244-8C3F5633D174}"/>
               </a:ext>
             </a:extLst>
           </p:cNvPr>
@@ -58890,8 +57075,8 @@
         </p:nvSpPr>
         <p:spPr>
           <a:xfrm>
-            <a:off x="9882513" y="4748976"/>
-            <a:ext cx="385369" cy="182101"/>
+            <a:off x="9795695" y="4975188"/>
+            <a:ext cx="385369" cy="259045"/>
           </a:xfrm>
           <a:prstGeom prst="rect">
             <a:avLst/>
@@ -58909,8 +57094,9 @@
               </a:spcBef>
             </a:pPr>
             <a:r>
-              <a:rPr sz="1100" dirty="0">
-                <a:latin typeface="Times New Roman" panose="02020603050405020304" pitchFamily="18" charset="0"/>
+              <a:rPr sz="1600" dirty="0">
+                <a:latin typeface="Cambria Math" panose="02040503050406030204" pitchFamily="18" charset="0"/>
+                <a:ea typeface="Cambria Math" panose="02040503050406030204" pitchFamily="18" charset="0"/>
                 <a:cs typeface="Times New Roman" panose="02020603050405020304" pitchFamily="18" charset="0"/>
               </a:rPr>
               <a:t>0.5</a:t>
@@ -58920,10 +57106,10 @@
       </p:sp>
       <p:sp>
         <p:nvSpPr>
-          <p:cNvPr id="105" name="object 25">
+          <p:cNvPr id="78" name="object 25">
             <a:extLst>
               <a:ext uri="{FF2B5EF4-FFF2-40B4-BE49-F238E27FC236}">
-                <a16:creationId xmlns:a16="http://schemas.microsoft.com/office/drawing/2014/main" id="{ACBC9AB9-C6D9-68E2-45C6-E41487FE7161}"/>
+                <a16:creationId xmlns:a16="http://schemas.microsoft.com/office/drawing/2014/main" id="{7851D92D-F1B7-BF0C-D770-912F8BE0A026}"/>
               </a:ext>
             </a:extLst>
           </p:cNvPr>
@@ -58932,8 +57118,8 @@
         </p:nvSpPr>
         <p:spPr>
           <a:xfrm>
-            <a:off x="8921750" y="5064690"/>
-            <a:ext cx="1007725" cy="182101"/>
+            <a:off x="8464550" y="5251017"/>
+            <a:ext cx="1007725" cy="259045"/>
           </a:xfrm>
           <a:prstGeom prst="rect">
             <a:avLst/>
@@ -58962,7 +57148,10 @@
           </a:lstStyle>
           <a:p>
             <a:r>
-              <a:rPr dirty="0"/>
+              <a:rPr sz="1600" dirty="0">
+                <a:latin typeface="Cambria Math" panose="02040503050406030204" pitchFamily="18" charset="0"/>
+                <a:ea typeface="Cambria Math" panose="02040503050406030204" pitchFamily="18" charset="0"/>
+              </a:rPr>
               <a:t>Pearson's r</a:t>
             </a:r>
           </a:p>
@@ -58970,10 +57159,10 @@
       </p:sp>
       <p:grpSp>
         <p:nvGrpSpPr>
-          <p:cNvPr id="106" name="组合 105">
+          <p:cNvPr id="79" name="组合 78">
             <a:extLst>
               <a:ext uri="{FF2B5EF4-FFF2-40B4-BE49-F238E27FC236}">
-                <a16:creationId xmlns:a16="http://schemas.microsoft.com/office/drawing/2014/main" id="{D40695F3-4909-50F7-ED13-7213164B38FC}"/>
+                <a16:creationId xmlns:a16="http://schemas.microsoft.com/office/drawing/2014/main" id="{EF175767-1A7E-CA57-C157-615D291CBF56}"/>
               </a:ext>
             </a:extLst>
           </p:cNvPr>
@@ -58982,7 +57171,7 @@
         </p:nvGrpSpPr>
         <p:grpSpPr>
           <a:xfrm>
-            <a:off x="9611892" y="4881245"/>
+            <a:off x="9542804" y="5107457"/>
             <a:ext cx="219962" cy="627125"/>
             <a:chOff x="9357706" y="4987925"/>
             <a:chExt cx="219962" cy="627125"/>
@@ -58990,10 +57179,10 @@
         </p:grpSpPr>
         <p:sp>
           <p:nvSpPr>
-            <p:cNvPr id="107" name="object 26">
+            <p:cNvPr id="80" name="object 26">
               <a:extLst>
                 <a:ext uri="{FF2B5EF4-FFF2-40B4-BE49-F238E27FC236}">
-                  <a16:creationId xmlns:a16="http://schemas.microsoft.com/office/drawing/2014/main" id="{A49A192F-A9EB-A4B0-5528-8441C58C5690}"/>
+                  <a16:creationId xmlns:a16="http://schemas.microsoft.com/office/drawing/2014/main" id="{8F29EB5B-6E20-F8E3-26EF-4A4271DE839B}"/>
                 </a:ext>
               </a:extLst>
             </p:cNvPr>
@@ -59032,8 +57221,9 @@
             <a:bodyPr wrap="square" lIns="0" tIns="0" rIns="0" bIns="0" rtlCol="0"/>
             <a:lstStyle/>
             <a:p>
-              <a:endParaRPr sz="1100">
-                <a:latin typeface="Times New Roman" panose="02020603050405020304" pitchFamily="18" charset="0"/>
+              <a:endParaRPr sz="1600">
+                <a:latin typeface="Cambria Math" panose="02040503050406030204" pitchFamily="18" charset="0"/>
+                <a:ea typeface="Cambria Math" panose="02040503050406030204" pitchFamily="18" charset="0"/>
                 <a:cs typeface="Times New Roman" panose="02020603050405020304" pitchFamily="18" charset="0"/>
               </a:endParaRPr>
             </a:p>
@@ -59041,10 +57231,10 @@
         </p:sp>
         <p:sp>
           <p:nvSpPr>
-            <p:cNvPr id="108" name="object 27">
+            <p:cNvPr id="81" name="object 27">
               <a:extLst>
                 <a:ext uri="{FF2B5EF4-FFF2-40B4-BE49-F238E27FC236}">
-                  <a16:creationId xmlns:a16="http://schemas.microsoft.com/office/drawing/2014/main" id="{142CE02C-0567-6BA2-A0A9-83EC8340EEF2}"/>
+                  <a16:creationId xmlns:a16="http://schemas.microsoft.com/office/drawing/2014/main" id="{FF44913D-DE22-B5C9-DCF4-82691F9729A8}"/>
                 </a:ext>
               </a:extLst>
             </p:cNvPr>
@@ -59083,8 +57273,9 @@
             <a:bodyPr wrap="square" lIns="0" tIns="0" rIns="0" bIns="0" rtlCol="0"/>
             <a:lstStyle/>
             <a:p>
-              <a:endParaRPr sz="1100">
-                <a:latin typeface="Times New Roman" panose="02020603050405020304" pitchFamily="18" charset="0"/>
+              <a:endParaRPr sz="1600">
+                <a:latin typeface="Cambria Math" panose="02040503050406030204" pitchFamily="18" charset="0"/>
+                <a:ea typeface="Cambria Math" panose="02040503050406030204" pitchFamily="18" charset="0"/>
                 <a:cs typeface="Times New Roman" panose="02020603050405020304" pitchFamily="18" charset="0"/>
               </a:endParaRPr>
             </a:p>
@@ -59092,10 +57283,10 @@
         </p:sp>
         <p:sp>
           <p:nvSpPr>
-            <p:cNvPr id="109" name="object 28">
+            <p:cNvPr id="82" name="object 28">
               <a:extLst>
                 <a:ext uri="{FF2B5EF4-FFF2-40B4-BE49-F238E27FC236}">
-                  <a16:creationId xmlns:a16="http://schemas.microsoft.com/office/drawing/2014/main" id="{F8C6F3EF-0F17-3B58-5157-54AEA819CB5E}"/>
+                  <a16:creationId xmlns:a16="http://schemas.microsoft.com/office/drawing/2014/main" id="{D87D03C5-C27C-4C0F-3428-7901F190CFE2}"/>
                 </a:ext>
               </a:extLst>
             </p:cNvPr>
@@ -59134,8 +57325,9 @@
             <a:bodyPr wrap="square" lIns="0" tIns="0" rIns="0" bIns="0" rtlCol="0"/>
             <a:lstStyle/>
             <a:p>
-              <a:endParaRPr sz="1100">
-                <a:latin typeface="Times New Roman" panose="02020603050405020304" pitchFamily="18" charset="0"/>
+              <a:endParaRPr sz="1600">
+                <a:latin typeface="Cambria Math" panose="02040503050406030204" pitchFamily="18" charset="0"/>
+                <a:ea typeface="Cambria Math" panose="02040503050406030204" pitchFamily="18" charset="0"/>
                 <a:cs typeface="Times New Roman" panose="02020603050405020304" pitchFamily="18" charset="0"/>
               </a:endParaRPr>
             </a:p>
@@ -59143,10 +57335,10 @@
         </p:sp>
         <p:sp>
           <p:nvSpPr>
-            <p:cNvPr id="110" name="object 29">
+            <p:cNvPr id="83" name="object 29">
               <a:extLst>
                 <a:ext uri="{FF2B5EF4-FFF2-40B4-BE49-F238E27FC236}">
-                  <a16:creationId xmlns:a16="http://schemas.microsoft.com/office/drawing/2014/main" id="{4FBCAF40-4A4E-2C6E-A599-30D0B9699BE6}"/>
+                  <a16:creationId xmlns:a16="http://schemas.microsoft.com/office/drawing/2014/main" id="{2259A2F0-FFF6-ACC4-485D-E4DBDBCC29AA}"/>
                 </a:ext>
               </a:extLst>
             </p:cNvPr>
@@ -59185,8 +57377,9 @@
             <a:bodyPr wrap="square" lIns="0" tIns="0" rIns="0" bIns="0" rtlCol="0"/>
             <a:lstStyle/>
             <a:p>
-              <a:endParaRPr sz="1100">
-                <a:latin typeface="Times New Roman" panose="02020603050405020304" pitchFamily="18" charset="0"/>
+              <a:endParaRPr sz="1600">
+                <a:latin typeface="Cambria Math" panose="02040503050406030204" pitchFamily="18" charset="0"/>
+                <a:ea typeface="Cambria Math" panose="02040503050406030204" pitchFamily="18" charset="0"/>
                 <a:cs typeface="Times New Roman" panose="02020603050405020304" pitchFamily="18" charset="0"/>
               </a:endParaRPr>
             </a:p>
@@ -59194,10 +57387,10 @@
         </p:sp>
         <p:sp>
           <p:nvSpPr>
-            <p:cNvPr id="111" name="object 30">
+            <p:cNvPr id="84" name="object 30">
               <a:extLst>
                 <a:ext uri="{FF2B5EF4-FFF2-40B4-BE49-F238E27FC236}">
-                  <a16:creationId xmlns:a16="http://schemas.microsoft.com/office/drawing/2014/main" id="{39DE6138-C010-D4FD-7CA1-C95EAB917FBF}"/>
+                  <a16:creationId xmlns:a16="http://schemas.microsoft.com/office/drawing/2014/main" id="{DE85138E-5503-DD23-8351-4728A0F49320}"/>
                 </a:ext>
               </a:extLst>
             </p:cNvPr>
@@ -59236,8 +57429,9 @@
             <a:bodyPr wrap="square" lIns="0" tIns="0" rIns="0" bIns="0" rtlCol="0"/>
             <a:lstStyle/>
             <a:p>
-              <a:endParaRPr sz="1100">
-                <a:latin typeface="Times New Roman" panose="02020603050405020304" pitchFamily="18" charset="0"/>
+              <a:endParaRPr sz="1600">
+                <a:latin typeface="Cambria Math" panose="02040503050406030204" pitchFamily="18" charset="0"/>
+                <a:ea typeface="Cambria Math" panose="02040503050406030204" pitchFamily="18" charset="0"/>
                 <a:cs typeface="Times New Roman" panose="02020603050405020304" pitchFamily="18" charset="0"/>
               </a:endParaRPr>
             </a:p>
@@ -59245,10 +57439,10 @@
         </p:sp>
         <p:sp>
           <p:nvSpPr>
-            <p:cNvPr id="112" name="object 31">
+            <p:cNvPr id="85" name="object 31">
               <a:extLst>
                 <a:ext uri="{FF2B5EF4-FFF2-40B4-BE49-F238E27FC236}">
-                  <a16:creationId xmlns:a16="http://schemas.microsoft.com/office/drawing/2014/main" id="{B19FE12A-C124-9D7C-87B9-B6CA5E32705E}"/>
+                  <a16:creationId xmlns:a16="http://schemas.microsoft.com/office/drawing/2014/main" id="{FE3ACCDE-A5CB-13E3-8395-0643DC11EF9D}"/>
                 </a:ext>
               </a:extLst>
             </p:cNvPr>
@@ -59287,8 +57481,9 @@
             <a:bodyPr wrap="square" lIns="0" tIns="0" rIns="0" bIns="0" rtlCol="0"/>
             <a:lstStyle/>
             <a:p>
-              <a:endParaRPr sz="1100">
-                <a:latin typeface="Times New Roman" panose="02020603050405020304" pitchFamily="18" charset="0"/>
+              <a:endParaRPr sz="1600">
+                <a:latin typeface="Cambria Math" panose="02040503050406030204" pitchFamily="18" charset="0"/>
+                <a:ea typeface="Cambria Math" panose="02040503050406030204" pitchFamily="18" charset="0"/>
                 <a:cs typeface="Times New Roman" panose="02020603050405020304" pitchFamily="18" charset="0"/>
               </a:endParaRPr>
             </a:p>
@@ -59297,10 +57492,10 @@
       </p:grpSp>
       <p:sp>
         <p:nvSpPr>
-          <p:cNvPr id="113" name="矩形 112">
+          <p:cNvPr id="86" name="矩形 85">
             <a:extLst>
               <a:ext uri="{FF2B5EF4-FFF2-40B4-BE49-F238E27FC236}">
-                <a16:creationId xmlns:a16="http://schemas.microsoft.com/office/drawing/2014/main" id="{C6EA5801-6F11-9278-5D3C-2CB8EEF579F3}"/>
+                <a16:creationId xmlns:a16="http://schemas.microsoft.com/office/drawing/2014/main" id="{5F06B840-C834-9A5F-C3F0-C15D959C95C5}"/>
               </a:ext>
             </a:extLst>
           </p:cNvPr>
@@ -59309,7 +57504,7 @@
         </p:nvSpPr>
         <p:spPr>
           <a:xfrm>
-            <a:off x="9611892" y="4542638"/>
+            <a:off x="9542804" y="4768850"/>
             <a:ext cx="218964" cy="1219293"/>
           </a:xfrm>
           <a:prstGeom prst="rect">
@@ -59359,10 +57554,1896 @@
           <a:lstStyle/>
           <a:p>
             <a:pPr algn="ctr"/>
-            <a:endParaRPr lang="zh-CN" altLang="en-US"/>
-          </a:p>
-        </p:txBody>
-      </p:sp>
+            <a:endParaRPr lang="zh-CN" altLang="en-US" sz="1600">
+              <a:latin typeface="Cambria Math" panose="02040503050406030204" pitchFamily="18" charset="0"/>
+              <a:cs typeface="Times New Roman" panose="02020603050405020304" pitchFamily="18" charset="0"/>
+            </a:endParaRPr>
+          </a:p>
+        </p:txBody>
+      </p:sp>
+      <p:sp>
+        <p:nvSpPr>
+          <p:cNvPr id="87" name="文本框 86">
+            <a:extLst>
+              <a:ext uri="{FF2B5EF4-FFF2-40B4-BE49-F238E27FC236}">
+                <a16:creationId xmlns:a16="http://schemas.microsoft.com/office/drawing/2014/main" id="{07B06CD3-91EC-DDE5-F791-0999A2E83766}"/>
+              </a:ext>
+            </a:extLst>
+          </p:cNvPr>
+          <p:cNvSpPr txBox="1"/>
+          <p:nvPr/>
+        </p:nvSpPr>
+        <p:spPr>
+          <a:xfrm>
+            <a:off x="1835156" y="2949013"/>
+            <a:ext cx="727610" cy="259045"/>
+          </a:xfrm>
+          <a:prstGeom prst="rect">
+            <a:avLst/>
+          </a:prstGeom>
+        </p:spPr>
+        <p:txBody>
+          <a:bodyPr vert="horz" wrap="square" lIns="0" tIns="12700" rIns="0" bIns="0" rtlCol="0">
+            <a:spAutoFit/>
+          </a:bodyPr>
+          <a:lstStyle>
+            <a:defPPr>
+              <a:defRPr lang="zh-CN"/>
+            </a:defPPr>
+            <a:lvl1pPr marL="12700">
+              <a:lnSpc>
+                <a:spcPct val="100000"/>
+              </a:lnSpc>
+              <a:spcBef>
+                <a:spcPts val="100"/>
+              </a:spcBef>
+              <a:defRPr sz="1100" i="1">
+                <a:latin typeface="Times New Roman" panose="02020603050405020304" pitchFamily="18" charset="0"/>
+                <a:cs typeface="Times New Roman" panose="02020603050405020304" pitchFamily="18" charset="0"/>
+              </a:defRPr>
+            </a:lvl1pPr>
+          </a:lstStyle>
+          <a:p>
+            <a:pPr algn="r"/>
+            <a:r>
+              <a:rPr lang="en-US" altLang="zh-CN" sz="1600" i="0" dirty="0">
+                <a:latin typeface="Cambria Math" panose="02040503050406030204" pitchFamily="18" charset="0"/>
+                <a:ea typeface="Cambria Math" panose="02040503050406030204" pitchFamily="18" charset="0"/>
+              </a:rPr>
+              <a:t>Ⅱ-Area</a:t>
+            </a:r>
+            <a:endParaRPr lang="zh-CN" altLang="en-US" sz="1600" i="0" dirty="0">
+              <a:latin typeface="Cambria Math" panose="02040503050406030204" pitchFamily="18" charset="0"/>
+            </a:endParaRPr>
+          </a:p>
+        </p:txBody>
+      </p:sp>
+      <p:sp>
+        <p:nvSpPr>
+          <p:cNvPr id="88" name="文本框 87">
+            <a:extLst>
+              <a:ext uri="{FF2B5EF4-FFF2-40B4-BE49-F238E27FC236}">
+                <a16:creationId xmlns:a16="http://schemas.microsoft.com/office/drawing/2014/main" id="{B5A46D4A-E8CC-D5A6-09C7-A4CB67054434}"/>
+              </a:ext>
+            </a:extLst>
+          </p:cNvPr>
+          <p:cNvSpPr txBox="1"/>
+          <p:nvPr/>
+        </p:nvSpPr>
+        <p:spPr>
+          <a:xfrm>
+            <a:off x="1835156" y="3169648"/>
+            <a:ext cx="727610" cy="259045"/>
+          </a:xfrm>
+          <a:prstGeom prst="rect">
+            <a:avLst/>
+          </a:prstGeom>
+        </p:spPr>
+        <p:txBody>
+          <a:bodyPr vert="horz" wrap="square" lIns="0" tIns="12700" rIns="0" bIns="0" rtlCol="0">
+            <a:spAutoFit/>
+          </a:bodyPr>
+          <a:lstStyle>
+            <a:defPPr>
+              <a:defRPr lang="zh-CN"/>
+            </a:defPPr>
+            <a:lvl1pPr marL="12700">
+              <a:lnSpc>
+                <a:spcPct val="100000"/>
+              </a:lnSpc>
+              <a:spcBef>
+                <a:spcPts val="100"/>
+              </a:spcBef>
+              <a:defRPr sz="1100" i="1">
+                <a:latin typeface="Times New Roman" panose="02020603050405020304" pitchFamily="18" charset="0"/>
+                <a:cs typeface="Times New Roman" panose="02020603050405020304" pitchFamily="18" charset="0"/>
+              </a:defRPr>
+            </a:lvl1pPr>
+          </a:lstStyle>
+          <a:p>
+            <a:pPr algn="r"/>
+            <a:r>
+              <a:rPr lang="en-US" altLang="zh-CN" sz="1600" i="0" dirty="0">
+                <a:latin typeface="Cambria Math" panose="02040503050406030204" pitchFamily="18" charset="0"/>
+                <a:ea typeface="Cambria Math" panose="02040503050406030204" pitchFamily="18" charset="0"/>
+              </a:rPr>
+              <a:t>Ⅲ-Area</a:t>
+            </a:r>
+            <a:endParaRPr lang="zh-CN" altLang="en-US" sz="1600" i="0" dirty="0">
+              <a:latin typeface="Cambria Math" panose="02040503050406030204" pitchFamily="18" charset="0"/>
+            </a:endParaRPr>
+          </a:p>
+        </p:txBody>
+      </p:sp>
+      <p:sp>
+        <p:nvSpPr>
+          <p:cNvPr id="89" name="文本框 88">
+            <a:extLst>
+              <a:ext uri="{FF2B5EF4-FFF2-40B4-BE49-F238E27FC236}">
+                <a16:creationId xmlns:a16="http://schemas.microsoft.com/office/drawing/2014/main" id="{17742867-91B7-445A-A67D-23B7D5DD3BE2}"/>
+              </a:ext>
+            </a:extLst>
+          </p:cNvPr>
+          <p:cNvSpPr txBox="1"/>
+          <p:nvPr/>
+        </p:nvSpPr>
+        <p:spPr>
+          <a:xfrm>
+            <a:off x="1835156" y="3414050"/>
+            <a:ext cx="727610" cy="259045"/>
+          </a:xfrm>
+          <a:prstGeom prst="rect">
+            <a:avLst/>
+          </a:prstGeom>
+        </p:spPr>
+        <p:txBody>
+          <a:bodyPr vert="horz" wrap="square" lIns="0" tIns="12700" rIns="0" bIns="0" rtlCol="0">
+            <a:spAutoFit/>
+          </a:bodyPr>
+          <a:lstStyle>
+            <a:defPPr>
+              <a:defRPr lang="zh-CN"/>
+            </a:defPPr>
+            <a:lvl1pPr marL="12700">
+              <a:lnSpc>
+                <a:spcPct val="100000"/>
+              </a:lnSpc>
+              <a:spcBef>
+                <a:spcPts val="100"/>
+              </a:spcBef>
+              <a:defRPr sz="1100" i="1">
+                <a:latin typeface="Times New Roman" panose="02020603050405020304" pitchFamily="18" charset="0"/>
+                <a:cs typeface="Times New Roman" panose="02020603050405020304" pitchFamily="18" charset="0"/>
+              </a:defRPr>
+            </a:lvl1pPr>
+          </a:lstStyle>
+          <a:p>
+            <a:pPr algn="r"/>
+            <a:r>
+              <a:rPr lang="en-US" altLang="zh-CN" sz="1600" i="0" dirty="0">
+                <a:latin typeface="Cambria Math" panose="02040503050406030204" pitchFamily="18" charset="0"/>
+                <a:ea typeface="Cambria Math" panose="02040503050406030204" pitchFamily="18" charset="0"/>
+              </a:rPr>
+              <a:t>Ⅳ-Area</a:t>
+            </a:r>
+            <a:endParaRPr lang="zh-CN" altLang="en-US" sz="1600" i="0" dirty="0">
+              <a:latin typeface="Cambria Math" panose="02040503050406030204" pitchFamily="18" charset="0"/>
+            </a:endParaRPr>
+          </a:p>
+        </p:txBody>
+      </p:sp>
+      <p:sp>
+        <p:nvSpPr>
+          <p:cNvPr id="90" name="文本框 89">
+            <a:extLst>
+              <a:ext uri="{FF2B5EF4-FFF2-40B4-BE49-F238E27FC236}">
+                <a16:creationId xmlns:a16="http://schemas.microsoft.com/office/drawing/2014/main" id="{18D0F7E9-8BD5-C26E-F886-2A0AF8B09712}"/>
+              </a:ext>
+            </a:extLst>
+          </p:cNvPr>
+          <p:cNvSpPr txBox="1"/>
+          <p:nvPr/>
+        </p:nvSpPr>
+        <p:spPr>
+          <a:xfrm>
+            <a:off x="1835156" y="3645401"/>
+            <a:ext cx="727610" cy="259045"/>
+          </a:xfrm>
+          <a:prstGeom prst="rect">
+            <a:avLst/>
+          </a:prstGeom>
+        </p:spPr>
+        <p:txBody>
+          <a:bodyPr vert="horz" wrap="square" lIns="0" tIns="12700" rIns="0" bIns="0" rtlCol="0">
+            <a:spAutoFit/>
+          </a:bodyPr>
+          <a:lstStyle>
+            <a:defPPr>
+              <a:defRPr lang="zh-CN"/>
+            </a:defPPr>
+            <a:lvl1pPr marL="12700">
+              <a:lnSpc>
+                <a:spcPct val="100000"/>
+              </a:lnSpc>
+              <a:spcBef>
+                <a:spcPts val="100"/>
+              </a:spcBef>
+              <a:defRPr sz="1100" i="1">
+                <a:latin typeface="Times New Roman" panose="02020603050405020304" pitchFamily="18" charset="0"/>
+                <a:cs typeface="Times New Roman" panose="02020603050405020304" pitchFamily="18" charset="0"/>
+              </a:defRPr>
+            </a:lvl1pPr>
+          </a:lstStyle>
+          <a:p>
+            <a:pPr algn="r"/>
+            <a:r>
+              <a:rPr lang="en-US" altLang="zh-CN" sz="1600" i="0" dirty="0">
+                <a:latin typeface="Cambria Math" panose="02040503050406030204" pitchFamily="18" charset="0"/>
+                <a:ea typeface="Cambria Math" panose="02040503050406030204" pitchFamily="18" charset="0"/>
+              </a:rPr>
+              <a:t>Ⅴ-Area</a:t>
+            </a:r>
+            <a:endParaRPr lang="zh-CN" altLang="en-US" sz="1600" i="0" dirty="0">
+              <a:latin typeface="Cambria Math" panose="02040503050406030204" pitchFamily="18" charset="0"/>
+            </a:endParaRPr>
+          </a:p>
+        </p:txBody>
+      </p:sp>
+      <p:grpSp>
+        <p:nvGrpSpPr>
+          <p:cNvPr id="91" name="组合 90">
+            <a:extLst>
+              <a:ext uri="{FF2B5EF4-FFF2-40B4-BE49-F238E27FC236}">
+                <a16:creationId xmlns:a16="http://schemas.microsoft.com/office/drawing/2014/main" id="{A0B2FD46-126B-B4D8-C1E0-D7FFF0F359FE}"/>
+              </a:ext>
+            </a:extLst>
+          </p:cNvPr>
+          <p:cNvGrpSpPr/>
+          <p:nvPr/>
+        </p:nvGrpSpPr>
+        <p:grpSpPr>
+          <a:xfrm rot="16200000">
+            <a:off x="4586784" y="3793509"/>
+            <a:ext cx="1355452" cy="5349009"/>
+            <a:chOff x="3989524" y="546074"/>
+            <a:chExt cx="1355452" cy="5349009"/>
+          </a:xfrm>
+        </p:grpSpPr>
+        <p:sp>
+          <p:nvSpPr>
+            <p:cNvPr id="92" name="文本框 91">
+              <a:extLst>
+                <a:ext uri="{FF2B5EF4-FFF2-40B4-BE49-F238E27FC236}">
+                  <a16:creationId xmlns:a16="http://schemas.microsoft.com/office/drawing/2014/main" id="{3084D2A1-72C0-DF45-6C7E-F63EE5C48CAE}"/>
+                </a:ext>
+              </a:extLst>
+            </p:cNvPr>
+            <p:cNvSpPr txBox="1"/>
+            <p:nvPr/>
+          </p:nvSpPr>
+          <p:spPr>
+            <a:xfrm>
+              <a:off x="5030316" y="546074"/>
+              <a:ext cx="285455" cy="259045"/>
+            </a:xfrm>
+            <a:prstGeom prst="rect">
+              <a:avLst/>
+            </a:prstGeom>
+          </p:spPr>
+          <p:txBody>
+            <a:bodyPr vert="horz" wrap="square" lIns="0" tIns="12700" rIns="0" bIns="0" rtlCol="0">
+              <a:spAutoFit/>
+            </a:bodyPr>
+            <a:lstStyle>
+              <a:defPPr>
+                <a:defRPr lang="zh-CN"/>
+              </a:defPPr>
+              <a:lvl1pPr marL="12700">
+                <a:lnSpc>
+                  <a:spcPct val="100000"/>
+                </a:lnSpc>
+                <a:spcBef>
+                  <a:spcPts val="100"/>
+                </a:spcBef>
+                <a:defRPr sz="1100" i="1">
+                  <a:latin typeface="Times New Roman" panose="02020603050405020304" pitchFamily="18" charset="0"/>
+                  <a:cs typeface="Times New Roman" panose="02020603050405020304" pitchFamily="18" charset="0"/>
+                </a:defRPr>
+              </a:lvl1pPr>
+            </a:lstStyle>
+            <a:p>
+              <a:pPr/>
+              <a:r>
+                <a:rPr lang="en-US" altLang="zh-CN" sz="1600" i="0" dirty="0">
+                  <a:latin typeface="Cambria Math" panose="02040503050406030204" pitchFamily="18" charset="0"/>
+                  <a:ea typeface="Cambria Math" panose="02040503050406030204" pitchFamily="18" charset="0"/>
+                </a:rPr>
+                <a:t>TN</a:t>
+              </a:r>
+              <a:endParaRPr lang="zh-CN" altLang="en-US" sz="1600" i="0" dirty="0">
+                <a:latin typeface="Cambria Math" panose="02040503050406030204" pitchFamily="18" charset="0"/>
+              </a:endParaRPr>
+            </a:p>
+          </p:txBody>
+        </p:sp>
+        <p:sp>
+          <p:nvSpPr>
+            <p:cNvPr id="93" name="文本框 92">
+              <a:extLst>
+                <a:ext uri="{FF2B5EF4-FFF2-40B4-BE49-F238E27FC236}">
+                  <a16:creationId xmlns:a16="http://schemas.microsoft.com/office/drawing/2014/main" id="{7F4E946C-569D-B3C5-10E2-D7FDDF8C6595}"/>
+                </a:ext>
+              </a:extLst>
+            </p:cNvPr>
+            <p:cNvSpPr txBox="1"/>
+            <p:nvPr/>
+          </p:nvSpPr>
+          <p:spPr>
+            <a:xfrm>
+              <a:off x="5059521" y="780871"/>
+              <a:ext cx="285455" cy="259045"/>
+            </a:xfrm>
+            <a:prstGeom prst="rect">
+              <a:avLst/>
+            </a:prstGeom>
+          </p:spPr>
+          <p:txBody>
+            <a:bodyPr vert="horz" wrap="square" lIns="0" tIns="12700" rIns="0" bIns="0" rtlCol="0">
+              <a:spAutoFit/>
+            </a:bodyPr>
+            <a:lstStyle>
+              <a:defPPr>
+                <a:defRPr lang="zh-CN"/>
+              </a:defPPr>
+              <a:lvl1pPr marL="12700">
+                <a:lnSpc>
+                  <a:spcPct val="100000"/>
+                </a:lnSpc>
+                <a:spcBef>
+                  <a:spcPts val="100"/>
+                </a:spcBef>
+                <a:defRPr sz="1100" i="1">
+                  <a:latin typeface="Times New Roman" panose="02020603050405020304" pitchFamily="18" charset="0"/>
+                  <a:cs typeface="Times New Roman" panose="02020603050405020304" pitchFamily="18" charset="0"/>
+                </a:defRPr>
+              </a:lvl1pPr>
+            </a:lstStyle>
+            <a:p>
+              <a:r>
+                <a:rPr lang="en-US" altLang="zh-CN" sz="1600" i="0" dirty="0">
+                  <a:latin typeface="Cambria Math" panose="02040503050406030204" pitchFamily="18" charset="0"/>
+                  <a:ea typeface="Cambria Math" panose="02040503050406030204" pitchFamily="18" charset="0"/>
+                </a:rPr>
+                <a:t>TP</a:t>
+              </a:r>
+              <a:endParaRPr lang="zh-CN" altLang="en-US" sz="1600" i="0" dirty="0">
+                <a:latin typeface="Cambria Math" panose="02040503050406030204" pitchFamily="18" charset="0"/>
+              </a:endParaRPr>
+            </a:p>
+          </p:txBody>
+        </p:sp>
+        <p:sp>
+          <p:nvSpPr>
+            <p:cNvPr id="94" name="文本框 93">
+              <a:extLst>
+                <a:ext uri="{FF2B5EF4-FFF2-40B4-BE49-F238E27FC236}">
+                  <a16:creationId xmlns:a16="http://schemas.microsoft.com/office/drawing/2014/main" id="{41424108-8346-DF74-4F91-C7D77934DF01}"/>
+                </a:ext>
+              </a:extLst>
+            </p:cNvPr>
+            <p:cNvSpPr txBox="1"/>
+            <p:nvPr/>
+          </p:nvSpPr>
+          <p:spPr>
+            <a:xfrm>
+              <a:off x="5016940" y="969915"/>
+              <a:ext cx="302233" cy="259045"/>
+            </a:xfrm>
+            <a:prstGeom prst="rect">
+              <a:avLst/>
+            </a:prstGeom>
+          </p:spPr>
+          <p:txBody>
+            <a:bodyPr vert="horz" wrap="square" lIns="0" tIns="12700" rIns="0" bIns="0" rtlCol="0">
+              <a:spAutoFit/>
+            </a:bodyPr>
+            <a:lstStyle>
+              <a:defPPr>
+                <a:defRPr lang="zh-CN"/>
+              </a:defPPr>
+              <a:lvl1pPr marL="12700">
+                <a:lnSpc>
+                  <a:spcPct val="100000"/>
+                </a:lnSpc>
+                <a:spcBef>
+                  <a:spcPts val="100"/>
+                </a:spcBef>
+                <a:defRPr sz="1100" i="1">
+                  <a:latin typeface="Times New Roman" panose="02020603050405020304" pitchFamily="18" charset="0"/>
+                  <a:cs typeface="Times New Roman" panose="02020603050405020304" pitchFamily="18" charset="0"/>
+                </a:defRPr>
+              </a:lvl1pPr>
+            </a:lstStyle>
+            <a:p>
+              <a:pPr algn="r"/>
+              <a:r>
+                <a:rPr lang="en-US" altLang="zh-CN" sz="1600" i="0" dirty="0">
+                  <a:latin typeface="Cambria Math" panose="02040503050406030204" pitchFamily="18" charset="0"/>
+                  <a:ea typeface="Cambria Math" panose="02040503050406030204" pitchFamily="18" charset="0"/>
+                </a:rPr>
+                <a:t>d</a:t>
+              </a:r>
+              <a:r>
+                <a:rPr lang="en-US" altLang="zh-CN" sz="1600" i="0" baseline="-25000" dirty="0">
+                  <a:latin typeface="Cambria Math" panose="02040503050406030204" pitchFamily="18" charset="0"/>
+                  <a:ea typeface="Cambria Math" panose="02040503050406030204" pitchFamily="18" charset="0"/>
+                </a:rPr>
+                <a:t>0.1</a:t>
+              </a:r>
+              <a:endParaRPr lang="zh-CN" altLang="en-US" sz="1600" i="0" dirty="0">
+                <a:latin typeface="Cambria Math" panose="02040503050406030204" pitchFamily="18" charset="0"/>
+              </a:endParaRPr>
+            </a:p>
+          </p:txBody>
+        </p:sp>
+        <p:sp>
+          <p:nvSpPr>
+            <p:cNvPr id="95" name="文本框 94">
+              <a:extLst>
+                <a:ext uri="{FF2B5EF4-FFF2-40B4-BE49-F238E27FC236}">
+                  <a16:creationId xmlns:a16="http://schemas.microsoft.com/office/drawing/2014/main" id="{B7AE0DB1-3D79-93FC-BD81-5D5A1603B814}"/>
+                </a:ext>
+              </a:extLst>
+            </p:cNvPr>
+            <p:cNvSpPr txBox="1"/>
+            <p:nvPr/>
+          </p:nvSpPr>
+          <p:spPr>
+            <a:xfrm>
+              <a:off x="4424475" y="1197118"/>
+              <a:ext cx="884646" cy="259045"/>
+            </a:xfrm>
+            <a:prstGeom prst="rect">
+              <a:avLst/>
+            </a:prstGeom>
+          </p:spPr>
+          <p:txBody>
+            <a:bodyPr vert="horz" wrap="square" lIns="0" tIns="12700" rIns="0" bIns="0" rtlCol="0">
+              <a:spAutoFit/>
+            </a:bodyPr>
+            <a:lstStyle>
+              <a:defPPr>
+                <a:defRPr lang="zh-CN"/>
+              </a:defPPr>
+              <a:lvl1pPr marL="12700">
+                <a:lnSpc>
+                  <a:spcPct val="100000"/>
+                </a:lnSpc>
+                <a:spcBef>
+                  <a:spcPts val="100"/>
+                </a:spcBef>
+                <a:defRPr sz="1100" i="1">
+                  <a:latin typeface="Times New Roman" panose="02020603050405020304" pitchFamily="18" charset="0"/>
+                  <a:cs typeface="Times New Roman" panose="02020603050405020304" pitchFamily="18" charset="0"/>
+                </a:defRPr>
+              </a:lvl1pPr>
+            </a:lstStyle>
+            <a:p>
+              <a:pPr algn="r"/>
+              <a:r>
+                <a:rPr lang="en-US" altLang="zh-CN" sz="1600" i="0" dirty="0">
+                  <a:latin typeface="Cambria Math" panose="02040503050406030204" pitchFamily="18" charset="0"/>
+                  <a:ea typeface="Cambria Math" panose="02040503050406030204" pitchFamily="18" charset="0"/>
+                </a:rPr>
+                <a:t>d</a:t>
+              </a:r>
+              <a:r>
+                <a:rPr lang="en-US" altLang="zh-CN" sz="1600" i="0" baseline="-25000" dirty="0">
+                  <a:latin typeface="Cambria Math" panose="02040503050406030204" pitchFamily="18" charset="0"/>
+                  <a:ea typeface="Cambria Math" panose="02040503050406030204" pitchFamily="18" charset="0"/>
+                </a:rPr>
+                <a:t>0.5</a:t>
+              </a:r>
+              <a:endParaRPr lang="zh-CN" altLang="en-US" sz="1600" i="0" dirty="0">
+                <a:latin typeface="Cambria Math" panose="02040503050406030204" pitchFamily="18" charset="0"/>
+              </a:endParaRPr>
+            </a:p>
+          </p:txBody>
+        </p:sp>
+        <p:sp>
+          <p:nvSpPr>
+            <p:cNvPr id="96" name="文本框 95">
+              <a:extLst>
+                <a:ext uri="{FF2B5EF4-FFF2-40B4-BE49-F238E27FC236}">
+                  <a16:creationId xmlns:a16="http://schemas.microsoft.com/office/drawing/2014/main" id="{60AD3BDA-7D0E-1436-416E-69657040631A}"/>
+                </a:ext>
+              </a:extLst>
+            </p:cNvPr>
+            <p:cNvSpPr txBox="1"/>
+            <p:nvPr/>
+          </p:nvSpPr>
+          <p:spPr>
+            <a:xfrm>
+              <a:off x="4421247" y="1434151"/>
+              <a:ext cx="884646" cy="259045"/>
+            </a:xfrm>
+            <a:prstGeom prst="rect">
+              <a:avLst/>
+            </a:prstGeom>
+          </p:spPr>
+          <p:txBody>
+            <a:bodyPr vert="horz" wrap="square" lIns="0" tIns="12700" rIns="0" bIns="0" rtlCol="0">
+              <a:spAutoFit/>
+            </a:bodyPr>
+            <a:lstStyle>
+              <a:defPPr>
+                <a:defRPr lang="zh-CN"/>
+              </a:defPPr>
+              <a:lvl1pPr marL="12700">
+                <a:lnSpc>
+                  <a:spcPct val="100000"/>
+                </a:lnSpc>
+                <a:spcBef>
+                  <a:spcPts val="100"/>
+                </a:spcBef>
+                <a:defRPr sz="1100" i="1">
+                  <a:latin typeface="Times New Roman" panose="02020603050405020304" pitchFamily="18" charset="0"/>
+                  <a:cs typeface="Times New Roman" panose="02020603050405020304" pitchFamily="18" charset="0"/>
+                </a:defRPr>
+              </a:lvl1pPr>
+            </a:lstStyle>
+            <a:p>
+              <a:pPr algn="r"/>
+              <a:r>
+                <a:rPr lang="en-US" altLang="zh-CN" sz="1600" i="0" dirty="0">
+                  <a:latin typeface="Cambria Math" panose="02040503050406030204" pitchFamily="18" charset="0"/>
+                  <a:ea typeface="Cambria Math" panose="02040503050406030204" pitchFamily="18" charset="0"/>
+                </a:rPr>
+                <a:t>d</a:t>
+              </a:r>
+              <a:r>
+                <a:rPr lang="en-US" altLang="zh-CN" sz="1600" i="0" baseline="-25000" dirty="0">
+                  <a:latin typeface="Cambria Math" panose="02040503050406030204" pitchFamily="18" charset="0"/>
+                  <a:ea typeface="Cambria Math" panose="02040503050406030204" pitchFamily="18" charset="0"/>
+                </a:rPr>
+                <a:t>0.9</a:t>
+              </a:r>
+              <a:endParaRPr lang="zh-CN" altLang="en-US" sz="1600" i="0" dirty="0">
+                <a:latin typeface="Cambria Math" panose="02040503050406030204" pitchFamily="18" charset="0"/>
+              </a:endParaRPr>
+            </a:p>
+          </p:txBody>
+        </p:sp>
+        <p:sp>
+          <p:nvSpPr>
+            <p:cNvPr id="97" name="文本框 96">
+              <a:extLst>
+                <a:ext uri="{FF2B5EF4-FFF2-40B4-BE49-F238E27FC236}">
+                  <a16:creationId xmlns:a16="http://schemas.microsoft.com/office/drawing/2014/main" id="{A272CB4C-7424-793B-0AC5-342A8DA879C8}"/>
+                </a:ext>
+              </a:extLst>
+            </p:cNvPr>
+            <p:cNvSpPr txBox="1"/>
+            <p:nvPr/>
+          </p:nvSpPr>
+          <p:spPr>
+            <a:xfrm>
+              <a:off x="3989524" y="1677541"/>
+              <a:ext cx="1348777" cy="259045"/>
+            </a:xfrm>
+            <a:prstGeom prst="rect">
+              <a:avLst/>
+            </a:prstGeom>
+          </p:spPr>
+          <p:txBody>
+            <a:bodyPr vert="horz" wrap="square" lIns="0" tIns="12700" rIns="0" bIns="0" rtlCol="0">
+              <a:spAutoFit/>
+            </a:bodyPr>
+            <a:lstStyle>
+              <a:defPPr>
+                <a:defRPr lang="zh-CN"/>
+              </a:defPPr>
+              <a:lvl1pPr marL="12700">
+                <a:lnSpc>
+                  <a:spcPct val="100000"/>
+                </a:lnSpc>
+                <a:spcBef>
+                  <a:spcPts val="100"/>
+                </a:spcBef>
+                <a:defRPr sz="1100" i="1">
+                  <a:latin typeface="Times New Roman" panose="02020603050405020304" pitchFamily="18" charset="0"/>
+                  <a:cs typeface="Times New Roman" panose="02020603050405020304" pitchFamily="18" charset="0"/>
+                </a:defRPr>
+              </a:lvl1pPr>
+            </a:lstStyle>
+            <a:p>
+              <a:pPr algn="r"/>
+              <a:r>
+                <a:rPr lang="en-US" altLang="zh-CN" sz="1600" i="0" dirty="0">
+                  <a:latin typeface="Cambria Math" panose="02040503050406030204" pitchFamily="18" charset="0"/>
+                  <a:ea typeface="Cambria Math" panose="02040503050406030204" pitchFamily="18" charset="0"/>
+                </a:rPr>
+                <a:t>(d</a:t>
+              </a:r>
+              <a:r>
+                <a:rPr lang="en-US" altLang="zh-CN" sz="1600" i="0" baseline="-25000" dirty="0">
+                  <a:latin typeface="Cambria Math" panose="02040503050406030204" pitchFamily="18" charset="0"/>
+                  <a:ea typeface="Cambria Math" panose="02040503050406030204" pitchFamily="18" charset="0"/>
+                </a:rPr>
+                <a:t>0.9</a:t>
+              </a:r>
+              <a:r>
+                <a:rPr lang="en-US" altLang="zh-CN" sz="1600" i="0" dirty="0">
+                  <a:latin typeface="Cambria Math" panose="02040503050406030204" pitchFamily="18" charset="0"/>
+                  <a:ea typeface="Cambria Math" panose="02040503050406030204" pitchFamily="18" charset="0"/>
+                </a:rPr>
+                <a:t>-d</a:t>
+              </a:r>
+              <a:r>
+                <a:rPr lang="en-US" altLang="zh-CN" sz="1600" i="0" baseline="-25000" dirty="0">
+                  <a:latin typeface="Cambria Math" panose="02040503050406030204" pitchFamily="18" charset="0"/>
+                  <a:ea typeface="Cambria Math" panose="02040503050406030204" pitchFamily="18" charset="0"/>
+                </a:rPr>
+                <a:t>0.1</a:t>
+              </a:r>
+              <a:r>
+                <a:rPr lang="en-US" altLang="zh-CN" sz="1600" i="0" dirty="0">
+                  <a:latin typeface="Cambria Math" panose="02040503050406030204" pitchFamily="18" charset="0"/>
+                  <a:ea typeface="Cambria Math" panose="02040503050406030204" pitchFamily="18" charset="0"/>
+                </a:rPr>
+                <a:t>)/d</a:t>
+              </a:r>
+              <a:r>
+                <a:rPr lang="en-US" altLang="zh-CN" sz="1600" i="0" baseline="-25000" dirty="0">
+                  <a:latin typeface="Cambria Math" panose="02040503050406030204" pitchFamily="18" charset="0"/>
+                  <a:ea typeface="Cambria Math" panose="02040503050406030204" pitchFamily="18" charset="0"/>
+                </a:rPr>
+                <a:t>0.5</a:t>
+              </a:r>
+              <a:endParaRPr lang="zh-CN" altLang="en-US" sz="1600" i="0" dirty="0">
+                <a:latin typeface="Cambria Math" panose="02040503050406030204" pitchFamily="18" charset="0"/>
+              </a:endParaRPr>
+            </a:p>
+          </p:txBody>
+        </p:sp>
+        <p:sp>
+          <p:nvSpPr>
+            <p:cNvPr id="98" name="文本框 97">
+              <a:extLst>
+                <a:ext uri="{FF2B5EF4-FFF2-40B4-BE49-F238E27FC236}">
+                  <a16:creationId xmlns:a16="http://schemas.microsoft.com/office/drawing/2014/main" id="{7734C39D-BB4D-4FCA-8AE7-69205C393E48}"/>
+                </a:ext>
+              </a:extLst>
+            </p:cNvPr>
+            <p:cNvSpPr txBox="1"/>
+            <p:nvPr/>
+          </p:nvSpPr>
+          <p:spPr>
+            <a:xfrm>
+              <a:off x="4992708" y="1943216"/>
+              <a:ext cx="317151" cy="259045"/>
+            </a:xfrm>
+            <a:prstGeom prst="rect">
+              <a:avLst/>
+            </a:prstGeom>
+          </p:spPr>
+          <p:txBody>
+            <a:bodyPr vert="horz" wrap="square" lIns="0" tIns="12700" rIns="0" bIns="0" rtlCol="0">
+              <a:spAutoFit/>
+            </a:bodyPr>
+            <a:lstStyle>
+              <a:defPPr>
+                <a:defRPr lang="zh-CN"/>
+              </a:defPPr>
+              <a:lvl1pPr marL="12700">
+                <a:lnSpc>
+                  <a:spcPct val="100000"/>
+                </a:lnSpc>
+                <a:spcBef>
+                  <a:spcPts val="100"/>
+                </a:spcBef>
+                <a:defRPr sz="1100" i="1">
+                  <a:latin typeface="Times New Roman" panose="02020603050405020304" pitchFamily="18" charset="0"/>
+                  <a:cs typeface="Times New Roman" panose="02020603050405020304" pitchFamily="18" charset="0"/>
+                </a:defRPr>
+              </a:lvl1pPr>
+            </a:lstStyle>
+            <a:p>
+              <a:pPr algn="r"/>
+              <a:r>
+                <a:rPr lang="en-US" altLang="zh-CN" sz="1600" i="0" dirty="0">
+                  <a:latin typeface="Cambria Math" panose="02040503050406030204" pitchFamily="18" charset="0"/>
+                  <a:ea typeface="Cambria Math" panose="02040503050406030204" pitchFamily="18" charset="0"/>
+                </a:rPr>
+                <a:t>FI</a:t>
+              </a:r>
+              <a:endParaRPr lang="zh-CN" altLang="en-US" sz="1600" i="0" dirty="0">
+                <a:latin typeface="Cambria Math" panose="02040503050406030204" pitchFamily="18" charset="0"/>
+              </a:endParaRPr>
+            </a:p>
+          </p:txBody>
+        </p:sp>
+        <p:sp>
+          <p:nvSpPr>
+            <p:cNvPr id="99" name="文本框 98">
+              <a:extLst>
+                <a:ext uri="{FF2B5EF4-FFF2-40B4-BE49-F238E27FC236}">
+                  <a16:creationId xmlns:a16="http://schemas.microsoft.com/office/drawing/2014/main" id="{99711021-26A2-FCA8-3477-7DB09C786E0F}"/>
+                </a:ext>
+              </a:extLst>
+            </p:cNvPr>
+            <p:cNvSpPr txBox="1"/>
+            <p:nvPr/>
+          </p:nvSpPr>
+          <p:spPr>
+            <a:xfrm>
+              <a:off x="4853030" y="2153337"/>
+              <a:ext cx="473707" cy="259045"/>
+            </a:xfrm>
+            <a:prstGeom prst="rect">
+              <a:avLst/>
+            </a:prstGeom>
+          </p:spPr>
+          <p:txBody>
+            <a:bodyPr vert="horz" wrap="square" lIns="0" tIns="12700" rIns="0" bIns="0" rtlCol="0">
+              <a:spAutoFit/>
+            </a:bodyPr>
+            <a:lstStyle>
+              <a:defPPr>
+                <a:defRPr lang="zh-CN"/>
+              </a:defPPr>
+              <a:lvl1pPr marL="12700">
+                <a:lnSpc>
+                  <a:spcPct val="100000"/>
+                </a:lnSpc>
+                <a:spcBef>
+                  <a:spcPts val="100"/>
+                </a:spcBef>
+                <a:defRPr sz="1100" i="1">
+                  <a:latin typeface="Times New Roman" panose="02020603050405020304" pitchFamily="18" charset="0"/>
+                  <a:cs typeface="Times New Roman" panose="02020603050405020304" pitchFamily="18" charset="0"/>
+                </a:defRPr>
+              </a:lvl1pPr>
+            </a:lstStyle>
+            <a:p>
+              <a:pPr algn="r"/>
+              <a:r>
+                <a:rPr lang="en-US" altLang="zh-CN" sz="1600" i="0" dirty="0">
+                  <a:latin typeface="Cambria Math" panose="02040503050406030204" pitchFamily="18" charset="0"/>
+                  <a:ea typeface="Cambria Math" panose="02040503050406030204" pitchFamily="18" charset="0"/>
+                </a:rPr>
+                <a:t>BIX</a:t>
+              </a:r>
+              <a:endParaRPr lang="zh-CN" altLang="en-US" sz="1600" i="0" dirty="0">
+                <a:latin typeface="Cambria Math" panose="02040503050406030204" pitchFamily="18" charset="0"/>
+              </a:endParaRPr>
+            </a:p>
+          </p:txBody>
+        </p:sp>
+        <p:sp>
+          <p:nvSpPr>
+            <p:cNvPr id="100" name="文本框 99">
+              <a:extLst>
+                <a:ext uri="{FF2B5EF4-FFF2-40B4-BE49-F238E27FC236}">
+                  <a16:creationId xmlns:a16="http://schemas.microsoft.com/office/drawing/2014/main" id="{3B121519-E7E4-7946-5B2C-FE984D26529F}"/>
+                </a:ext>
+              </a:extLst>
+            </p:cNvPr>
+            <p:cNvSpPr txBox="1"/>
+            <p:nvPr/>
+          </p:nvSpPr>
+          <p:spPr>
+            <a:xfrm>
+              <a:off x="4887776" y="2389150"/>
+              <a:ext cx="446898" cy="259045"/>
+            </a:xfrm>
+            <a:prstGeom prst="rect">
+              <a:avLst/>
+            </a:prstGeom>
+          </p:spPr>
+          <p:txBody>
+            <a:bodyPr vert="horz" wrap="square" lIns="0" tIns="12700" rIns="0" bIns="0" rtlCol="0">
+              <a:spAutoFit/>
+            </a:bodyPr>
+            <a:lstStyle>
+              <a:defPPr>
+                <a:defRPr lang="zh-CN"/>
+              </a:defPPr>
+              <a:lvl1pPr marL="12700">
+                <a:lnSpc>
+                  <a:spcPct val="100000"/>
+                </a:lnSpc>
+                <a:spcBef>
+                  <a:spcPts val="100"/>
+                </a:spcBef>
+                <a:defRPr sz="1100" i="1">
+                  <a:latin typeface="Times New Roman" panose="02020603050405020304" pitchFamily="18" charset="0"/>
+                  <a:cs typeface="Times New Roman" panose="02020603050405020304" pitchFamily="18" charset="0"/>
+                </a:defRPr>
+              </a:lvl1pPr>
+            </a:lstStyle>
+            <a:p>
+              <a:pPr algn="r"/>
+              <a:r>
+                <a:rPr lang="en-US" altLang="zh-CN" sz="1600" i="0" dirty="0">
+                  <a:latin typeface="Cambria Math" panose="02040503050406030204" pitchFamily="18" charset="0"/>
+                  <a:ea typeface="Cambria Math" panose="02040503050406030204" pitchFamily="18" charset="0"/>
+                </a:rPr>
+                <a:t>HIX</a:t>
+              </a:r>
+              <a:endParaRPr lang="zh-CN" altLang="en-US" sz="1600" i="0" dirty="0">
+                <a:latin typeface="Cambria Math" panose="02040503050406030204" pitchFamily="18" charset="0"/>
+              </a:endParaRPr>
+            </a:p>
+          </p:txBody>
+        </p:sp>
+        <p:sp>
+          <p:nvSpPr>
+            <p:cNvPr id="101" name="文本框 100">
+              <a:extLst>
+                <a:ext uri="{FF2B5EF4-FFF2-40B4-BE49-F238E27FC236}">
+                  <a16:creationId xmlns:a16="http://schemas.microsoft.com/office/drawing/2014/main" id="{2E3C2888-C273-C254-A54D-9D3CABF20532}"/>
+                </a:ext>
+              </a:extLst>
+            </p:cNvPr>
+            <p:cNvSpPr txBox="1"/>
+            <p:nvPr/>
+          </p:nvSpPr>
+          <p:spPr>
+            <a:xfrm>
+              <a:off x="4874636" y="2602919"/>
+              <a:ext cx="437098" cy="259045"/>
+            </a:xfrm>
+            <a:prstGeom prst="rect">
+              <a:avLst/>
+            </a:prstGeom>
+          </p:spPr>
+          <p:txBody>
+            <a:bodyPr vert="horz" wrap="square" lIns="0" tIns="12700" rIns="0" bIns="0" rtlCol="0">
+              <a:spAutoFit/>
+            </a:bodyPr>
+            <a:lstStyle>
+              <a:defPPr>
+                <a:defRPr lang="zh-CN"/>
+              </a:defPPr>
+              <a:lvl1pPr marL="12700">
+                <a:lnSpc>
+                  <a:spcPct val="100000"/>
+                </a:lnSpc>
+                <a:spcBef>
+                  <a:spcPts val="100"/>
+                </a:spcBef>
+                <a:defRPr sz="1100" i="1">
+                  <a:latin typeface="Times New Roman" panose="02020603050405020304" pitchFamily="18" charset="0"/>
+                  <a:cs typeface="Times New Roman" panose="02020603050405020304" pitchFamily="18" charset="0"/>
+                </a:defRPr>
+              </a:lvl1pPr>
+            </a:lstStyle>
+            <a:p>
+              <a:pPr algn="r"/>
+              <a:r>
+                <a:rPr lang="el-GR" altLang="zh-CN" sz="1600" i="0" dirty="0">
+                  <a:latin typeface="Cambria Math" panose="02040503050406030204" pitchFamily="18" charset="0"/>
+                  <a:ea typeface="Cambria Math" panose="02040503050406030204" pitchFamily="18" charset="0"/>
+                </a:rPr>
+                <a:t>β:α</a:t>
+              </a:r>
+              <a:endParaRPr lang="zh-CN" altLang="en-US" sz="1600" i="0" dirty="0">
+                <a:latin typeface="Cambria Math" panose="02040503050406030204" pitchFamily="18" charset="0"/>
+              </a:endParaRPr>
+            </a:p>
+          </p:txBody>
+        </p:sp>
+        <p:sp>
+          <p:nvSpPr>
+            <p:cNvPr id="102" name="文本框 101">
+              <a:extLst>
+                <a:ext uri="{FF2B5EF4-FFF2-40B4-BE49-F238E27FC236}">
+                  <a16:creationId xmlns:a16="http://schemas.microsoft.com/office/drawing/2014/main" id="{A0EB02AD-2AF7-512F-7D91-B7DCF607CAAB}"/>
+                </a:ext>
+              </a:extLst>
+            </p:cNvPr>
+            <p:cNvSpPr txBox="1"/>
+            <p:nvPr/>
+          </p:nvSpPr>
+          <p:spPr>
+            <a:xfrm>
+              <a:off x="4599122" y="2829637"/>
+              <a:ext cx="727615" cy="259045"/>
+            </a:xfrm>
+            <a:prstGeom prst="rect">
+              <a:avLst/>
+            </a:prstGeom>
+          </p:spPr>
+          <p:txBody>
+            <a:bodyPr vert="horz" wrap="square" lIns="0" tIns="12700" rIns="0" bIns="0" rtlCol="0">
+              <a:spAutoFit/>
+            </a:bodyPr>
+            <a:lstStyle>
+              <a:defPPr>
+                <a:defRPr lang="zh-CN"/>
+              </a:defPPr>
+              <a:lvl1pPr marL="12700">
+                <a:lnSpc>
+                  <a:spcPct val="100000"/>
+                </a:lnSpc>
+                <a:spcBef>
+                  <a:spcPts val="100"/>
+                </a:spcBef>
+                <a:defRPr sz="1100" i="1">
+                  <a:latin typeface="Times New Roman" panose="02020603050405020304" pitchFamily="18" charset="0"/>
+                  <a:cs typeface="Times New Roman" panose="02020603050405020304" pitchFamily="18" charset="0"/>
+                </a:defRPr>
+              </a:lvl1pPr>
+            </a:lstStyle>
+            <a:p>
+              <a:pPr algn="r"/>
+              <a:r>
+                <a:rPr lang="en-US" altLang="zh-CN" sz="1600" i="0" dirty="0">
+                  <a:latin typeface="Cambria Math" panose="02040503050406030204" pitchFamily="18" charset="0"/>
+                  <a:ea typeface="Cambria Math" panose="02040503050406030204" pitchFamily="18" charset="0"/>
+                </a:rPr>
+                <a:t>Ⅰ-Area</a:t>
+              </a:r>
+              <a:endParaRPr lang="zh-CN" altLang="en-US" sz="1600" i="0" dirty="0">
+                <a:latin typeface="Cambria Math" panose="02040503050406030204" pitchFamily="18" charset="0"/>
+              </a:endParaRPr>
+            </a:p>
+          </p:txBody>
+        </p:sp>
+        <p:sp>
+          <p:nvSpPr>
+            <p:cNvPr id="103" name="文本框 102">
+              <a:extLst>
+                <a:ext uri="{FF2B5EF4-FFF2-40B4-BE49-F238E27FC236}">
+                  <a16:creationId xmlns:a16="http://schemas.microsoft.com/office/drawing/2014/main" id="{0E7C47B2-514B-5993-7077-4AF9ED1D3CEA}"/>
+                </a:ext>
+              </a:extLst>
+            </p:cNvPr>
+            <p:cNvSpPr txBox="1"/>
+            <p:nvPr/>
+          </p:nvSpPr>
+          <p:spPr>
+            <a:xfrm>
+              <a:off x="4988422" y="3990463"/>
+              <a:ext cx="310420" cy="259045"/>
+            </a:xfrm>
+            <a:prstGeom prst="rect">
+              <a:avLst/>
+            </a:prstGeom>
+          </p:spPr>
+          <p:txBody>
+            <a:bodyPr vert="horz" wrap="square" lIns="0" tIns="12700" rIns="0" bIns="0" rtlCol="0">
+              <a:spAutoFit/>
+            </a:bodyPr>
+            <a:lstStyle>
+              <a:defPPr>
+                <a:defRPr lang="zh-CN"/>
+              </a:defPPr>
+              <a:lvl1pPr marL="12700">
+                <a:lnSpc>
+                  <a:spcPct val="100000"/>
+                </a:lnSpc>
+                <a:spcBef>
+                  <a:spcPts val="100"/>
+                </a:spcBef>
+                <a:defRPr sz="1100" i="1">
+                  <a:latin typeface="Times New Roman" panose="02020603050405020304" pitchFamily="18" charset="0"/>
+                  <a:cs typeface="Times New Roman" panose="02020603050405020304" pitchFamily="18" charset="0"/>
+                </a:defRPr>
+              </a:lvl1pPr>
+            </a:lstStyle>
+            <a:p>
+              <a:pPr algn="r"/>
+              <a:r>
+                <a:rPr lang="en-US" altLang="zh-CN" sz="1600" i="0" dirty="0">
+                  <a:latin typeface="Cambria Math" panose="02040503050406030204" pitchFamily="18" charset="0"/>
+                  <a:ea typeface="Cambria Math" panose="02040503050406030204" pitchFamily="18" charset="0"/>
+                </a:rPr>
+                <a:t>pH</a:t>
+              </a:r>
+              <a:endParaRPr lang="zh-CN" altLang="en-US" sz="1600" i="0" dirty="0">
+                <a:latin typeface="Cambria Math" panose="02040503050406030204" pitchFamily="18" charset="0"/>
+              </a:endParaRPr>
+            </a:p>
+          </p:txBody>
+        </p:sp>
+        <p:sp>
+          <p:nvSpPr>
+            <p:cNvPr id="104" name="文本框 103">
+              <a:extLst>
+                <a:ext uri="{FF2B5EF4-FFF2-40B4-BE49-F238E27FC236}">
+                  <a16:creationId xmlns:a16="http://schemas.microsoft.com/office/drawing/2014/main" id="{6A64A51D-901A-82C6-B8C3-7171E8A0CEB6}"/>
+                </a:ext>
+              </a:extLst>
+            </p:cNvPr>
+            <p:cNvSpPr txBox="1"/>
+            <p:nvPr/>
+          </p:nvSpPr>
+          <p:spPr>
+            <a:xfrm>
+              <a:off x="4992326" y="4227030"/>
+              <a:ext cx="317913" cy="259045"/>
+            </a:xfrm>
+            <a:prstGeom prst="rect">
+              <a:avLst/>
+            </a:prstGeom>
+          </p:spPr>
+          <p:txBody>
+            <a:bodyPr vert="horz" wrap="square" lIns="0" tIns="12700" rIns="0" bIns="0" rtlCol="0">
+              <a:spAutoFit/>
+            </a:bodyPr>
+            <a:lstStyle>
+              <a:defPPr>
+                <a:defRPr lang="zh-CN"/>
+              </a:defPPr>
+              <a:lvl1pPr marL="12700">
+                <a:lnSpc>
+                  <a:spcPct val="100000"/>
+                </a:lnSpc>
+                <a:spcBef>
+                  <a:spcPts val="100"/>
+                </a:spcBef>
+                <a:defRPr sz="1100" i="1">
+                  <a:latin typeface="Times New Roman" panose="02020603050405020304" pitchFamily="18" charset="0"/>
+                  <a:cs typeface="Times New Roman" panose="02020603050405020304" pitchFamily="18" charset="0"/>
+                </a:defRPr>
+              </a:lvl1pPr>
+            </a:lstStyle>
+            <a:p>
+              <a:pPr algn="r"/>
+              <a:r>
+                <a:rPr lang="en-US" altLang="zh-CN" sz="1600" i="0" dirty="0">
+                  <a:latin typeface="Cambria Math" panose="02040503050406030204" pitchFamily="18" charset="0"/>
+                  <a:ea typeface="Cambria Math" panose="02040503050406030204" pitchFamily="18" charset="0"/>
+                </a:rPr>
+                <a:t>DO</a:t>
+              </a:r>
+              <a:endParaRPr lang="zh-CN" altLang="en-US" sz="1600" i="0" dirty="0">
+                <a:latin typeface="Cambria Math" panose="02040503050406030204" pitchFamily="18" charset="0"/>
+              </a:endParaRPr>
+            </a:p>
+          </p:txBody>
+        </p:sp>
+        <p:sp>
+          <p:nvSpPr>
+            <p:cNvPr id="105" name="文本框 104">
+              <a:extLst>
+                <a:ext uri="{FF2B5EF4-FFF2-40B4-BE49-F238E27FC236}">
+                  <a16:creationId xmlns:a16="http://schemas.microsoft.com/office/drawing/2014/main" id="{81515E58-7296-A181-AFD8-2CC2EF9FEC1A}"/>
+                </a:ext>
+              </a:extLst>
+            </p:cNvPr>
+            <p:cNvSpPr txBox="1"/>
+            <p:nvPr/>
+          </p:nvSpPr>
+          <p:spPr>
+            <a:xfrm>
+              <a:off x="5012523" y="4460058"/>
+              <a:ext cx="291346" cy="259045"/>
+            </a:xfrm>
+            <a:prstGeom prst="rect">
+              <a:avLst/>
+            </a:prstGeom>
+          </p:spPr>
+          <p:txBody>
+            <a:bodyPr vert="horz" wrap="square" lIns="0" tIns="12700" rIns="0" bIns="0" rtlCol="0">
+              <a:spAutoFit/>
+            </a:bodyPr>
+            <a:lstStyle>
+              <a:defPPr>
+                <a:defRPr lang="zh-CN"/>
+              </a:defPPr>
+              <a:lvl1pPr marL="12700">
+                <a:lnSpc>
+                  <a:spcPct val="100000"/>
+                </a:lnSpc>
+                <a:spcBef>
+                  <a:spcPts val="100"/>
+                </a:spcBef>
+                <a:defRPr sz="1100" i="1">
+                  <a:latin typeface="Times New Roman" panose="02020603050405020304" pitchFamily="18" charset="0"/>
+                  <a:cs typeface="Times New Roman" panose="02020603050405020304" pitchFamily="18" charset="0"/>
+                </a:defRPr>
+              </a:lvl1pPr>
+            </a:lstStyle>
+            <a:p>
+              <a:r>
+                <a:rPr lang="en-US" altLang="zh-CN" sz="1600" i="0" dirty="0">
+                  <a:latin typeface="Cambria Math" panose="02040503050406030204" pitchFamily="18" charset="0"/>
+                  <a:ea typeface="Cambria Math" panose="02040503050406030204" pitchFamily="18" charset="0"/>
+                </a:rPr>
+                <a:t>TN</a:t>
+              </a:r>
+              <a:endParaRPr lang="zh-CN" altLang="en-US" sz="1600" i="0" dirty="0">
+                <a:latin typeface="Cambria Math" panose="02040503050406030204" pitchFamily="18" charset="0"/>
+              </a:endParaRPr>
+            </a:p>
+          </p:txBody>
+        </p:sp>
+        <mc:AlternateContent xmlns:mc="http://schemas.openxmlformats.org/markup-compatibility/2006">
+          <mc:Choice xmlns:a14="http://schemas.microsoft.com/office/drawing/2010/main" Requires="a14">
+            <p:sp>
+              <p:nvSpPr>
+                <p:cNvPr id="106" name="文本框 105">
+                  <a:extLst>
+                    <a:ext uri="{FF2B5EF4-FFF2-40B4-BE49-F238E27FC236}">
+                      <a16:creationId xmlns:a16="http://schemas.microsoft.com/office/drawing/2014/main" id="{9C9EDE0D-A8FE-2686-AAE0-4260CFDAA977}"/>
+                    </a:ext>
+                  </a:extLst>
+                </p:cNvPr>
+                <p:cNvSpPr txBox="1"/>
+                <p:nvPr/>
+              </p:nvSpPr>
+              <p:spPr>
+                <a:xfrm>
+                  <a:off x="4936817" y="4680963"/>
+                  <a:ext cx="247318" cy="259045"/>
+                </a:xfrm>
+                <a:prstGeom prst="rect">
+                  <a:avLst/>
+                </a:prstGeom>
+              </p:spPr>
+              <p:txBody>
+                <a:bodyPr vert="horz" wrap="square" lIns="0" tIns="12700" rIns="0" bIns="0" rtlCol="0">
+                  <a:spAutoFit/>
+                </a:bodyPr>
+                <a:lstStyle>
+                  <a:defPPr>
+                    <a:defRPr lang="zh-CN"/>
+                  </a:defPPr>
+                  <a:lvl1pPr marL="12700">
+                    <a:lnSpc>
+                      <a:spcPct val="100000"/>
+                    </a:lnSpc>
+                    <a:spcBef>
+                      <a:spcPts val="100"/>
+                    </a:spcBef>
+                    <a:defRPr sz="1100" i="1">
+                      <a:latin typeface="Times New Roman" panose="02020603050405020304" pitchFamily="18" charset="0"/>
+                      <a:cs typeface="Times New Roman" panose="02020603050405020304" pitchFamily="18" charset="0"/>
+                    </a:defRPr>
+                  </a:lvl1pPr>
+                </a:lstStyle>
+                <a:p>
+                  <a:pPr/>
+                  <a14:m>
+                    <m:oMathPara xmlns:m="http://schemas.openxmlformats.org/officeDocument/2006/math">
+                      <m:oMathParaPr>
+                        <m:jc m:val="centerGroup"/>
+                      </m:oMathParaPr>
+                      <m:oMath xmlns:m="http://schemas.openxmlformats.org/officeDocument/2006/math">
+                        <m:sSubSup>
+                          <m:sSubSupPr>
+                            <m:ctrlPr>
+                              <a:rPr lang="en-US" altLang="zh-CN" sz="1600" i="1">
+                                <a:latin typeface="Cambria Math" panose="02040503050406030204" pitchFamily="18" charset="0"/>
+                                <a:ea typeface="Cambria Math" panose="02040503050406030204" pitchFamily="18" charset="0"/>
+                              </a:rPr>
+                            </m:ctrlPr>
+                          </m:sSubSupPr>
+                          <m:e>
+                            <m:r>
+                              <m:rPr>
+                                <m:sty m:val="p"/>
+                              </m:rPr>
+                              <a:rPr lang="en-US" altLang="zh-CN" sz="1600" i="0" smtClean="0">
+                                <a:latin typeface="Cambria Math" panose="02040503050406030204" pitchFamily="18" charset="0"/>
+                                <a:ea typeface="Cambria Math" panose="02040503050406030204" pitchFamily="18" charset="0"/>
+                              </a:rPr>
+                              <m:t>NO</m:t>
+                            </m:r>
+                          </m:e>
+                          <m:sub>
+                            <m:r>
+                              <a:rPr lang="en-US" altLang="zh-CN" sz="1600" i="0" smtClean="0">
+                                <a:latin typeface="Cambria Math" panose="02040503050406030204" pitchFamily="18" charset="0"/>
+                                <a:ea typeface="Cambria Math" panose="02040503050406030204" pitchFamily="18" charset="0"/>
+                              </a:rPr>
+                              <m:t>2</m:t>
+                            </m:r>
+                          </m:sub>
+                          <m:sup>
+                            <m:r>
+                              <a:rPr lang="en-US" altLang="zh-CN" sz="1600" i="0" smtClean="0">
+                                <a:latin typeface="Cambria Math" panose="02040503050406030204" pitchFamily="18" charset="0"/>
+                                <a:ea typeface="Cambria Math" panose="02040503050406030204" pitchFamily="18" charset="0"/>
+                              </a:rPr>
+                              <m:t>−</m:t>
+                            </m:r>
+                          </m:sup>
+                        </m:sSubSup>
+                      </m:oMath>
+                    </m:oMathPara>
+                  </a14:m>
+                  <a:endParaRPr lang="zh-CN" altLang="en-US" sz="1600" i="0" dirty="0">
+                    <a:latin typeface="Cambria Math" panose="02040503050406030204" pitchFamily="18" charset="0"/>
+                  </a:endParaRPr>
+                </a:p>
+              </p:txBody>
+            </p:sp>
+          </mc:Choice>
+          <mc:Fallback>
+            <p:sp>
+              <p:nvSpPr>
+                <p:cNvPr id="106" name="文本框 105">
+                  <a:extLst>
+                    <a:ext uri="{FF2B5EF4-FFF2-40B4-BE49-F238E27FC236}">
+                      <a16:creationId xmlns:a16="http://schemas.microsoft.com/office/drawing/2014/main" id="{9C9EDE0D-A8FE-2686-AAE0-4260CFDAA977}"/>
+                    </a:ext>
+                  </a:extLst>
+                </p:cNvPr>
+                <p:cNvSpPr txBox="1">
+                  <a:spLocks noRot="1" noChangeAspect="1" noMove="1" noResize="1" noEditPoints="1" noAdjustHandles="1" noChangeArrowheads="1" noChangeShapeType="1" noTextEdit="1"/>
+                </p:cNvSpPr>
+                <p:nvPr/>
+              </p:nvSpPr>
+              <p:spPr>
+                <a:xfrm>
+                  <a:off x="4936817" y="4680963"/>
+                  <a:ext cx="247318" cy="259045"/>
+                </a:xfrm>
+                <a:prstGeom prst="rect">
+                  <a:avLst/>
+                </a:prstGeom>
+                <a:blipFill>
+                  <a:blip r:embed="rId5"/>
+                  <a:stretch>
+                    <a:fillRect t="-68293" r="-16279" b="-21951"/>
+                  </a:stretch>
+                </a:blipFill>
+              </p:spPr>
+              <p:txBody>
+                <a:bodyPr/>
+                <a:lstStyle/>
+                <a:p>
+                  <a:r>
+                    <a:rPr lang="zh-CN" altLang="en-US">
+                      <a:noFill/>
+                    </a:rPr>
+                    <a:t> </a:t>
+                  </a:r>
+                </a:p>
+              </p:txBody>
+            </p:sp>
+          </mc:Fallback>
+        </mc:AlternateContent>
+        <mc:AlternateContent xmlns:mc="http://schemas.openxmlformats.org/markup-compatibility/2006">
+          <mc:Choice xmlns:a14="http://schemas.microsoft.com/office/drawing/2010/main" Requires="a14">
+            <p:sp>
+              <p:nvSpPr>
+                <p:cNvPr id="107" name="文本框 106">
+                  <a:extLst>
+                    <a:ext uri="{FF2B5EF4-FFF2-40B4-BE49-F238E27FC236}">
+                      <a16:creationId xmlns:a16="http://schemas.microsoft.com/office/drawing/2014/main" id="{1EE3A559-3D51-329E-6BD6-B67C040C9001}"/>
+                    </a:ext>
+                  </a:extLst>
+                </p:cNvPr>
+                <p:cNvSpPr txBox="1"/>
+                <p:nvPr/>
+              </p:nvSpPr>
+              <p:spPr>
+                <a:xfrm>
+                  <a:off x="4914670" y="4930918"/>
+                  <a:ext cx="247318" cy="259045"/>
+                </a:xfrm>
+                <a:prstGeom prst="rect">
+                  <a:avLst/>
+                </a:prstGeom>
+              </p:spPr>
+              <p:txBody>
+                <a:bodyPr vert="horz" wrap="square" lIns="0" tIns="12700" rIns="0" bIns="0" rtlCol="0">
+                  <a:spAutoFit/>
+                </a:bodyPr>
+                <a:lstStyle>
+                  <a:defPPr>
+                    <a:defRPr lang="zh-CN"/>
+                  </a:defPPr>
+                  <a:lvl1pPr marL="12700">
+                    <a:lnSpc>
+                      <a:spcPct val="100000"/>
+                    </a:lnSpc>
+                    <a:spcBef>
+                      <a:spcPts val="100"/>
+                    </a:spcBef>
+                    <a:defRPr sz="1100" i="1">
+                      <a:latin typeface="Times New Roman" panose="02020603050405020304" pitchFamily="18" charset="0"/>
+                      <a:cs typeface="Times New Roman" panose="02020603050405020304" pitchFamily="18" charset="0"/>
+                    </a:defRPr>
+                  </a:lvl1pPr>
+                </a:lstStyle>
+                <a:p>
+                  <a:pPr/>
+                  <a14:m>
+                    <m:oMathPara xmlns:m="http://schemas.openxmlformats.org/officeDocument/2006/math">
+                      <m:oMathParaPr>
+                        <m:jc m:val="centerGroup"/>
+                      </m:oMathParaPr>
+                      <m:oMath xmlns:m="http://schemas.openxmlformats.org/officeDocument/2006/math">
+                        <m:sSubSup>
+                          <m:sSubSupPr>
+                            <m:ctrlPr>
+                              <a:rPr lang="en-US" altLang="zh-CN" sz="1600" i="1">
+                                <a:latin typeface="Cambria Math" panose="02040503050406030204" pitchFamily="18" charset="0"/>
+                                <a:ea typeface="Cambria Math" panose="02040503050406030204" pitchFamily="18" charset="0"/>
+                              </a:rPr>
+                            </m:ctrlPr>
+                          </m:sSubSupPr>
+                          <m:e>
+                            <m:r>
+                              <m:rPr>
+                                <m:sty m:val="p"/>
+                              </m:rPr>
+                              <a:rPr lang="en-US" altLang="zh-CN" sz="1600" i="0" smtClean="0">
+                                <a:latin typeface="Cambria Math" panose="02040503050406030204" pitchFamily="18" charset="0"/>
+                                <a:ea typeface="Cambria Math" panose="02040503050406030204" pitchFamily="18" charset="0"/>
+                              </a:rPr>
+                              <m:t>NO</m:t>
+                            </m:r>
+                          </m:e>
+                          <m:sub>
+                            <m:r>
+                              <a:rPr lang="en-US" altLang="zh-CN" sz="1600" i="0" smtClean="0">
+                                <a:latin typeface="Cambria Math" panose="02040503050406030204" pitchFamily="18" charset="0"/>
+                                <a:ea typeface="Cambria Math" panose="02040503050406030204" pitchFamily="18" charset="0"/>
+                              </a:rPr>
+                              <m:t>3</m:t>
+                            </m:r>
+                          </m:sub>
+                          <m:sup>
+                            <m:r>
+                              <a:rPr lang="en-US" altLang="zh-CN" sz="1600" i="0" smtClean="0">
+                                <a:latin typeface="Cambria Math" panose="02040503050406030204" pitchFamily="18" charset="0"/>
+                                <a:ea typeface="Cambria Math" panose="02040503050406030204" pitchFamily="18" charset="0"/>
+                              </a:rPr>
+                              <m:t>−</m:t>
+                            </m:r>
+                          </m:sup>
+                        </m:sSubSup>
+                      </m:oMath>
+                    </m:oMathPara>
+                  </a14:m>
+                  <a:endParaRPr lang="zh-CN" altLang="en-US" sz="1600" i="0" dirty="0">
+                    <a:latin typeface="Cambria Math" panose="02040503050406030204" pitchFamily="18" charset="0"/>
+                  </a:endParaRPr>
+                </a:p>
+              </p:txBody>
+            </p:sp>
+          </mc:Choice>
+          <mc:Fallback>
+            <p:sp>
+              <p:nvSpPr>
+                <p:cNvPr id="107" name="文本框 106">
+                  <a:extLst>
+                    <a:ext uri="{FF2B5EF4-FFF2-40B4-BE49-F238E27FC236}">
+                      <a16:creationId xmlns:a16="http://schemas.microsoft.com/office/drawing/2014/main" id="{1EE3A559-3D51-329E-6BD6-B67C040C9001}"/>
+                    </a:ext>
+                  </a:extLst>
+                </p:cNvPr>
+                <p:cNvSpPr txBox="1">
+                  <a:spLocks noRot="1" noChangeAspect="1" noMove="1" noResize="1" noEditPoints="1" noAdjustHandles="1" noChangeArrowheads="1" noChangeShapeType="1" noTextEdit="1"/>
+                </p:cNvSpPr>
+                <p:nvPr/>
+              </p:nvSpPr>
+              <p:spPr>
+                <a:xfrm>
+                  <a:off x="4914670" y="4930918"/>
+                  <a:ext cx="247318" cy="259045"/>
+                </a:xfrm>
+                <a:prstGeom prst="rect">
+                  <a:avLst/>
+                </a:prstGeom>
+                <a:blipFill>
+                  <a:blip r:embed="rId6"/>
+                  <a:stretch>
+                    <a:fillRect t="-70000" r="-16279" b="-25000"/>
+                  </a:stretch>
+                </a:blipFill>
+              </p:spPr>
+              <p:txBody>
+                <a:bodyPr/>
+                <a:lstStyle/>
+                <a:p>
+                  <a:r>
+                    <a:rPr lang="zh-CN" altLang="en-US">
+                      <a:noFill/>
+                    </a:rPr>
+                    <a:t> </a:t>
+                  </a:r>
+                </a:p>
+              </p:txBody>
+            </p:sp>
+          </mc:Fallback>
+        </mc:AlternateContent>
+        <mc:AlternateContent xmlns:mc="http://schemas.openxmlformats.org/markup-compatibility/2006">
+          <mc:Choice xmlns:a14="http://schemas.microsoft.com/office/drawing/2010/main" Requires="a14">
+            <p:sp>
+              <p:nvSpPr>
+                <p:cNvPr id="108" name="文本框 107">
+                  <a:extLst>
+                    <a:ext uri="{FF2B5EF4-FFF2-40B4-BE49-F238E27FC236}">
+                      <a16:creationId xmlns:a16="http://schemas.microsoft.com/office/drawing/2014/main" id="{073F66C9-F9FF-969E-55FA-86F224A4462C}"/>
+                    </a:ext>
+                  </a:extLst>
+                </p:cNvPr>
+                <p:cNvSpPr txBox="1"/>
+                <p:nvPr/>
+              </p:nvSpPr>
+              <p:spPr>
+                <a:xfrm>
+                  <a:off x="4900954" y="5181345"/>
+                  <a:ext cx="245086" cy="259045"/>
+                </a:xfrm>
+                <a:prstGeom prst="rect">
+                  <a:avLst/>
+                </a:prstGeom>
+              </p:spPr>
+              <p:txBody>
+                <a:bodyPr vert="horz" wrap="square" lIns="0" tIns="12700" rIns="0" bIns="0" rtlCol="0">
+                  <a:spAutoFit/>
+                </a:bodyPr>
+                <a:lstStyle>
+                  <a:defPPr>
+                    <a:defRPr lang="zh-CN"/>
+                  </a:defPPr>
+                  <a:lvl1pPr marL="12700">
+                    <a:lnSpc>
+                      <a:spcPct val="100000"/>
+                    </a:lnSpc>
+                    <a:spcBef>
+                      <a:spcPts val="100"/>
+                    </a:spcBef>
+                    <a:defRPr sz="1100" i="1">
+                      <a:latin typeface="Times New Roman" panose="02020603050405020304" pitchFamily="18" charset="0"/>
+                      <a:cs typeface="Times New Roman" panose="02020603050405020304" pitchFamily="18" charset="0"/>
+                    </a:defRPr>
+                  </a:lvl1pPr>
+                </a:lstStyle>
+                <a:p>
+                  <a:pPr/>
+                  <a14:m>
+                    <m:oMathPara xmlns:m="http://schemas.openxmlformats.org/officeDocument/2006/math">
+                      <m:oMathParaPr>
+                        <m:jc m:val="centerGroup"/>
+                      </m:oMathParaPr>
+                      <m:oMath xmlns:m="http://schemas.openxmlformats.org/officeDocument/2006/math">
+                        <m:sSubSup>
+                          <m:sSubSupPr>
+                            <m:ctrlPr>
+                              <a:rPr lang="en-US" altLang="zh-CN" sz="1600" i="1">
+                                <a:latin typeface="Cambria Math" panose="02040503050406030204" pitchFamily="18" charset="0"/>
+                                <a:ea typeface="Cambria Math" panose="02040503050406030204" pitchFamily="18" charset="0"/>
+                              </a:rPr>
+                            </m:ctrlPr>
+                          </m:sSubSupPr>
+                          <m:e>
+                            <m:r>
+                              <m:rPr>
+                                <m:sty m:val="p"/>
+                              </m:rPr>
+                              <a:rPr lang="en-US" altLang="zh-CN" sz="1600" i="0" smtClean="0">
+                                <a:latin typeface="Cambria Math" panose="02040503050406030204" pitchFamily="18" charset="0"/>
+                                <a:ea typeface="Cambria Math" panose="02040503050406030204" pitchFamily="18" charset="0"/>
+                              </a:rPr>
+                              <m:t>NH</m:t>
+                            </m:r>
+                          </m:e>
+                          <m:sub>
+                            <m:r>
+                              <a:rPr lang="en-US" altLang="zh-CN" sz="1600" i="0" smtClean="0">
+                                <a:latin typeface="Cambria Math" panose="02040503050406030204" pitchFamily="18" charset="0"/>
+                                <a:ea typeface="Cambria Math" panose="02040503050406030204" pitchFamily="18" charset="0"/>
+                              </a:rPr>
+                              <m:t>4</m:t>
+                            </m:r>
+                          </m:sub>
+                          <m:sup>
+                            <m:r>
+                              <a:rPr lang="en-US" altLang="zh-CN" sz="1600" i="0" smtClean="0">
+                                <a:latin typeface="Cambria Math" panose="02040503050406030204" pitchFamily="18" charset="0"/>
+                                <a:ea typeface="Cambria Math" panose="02040503050406030204" pitchFamily="18" charset="0"/>
+                              </a:rPr>
+                              <m:t>+</m:t>
+                            </m:r>
+                          </m:sup>
+                        </m:sSubSup>
+                      </m:oMath>
+                    </m:oMathPara>
+                  </a14:m>
+                  <a:endParaRPr lang="zh-CN" altLang="en-US" sz="1600" i="0" dirty="0">
+                    <a:latin typeface="Cambria Math" panose="02040503050406030204" pitchFamily="18" charset="0"/>
+                  </a:endParaRPr>
+                </a:p>
+              </p:txBody>
+            </p:sp>
+          </mc:Choice>
+          <mc:Fallback>
+            <p:sp>
+              <p:nvSpPr>
+                <p:cNvPr id="108" name="文本框 107">
+                  <a:extLst>
+                    <a:ext uri="{FF2B5EF4-FFF2-40B4-BE49-F238E27FC236}">
+                      <a16:creationId xmlns:a16="http://schemas.microsoft.com/office/drawing/2014/main" id="{073F66C9-F9FF-969E-55FA-86F224A4462C}"/>
+                    </a:ext>
+                  </a:extLst>
+                </p:cNvPr>
+                <p:cNvSpPr txBox="1">
+                  <a:spLocks noRot="1" noChangeAspect="1" noMove="1" noResize="1" noEditPoints="1" noAdjustHandles="1" noChangeArrowheads="1" noChangeShapeType="1" noTextEdit="1"/>
+                </p:cNvSpPr>
+                <p:nvPr/>
+              </p:nvSpPr>
+              <p:spPr>
+                <a:xfrm>
+                  <a:off x="4900954" y="5181345"/>
+                  <a:ext cx="245086" cy="259045"/>
+                </a:xfrm>
+                <a:prstGeom prst="rect">
+                  <a:avLst/>
+                </a:prstGeom>
+                <a:blipFill>
+                  <a:blip r:embed="rId7"/>
+                  <a:stretch>
+                    <a:fillRect t="-80488" r="-16279" b="-21951"/>
+                  </a:stretch>
+                </a:blipFill>
+              </p:spPr>
+              <p:txBody>
+                <a:bodyPr/>
+                <a:lstStyle/>
+                <a:p>
+                  <a:r>
+                    <a:rPr lang="zh-CN" altLang="en-US">
+                      <a:noFill/>
+                    </a:rPr>
+                    <a:t> </a:t>
+                  </a:r>
+                </a:p>
+              </p:txBody>
+            </p:sp>
+          </mc:Fallback>
+        </mc:AlternateContent>
+        <p:sp>
+          <p:nvSpPr>
+            <p:cNvPr id="109" name="文本框 108">
+              <a:extLst>
+                <a:ext uri="{FF2B5EF4-FFF2-40B4-BE49-F238E27FC236}">
+                  <a16:creationId xmlns:a16="http://schemas.microsoft.com/office/drawing/2014/main" id="{95C2F307-03BB-91F3-D63C-9CCAE3C21257}"/>
+                </a:ext>
+              </a:extLst>
+            </p:cNvPr>
+            <p:cNvSpPr txBox="1"/>
+            <p:nvPr/>
+          </p:nvSpPr>
+          <p:spPr>
+            <a:xfrm>
+              <a:off x="4837826" y="5422682"/>
+              <a:ext cx="472413" cy="259045"/>
+            </a:xfrm>
+            <a:prstGeom prst="rect">
+              <a:avLst/>
+            </a:prstGeom>
+          </p:spPr>
+          <p:txBody>
+            <a:bodyPr vert="horz" wrap="square" lIns="0" tIns="12700" rIns="0" bIns="0" rtlCol="0">
+              <a:spAutoFit/>
+            </a:bodyPr>
+            <a:lstStyle>
+              <a:defPPr>
+                <a:defRPr lang="zh-CN"/>
+              </a:defPPr>
+              <a:lvl1pPr marL="12700">
+                <a:lnSpc>
+                  <a:spcPct val="100000"/>
+                </a:lnSpc>
+                <a:spcBef>
+                  <a:spcPts val="100"/>
+                </a:spcBef>
+                <a:defRPr sz="1100" i="1">
+                  <a:latin typeface="Times New Roman" panose="02020603050405020304" pitchFamily="18" charset="0"/>
+                  <a:cs typeface="Times New Roman" panose="02020603050405020304" pitchFamily="18" charset="0"/>
+                </a:defRPr>
+              </a:lvl1pPr>
+            </a:lstStyle>
+            <a:p>
+              <a:pPr algn="r"/>
+              <a:r>
+                <a:rPr lang="en-US" altLang="zh-CN" sz="1600" i="0" dirty="0">
+                  <a:latin typeface="Cambria Math" panose="02040503050406030204" pitchFamily="18" charset="0"/>
+                  <a:ea typeface="Cambria Math" panose="02040503050406030204" pitchFamily="18" charset="0"/>
+                </a:rPr>
+                <a:t>COD</a:t>
+              </a:r>
+              <a:endParaRPr lang="zh-CN" altLang="en-US" sz="1600" i="0" dirty="0">
+                <a:latin typeface="Cambria Math" panose="02040503050406030204" pitchFamily="18" charset="0"/>
+              </a:endParaRPr>
+            </a:p>
+          </p:txBody>
+        </p:sp>
+        <p:sp>
+          <p:nvSpPr>
+            <p:cNvPr id="110" name="文本框 109">
+              <a:extLst>
+                <a:ext uri="{FF2B5EF4-FFF2-40B4-BE49-F238E27FC236}">
+                  <a16:creationId xmlns:a16="http://schemas.microsoft.com/office/drawing/2014/main" id="{0B09776B-92F4-451B-225B-2F75878D9482}"/>
+                </a:ext>
+              </a:extLst>
+            </p:cNvPr>
+            <p:cNvSpPr txBox="1"/>
+            <p:nvPr/>
+          </p:nvSpPr>
+          <p:spPr>
+            <a:xfrm>
+              <a:off x="5168056" y="5636038"/>
+              <a:ext cx="64193" cy="259045"/>
+            </a:xfrm>
+            <a:prstGeom prst="rect">
+              <a:avLst/>
+            </a:prstGeom>
+          </p:spPr>
+          <p:txBody>
+            <a:bodyPr vert="horz" wrap="square" lIns="0" tIns="12700" rIns="0" bIns="0" rtlCol="0">
+              <a:spAutoFit/>
+            </a:bodyPr>
+            <a:lstStyle>
+              <a:defPPr>
+                <a:defRPr lang="zh-CN"/>
+              </a:defPPr>
+              <a:lvl1pPr marL="12700">
+                <a:lnSpc>
+                  <a:spcPct val="100000"/>
+                </a:lnSpc>
+                <a:spcBef>
+                  <a:spcPts val="100"/>
+                </a:spcBef>
+                <a:defRPr sz="1100" i="1">
+                  <a:latin typeface="Times New Roman" panose="02020603050405020304" pitchFamily="18" charset="0"/>
+                  <a:cs typeface="Times New Roman" panose="02020603050405020304" pitchFamily="18" charset="0"/>
+                </a:defRPr>
+              </a:lvl1pPr>
+            </a:lstStyle>
+            <a:p>
+              <a:r>
+                <a:rPr lang="en-US" altLang="zh-CN" sz="1600" i="0" dirty="0">
+                  <a:latin typeface="Cambria Math" panose="02040503050406030204" pitchFamily="18" charset="0"/>
+                  <a:ea typeface="Cambria Math" panose="02040503050406030204" pitchFamily="18" charset="0"/>
+                </a:rPr>
+                <a:t>T</a:t>
+              </a:r>
+              <a:endParaRPr lang="zh-CN" altLang="en-US" sz="1600" i="0" dirty="0">
+                <a:latin typeface="Cambria Math" panose="02040503050406030204" pitchFamily="18" charset="0"/>
+              </a:endParaRPr>
+            </a:p>
+          </p:txBody>
+        </p:sp>
+        <p:sp>
+          <p:nvSpPr>
+            <p:cNvPr id="111" name="文本框 110">
+              <a:extLst>
+                <a:ext uri="{FF2B5EF4-FFF2-40B4-BE49-F238E27FC236}">
+                  <a16:creationId xmlns:a16="http://schemas.microsoft.com/office/drawing/2014/main" id="{40C585FE-B4AC-36C9-1784-EB0EB123212C}"/>
+                </a:ext>
+              </a:extLst>
+            </p:cNvPr>
+            <p:cNvSpPr txBox="1"/>
+            <p:nvPr/>
+          </p:nvSpPr>
+          <p:spPr>
+            <a:xfrm>
+              <a:off x="4599128" y="3078535"/>
+              <a:ext cx="727610" cy="259045"/>
+            </a:xfrm>
+            <a:prstGeom prst="rect">
+              <a:avLst/>
+            </a:prstGeom>
+          </p:spPr>
+          <p:txBody>
+            <a:bodyPr vert="horz" wrap="square" lIns="0" tIns="12700" rIns="0" bIns="0" rtlCol="0">
+              <a:spAutoFit/>
+            </a:bodyPr>
+            <a:lstStyle>
+              <a:defPPr>
+                <a:defRPr lang="zh-CN"/>
+              </a:defPPr>
+              <a:lvl1pPr marL="12700">
+                <a:lnSpc>
+                  <a:spcPct val="100000"/>
+                </a:lnSpc>
+                <a:spcBef>
+                  <a:spcPts val="100"/>
+                </a:spcBef>
+                <a:defRPr sz="1100" i="1">
+                  <a:latin typeface="Times New Roman" panose="02020603050405020304" pitchFamily="18" charset="0"/>
+                  <a:cs typeface="Times New Roman" panose="02020603050405020304" pitchFamily="18" charset="0"/>
+                </a:defRPr>
+              </a:lvl1pPr>
+            </a:lstStyle>
+            <a:p>
+              <a:pPr algn="r"/>
+              <a:r>
+                <a:rPr lang="en-US" altLang="zh-CN" sz="1600" i="0" dirty="0">
+                  <a:latin typeface="Cambria Math" panose="02040503050406030204" pitchFamily="18" charset="0"/>
+                  <a:ea typeface="Cambria Math" panose="02040503050406030204" pitchFamily="18" charset="0"/>
+                </a:rPr>
+                <a:t>Ⅱ-Area</a:t>
+              </a:r>
+              <a:endParaRPr lang="zh-CN" altLang="en-US" sz="1600" i="0" dirty="0">
+                <a:latin typeface="Cambria Math" panose="02040503050406030204" pitchFamily="18" charset="0"/>
+              </a:endParaRPr>
+            </a:p>
+          </p:txBody>
+        </p:sp>
+        <p:sp>
+          <p:nvSpPr>
+            <p:cNvPr id="112" name="文本框 111">
+              <a:extLst>
+                <a:ext uri="{FF2B5EF4-FFF2-40B4-BE49-F238E27FC236}">
+                  <a16:creationId xmlns:a16="http://schemas.microsoft.com/office/drawing/2014/main" id="{B5042175-2D19-61B3-BD58-19B39A83246E}"/>
+                </a:ext>
+              </a:extLst>
+            </p:cNvPr>
+            <p:cNvSpPr txBox="1"/>
+            <p:nvPr/>
+          </p:nvSpPr>
+          <p:spPr>
+            <a:xfrm>
+              <a:off x="4599128" y="3299170"/>
+              <a:ext cx="727610" cy="259045"/>
+            </a:xfrm>
+            <a:prstGeom prst="rect">
+              <a:avLst/>
+            </a:prstGeom>
+          </p:spPr>
+          <p:txBody>
+            <a:bodyPr vert="horz" wrap="square" lIns="0" tIns="12700" rIns="0" bIns="0" rtlCol="0">
+              <a:spAutoFit/>
+            </a:bodyPr>
+            <a:lstStyle>
+              <a:defPPr>
+                <a:defRPr lang="zh-CN"/>
+              </a:defPPr>
+              <a:lvl1pPr marL="12700">
+                <a:lnSpc>
+                  <a:spcPct val="100000"/>
+                </a:lnSpc>
+                <a:spcBef>
+                  <a:spcPts val="100"/>
+                </a:spcBef>
+                <a:defRPr sz="1100" i="1">
+                  <a:latin typeface="Times New Roman" panose="02020603050405020304" pitchFamily="18" charset="0"/>
+                  <a:cs typeface="Times New Roman" panose="02020603050405020304" pitchFamily="18" charset="0"/>
+                </a:defRPr>
+              </a:lvl1pPr>
+            </a:lstStyle>
+            <a:p>
+              <a:pPr algn="r"/>
+              <a:r>
+                <a:rPr lang="en-US" altLang="zh-CN" sz="1600" i="0" dirty="0">
+                  <a:latin typeface="Cambria Math" panose="02040503050406030204" pitchFamily="18" charset="0"/>
+                  <a:ea typeface="Cambria Math" panose="02040503050406030204" pitchFamily="18" charset="0"/>
+                </a:rPr>
+                <a:t>Ⅲ-Area</a:t>
+              </a:r>
+              <a:endParaRPr lang="zh-CN" altLang="en-US" sz="1600" i="0" dirty="0">
+                <a:latin typeface="Cambria Math" panose="02040503050406030204" pitchFamily="18" charset="0"/>
+              </a:endParaRPr>
+            </a:p>
+          </p:txBody>
+        </p:sp>
+        <p:sp>
+          <p:nvSpPr>
+            <p:cNvPr id="113" name="文本框 112">
+              <a:extLst>
+                <a:ext uri="{FF2B5EF4-FFF2-40B4-BE49-F238E27FC236}">
+                  <a16:creationId xmlns:a16="http://schemas.microsoft.com/office/drawing/2014/main" id="{F757641C-F4F4-9A37-0848-679BA79FF3F5}"/>
+                </a:ext>
+              </a:extLst>
+            </p:cNvPr>
+            <p:cNvSpPr txBox="1"/>
+            <p:nvPr/>
+          </p:nvSpPr>
+          <p:spPr>
+            <a:xfrm>
+              <a:off x="4599128" y="3543572"/>
+              <a:ext cx="727610" cy="259045"/>
+            </a:xfrm>
+            <a:prstGeom prst="rect">
+              <a:avLst/>
+            </a:prstGeom>
+          </p:spPr>
+          <p:txBody>
+            <a:bodyPr vert="horz" wrap="square" lIns="0" tIns="12700" rIns="0" bIns="0" rtlCol="0">
+              <a:spAutoFit/>
+            </a:bodyPr>
+            <a:lstStyle>
+              <a:defPPr>
+                <a:defRPr lang="zh-CN"/>
+              </a:defPPr>
+              <a:lvl1pPr marL="12700">
+                <a:lnSpc>
+                  <a:spcPct val="100000"/>
+                </a:lnSpc>
+                <a:spcBef>
+                  <a:spcPts val="100"/>
+                </a:spcBef>
+                <a:defRPr sz="1100" i="1">
+                  <a:latin typeface="Times New Roman" panose="02020603050405020304" pitchFamily="18" charset="0"/>
+                  <a:cs typeface="Times New Roman" panose="02020603050405020304" pitchFamily="18" charset="0"/>
+                </a:defRPr>
+              </a:lvl1pPr>
+            </a:lstStyle>
+            <a:p>
+              <a:pPr algn="r"/>
+              <a:r>
+                <a:rPr lang="en-US" altLang="zh-CN" sz="1600" i="0" dirty="0">
+                  <a:latin typeface="Cambria Math" panose="02040503050406030204" pitchFamily="18" charset="0"/>
+                  <a:ea typeface="Cambria Math" panose="02040503050406030204" pitchFamily="18" charset="0"/>
+                </a:rPr>
+                <a:t>Ⅳ-Area</a:t>
+              </a:r>
+              <a:endParaRPr lang="zh-CN" altLang="en-US" sz="1600" i="0" dirty="0">
+                <a:latin typeface="Cambria Math" panose="02040503050406030204" pitchFamily="18" charset="0"/>
+              </a:endParaRPr>
+            </a:p>
+          </p:txBody>
+        </p:sp>
+        <p:sp>
+          <p:nvSpPr>
+            <p:cNvPr id="167" name="文本框 166">
+              <a:extLst>
+                <a:ext uri="{FF2B5EF4-FFF2-40B4-BE49-F238E27FC236}">
+                  <a16:creationId xmlns:a16="http://schemas.microsoft.com/office/drawing/2014/main" id="{34A2B9FB-A114-28E8-4493-7C3C6EE5208A}"/>
+                </a:ext>
+              </a:extLst>
+            </p:cNvPr>
+            <p:cNvSpPr txBox="1"/>
+            <p:nvPr/>
+          </p:nvSpPr>
+          <p:spPr>
+            <a:xfrm>
+              <a:off x="4599128" y="3774923"/>
+              <a:ext cx="727610" cy="259045"/>
+            </a:xfrm>
+            <a:prstGeom prst="rect">
+              <a:avLst/>
+            </a:prstGeom>
+          </p:spPr>
+          <p:txBody>
+            <a:bodyPr vert="horz" wrap="square" lIns="0" tIns="12700" rIns="0" bIns="0" rtlCol="0">
+              <a:spAutoFit/>
+            </a:bodyPr>
+            <a:lstStyle>
+              <a:defPPr>
+                <a:defRPr lang="zh-CN"/>
+              </a:defPPr>
+              <a:lvl1pPr marL="12700">
+                <a:lnSpc>
+                  <a:spcPct val="100000"/>
+                </a:lnSpc>
+                <a:spcBef>
+                  <a:spcPts val="100"/>
+                </a:spcBef>
+                <a:defRPr sz="1100" i="1">
+                  <a:latin typeface="Times New Roman" panose="02020603050405020304" pitchFamily="18" charset="0"/>
+                  <a:cs typeface="Times New Roman" panose="02020603050405020304" pitchFamily="18" charset="0"/>
+                </a:defRPr>
+              </a:lvl1pPr>
+            </a:lstStyle>
+            <a:p>
+              <a:pPr algn="r"/>
+              <a:r>
+                <a:rPr lang="en-US" altLang="zh-CN" sz="1600" i="0" dirty="0">
+                  <a:latin typeface="Cambria Math" panose="02040503050406030204" pitchFamily="18" charset="0"/>
+                  <a:ea typeface="Cambria Math" panose="02040503050406030204" pitchFamily="18" charset="0"/>
+                </a:rPr>
+                <a:t>Ⅴ-Area</a:t>
+              </a:r>
+              <a:endParaRPr lang="zh-CN" altLang="en-US" sz="1600" i="0" dirty="0">
+                <a:latin typeface="Cambria Math" panose="02040503050406030204" pitchFamily="18" charset="0"/>
+              </a:endParaRPr>
+            </a:p>
+          </p:txBody>
+        </p:sp>
+      </p:grpSp>
     </p:spTree>
   </p:cSld>
   <p:clrMapOvr>
